--- a/CI-CD for Care Rating Projects.pptx
+++ b/CI-CD for Care Rating Projects.pptx
@@ -2,7 +2,7 @@
 <file path=ppt/presentation.xml><?xml version="1.0" encoding="utf-8"?>
 <p:presentation xmlns:a="http://schemas.openxmlformats.org/drawingml/2006/main" xmlns:r="http://schemas.openxmlformats.org/officeDocument/2006/relationships" xmlns:p="http://schemas.openxmlformats.org/presentationml/2006/main" xmlns:p14="http://schemas.microsoft.com/office/powerpoint/2010/main">
   <p:sldMasterIdLst>
-    <p:sldMasterId id="2147483934" r:id="rId7"/>
+    <p:sldMasterId id="2147483935" r:id="rId7"/>
   </p:sldMasterIdLst>
   <p:sldIdLst>
     <p:sldId id="295" r:id="rId9"/>
@@ -31,12 +31,12 @@
   <p:extLst>
     <p:ext uri="{EFAFB233-063F-42B5-8137-9DF3F51BA10A}">
       <p15:sldGuideLst xmlns:p15="http://schemas.microsoft.com/office/powerpoint/2012/main">
-        <p15:guide id="0" orient="horz" pos="2875" userDrawn="1">
+        <p15:guide id="0" orient="horz" pos="2874" userDrawn="1">
           <p15:clr>
             <a:srgbClr val="A4A3A4"/>
           </p15:clr>
         </p15:guide>
-        <p15:guide id="1" pos="2155" userDrawn="1">
+        <p15:guide id="1" pos="2154" userDrawn="1">
           <p15:clr>
             <a:srgbClr val="A4A3A4"/>
           </p15:clr>
@@ -5731,7 +5731,7 @@
         <p:spPr>
           <a:xfrm>
             <a:off x="1031240" y="532765"/>
-            <a:ext cx="10782935" cy="504825"/>
+            <a:ext cx="10783570" cy="504825"/>
           </a:xfrm>
           <a:prstGeom prst="rect"/>
         </p:spPr>
@@ -5769,7 +5769,41 @@
                 <a:latin typeface="Verdana" charset="0"/>
                 <a:ea typeface="Verdana" charset="0"/>
               </a:rPr>
-              <a:t>CD/CD</a:t>
+              <a:t>C</a:t>
+            </a:r>
+            <a:r>
+              <a:rPr sz="3200" i="0" b="1">
+                <a:solidFill>
+                  <a:schemeClr val="tx2"/>
+                </a:solidFill>
+                <a:effectLst>
+                  <a:outerShdw sx="100000" sy="100000" blurRad="50800" dist="38100" dir="2700000" rotWithShape="0" algn="tl">
+                    <a:srgbClr val="000000">
+                      <a:alpha val="40000"/>
+                    </a:srgbClr>
+                  </a:outerShdw>
+                </a:effectLst>
+                <a:latin typeface="Verdana" charset="0"/>
+                <a:ea typeface="Verdana" charset="0"/>
+              </a:rPr>
+              <a:t>I</a:t>
+            </a:r>
+            <a:r>
+              <a:rPr sz="3200" i="0" b="1">
+                <a:solidFill>
+                  <a:schemeClr val="tx2"/>
+                </a:solidFill>
+                <a:effectLst>
+                  <a:outerShdw sx="100000" sy="100000" blurRad="50800" dist="38100" dir="2700000" rotWithShape="0" algn="tl">
+                    <a:srgbClr val="000000">
+                      <a:alpha val="40000"/>
+                    </a:srgbClr>
+                  </a:outerShdw>
+                </a:effectLst>
+                <a:latin typeface="Verdana" charset="0"/>
+                <a:ea typeface="Verdana" charset="0"/>
+              </a:rPr>
+              <a:t>/CD</a:t>
             </a:r>
             <a:r>
               <a:rPr sz="3200" i="0" b="0">

--- a/CI-CD for Care Rating Projects.pptx
+++ b/CI-CD for Care Rating Projects.pptx
@@ -1,54 +1,130 @@
 
 <file path=ppt/presentation.xml><?xml version="1.0" encoding="utf-8"?>
-<p:presentation xmlns:a="http://schemas.openxmlformats.org/drawingml/2006/main" xmlns:r="http://schemas.openxmlformats.org/officeDocument/2006/relationships" xmlns:p="http://schemas.openxmlformats.org/presentationml/2006/main" xmlns:p14="http://schemas.microsoft.com/office/powerpoint/2010/main">
+<p:presentation xmlns:a="http://schemas.openxmlformats.org/drawingml/2006/main" xmlns:r="http://schemas.openxmlformats.org/officeDocument/2006/relationships" xmlns:p="http://schemas.openxmlformats.org/presentationml/2006/main">
   <p:sldMasterIdLst>
-    <p:sldMasterId id="2147483935" r:id="rId7"/>
+    <p:sldMasterId id="2147483648" r:id="rId1"/>
   </p:sldMasterIdLst>
   <p:sldIdLst>
-    <p:sldId id="295" r:id="rId9"/>
-    <p:sldId id="257" r:id="rId10"/>
-    <p:sldId id="258" r:id="rId11"/>
-    <p:sldId id="259" r:id="rId12"/>
-    <p:sldId id="260" r:id="rId13"/>
-    <p:sldId id="261" r:id="rId14"/>
-    <p:sldId id="262" r:id="rId15"/>
-    <p:sldId id="263" r:id="rId16"/>
-    <p:sldId id="266" r:id="rId17"/>
-    <p:sldId id="296" r:id="rId18"/>
-    <p:sldId id="271" r:id="rId19"/>
-    <p:sldId id="297" r:id="rId20"/>
-    <p:sldId id="273" r:id="rId21"/>
-    <p:sldId id="278" r:id="rId22"/>
-    <p:sldId id="298" r:id="rId23"/>
-    <p:sldId id="280" r:id="rId24"/>
-    <p:sldId id="299" r:id="rId25"/>
-    <p:sldId id="300" r:id="rId26"/>
-    <p:sldId id="288" r:id="rId27"/>
-    <p:sldId id="294" r:id="rId28"/>
+    <p:sldId id="295" r:id="rId3"/>
+    <p:sldId id="257" r:id="rId4"/>
+    <p:sldId id="258" r:id="rId5"/>
+    <p:sldId id="259" r:id="rId6"/>
+    <p:sldId id="260" r:id="rId7"/>
+    <p:sldId id="261" r:id="rId8"/>
+    <p:sldId id="262" r:id="rId9"/>
+    <p:sldId id="263" r:id="rId10"/>
+    <p:sldId id="266" r:id="rId11"/>
+    <p:sldId id="296" r:id="rId12"/>
+    <p:sldId id="271" r:id="rId13"/>
+    <p:sldId id="297" r:id="rId14"/>
+    <p:sldId id="273" r:id="rId15"/>
+    <p:sldId id="278" r:id="rId16"/>
+    <p:sldId id="298" r:id="rId17"/>
+    <p:sldId id="280" r:id="rId18"/>
+    <p:sldId id="299" r:id="rId19"/>
+    <p:sldId id="300" r:id="rId20"/>
+    <p:sldId id="288" r:id="rId21"/>
+    <p:sldId id="294" r:id="rId22"/>
   </p:sldIdLst>
   <p:sldSz cx="12192000" cy="6858000"/>
   <p:notesSz cx="12192000" cy="6858000"/>
-  <p:extLst>
-    <p:ext uri="{EFAFB233-063F-42B5-8137-9DF3F51BA10A}">
-      <p15:sldGuideLst xmlns:p15="http://schemas.microsoft.com/office/powerpoint/2012/main">
-        <p15:guide id="0" orient="horz" pos="2874" userDrawn="1">
-          <p15:clr>
-            <a:srgbClr val="A4A3A4"/>
-          </p15:clr>
-        </p15:guide>
-        <p15:guide id="1" pos="2154" userDrawn="1">
-          <p15:clr>
-            <a:srgbClr val="A4A3A4"/>
-          </p15:clr>
-        </p15:guide>
-      </p15:sldGuideLst>
-    </p:ext>
-  </p:extLst>
+  <p:defaultTextStyle>
+    <a:lvl1pPr marL="0" algn="l" defTabSz="914400" rtl="0" eaLnBrk="1" latinLnBrk="0" hangingPunct="1">
+      <a:defRPr sz="1800" kern="1200">
+        <a:solidFill>
+          <a:schemeClr val="tx1"/>
+        </a:solidFill>
+        <a:latin typeface="+mn-lt"/>
+        <a:ea typeface="+mn-ea"/>
+        <a:cs typeface="+mn-cs"/>
+      </a:defRPr>
+    </a:lvl1pPr>
+    <a:lvl2pPr marL="457200" algn="l" defTabSz="914400" rtl="0" eaLnBrk="1" latinLnBrk="0" hangingPunct="1">
+      <a:defRPr sz="1800" kern="1200">
+        <a:solidFill>
+          <a:schemeClr val="tx1"/>
+        </a:solidFill>
+        <a:latin typeface="+mn-lt"/>
+        <a:ea typeface="+mn-ea"/>
+        <a:cs typeface="+mn-cs"/>
+      </a:defRPr>
+    </a:lvl2pPr>
+    <a:lvl3pPr marL="914400" algn="l" defTabSz="914400" rtl="0" eaLnBrk="1" latinLnBrk="0" hangingPunct="1">
+      <a:defRPr sz="1800" kern="1200">
+        <a:solidFill>
+          <a:schemeClr val="tx1"/>
+        </a:solidFill>
+        <a:latin typeface="+mn-lt"/>
+        <a:ea typeface="+mn-ea"/>
+        <a:cs typeface="+mn-cs"/>
+      </a:defRPr>
+    </a:lvl3pPr>
+    <a:lvl4pPr marL="1371600" algn="l" defTabSz="914400" rtl="0" eaLnBrk="1" latinLnBrk="0" hangingPunct="1">
+      <a:defRPr sz="1800" kern="1200">
+        <a:solidFill>
+          <a:schemeClr val="tx1"/>
+        </a:solidFill>
+        <a:latin typeface="+mn-lt"/>
+        <a:ea typeface="+mn-ea"/>
+        <a:cs typeface="+mn-cs"/>
+      </a:defRPr>
+    </a:lvl4pPr>
+    <a:lvl5pPr marL="1828800" algn="l" defTabSz="914400" rtl="0" eaLnBrk="1" latinLnBrk="0" hangingPunct="1">
+      <a:defRPr sz="1800" kern="1200">
+        <a:solidFill>
+          <a:schemeClr val="tx1"/>
+        </a:solidFill>
+        <a:latin typeface="+mn-lt"/>
+        <a:ea typeface="+mn-ea"/>
+        <a:cs typeface="+mn-cs"/>
+      </a:defRPr>
+    </a:lvl5pPr>
+    <a:lvl6pPr marL="2286000" algn="l" defTabSz="914400" rtl="0" eaLnBrk="1" latinLnBrk="0" hangingPunct="1">
+      <a:defRPr sz="1800" kern="1200">
+        <a:solidFill>
+          <a:schemeClr val="tx1"/>
+        </a:solidFill>
+        <a:latin typeface="+mn-lt"/>
+        <a:ea typeface="+mn-ea"/>
+        <a:cs typeface="+mn-cs"/>
+      </a:defRPr>
+    </a:lvl6pPr>
+    <a:lvl7pPr marL="2743200" algn="l" defTabSz="914400" rtl="0" eaLnBrk="1" latinLnBrk="0" hangingPunct="1">
+      <a:defRPr sz="1800" kern="1200">
+        <a:solidFill>
+          <a:schemeClr val="tx1"/>
+        </a:solidFill>
+        <a:latin typeface="+mn-lt"/>
+        <a:ea typeface="+mn-ea"/>
+        <a:cs typeface="+mn-cs"/>
+      </a:defRPr>
+    </a:lvl7pPr>
+    <a:lvl8pPr marL="3200400" algn="l" defTabSz="914400" rtl="0" eaLnBrk="1" latinLnBrk="0" hangingPunct="1">
+      <a:defRPr sz="1800" kern="1200">
+        <a:solidFill>
+          <a:schemeClr val="tx1"/>
+        </a:solidFill>
+        <a:latin typeface="+mn-lt"/>
+        <a:ea typeface="+mn-ea"/>
+        <a:cs typeface="+mn-cs"/>
+      </a:defRPr>
+    </a:lvl8pPr>
+    <a:lvl9pPr marL="3657600" algn="l" defTabSz="914400" rtl="0" eaLnBrk="1" latinLnBrk="0" hangingPunct="1">
+      <a:defRPr sz="1800" kern="1200">
+        <a:solidFill>
+          <a:schemeClr val="tx1"/>
+        </a:solidFill>
+        <a:latin typeface="+mn-lt"/>
+        <a:ea typeface="+mn-ea"/>
+        <a:cs typeface="+mn-cs"/>
+      </a:defRPr>
+    </a:lvl9pPr>
+  </p:defaultTextStyle>
 </p:presentation>
 </file>
 
 <file path=ppt/slideLayouts/slideLayout1.xml><?xml version="1.0" encoding="utf-8"?>
-<p:sldLayout xmlns:a="http://schemas.openxmlformats.org/drawingml/2006/main" xmlns:r="http://schemas.openxmlformats.org/officeDocument/2006/relationships" xmlns:p="http://schemas.openxmlformats.org/presentationml/2006/main" xmlns:p14="http://schemas.microsoft.com/office/powerpoint/2010/main" preserve="1" type="obj">
+<p:sldLayout xmlns:a="http://schemas.openxmlformats.org/drawingml/2006/main" xmlns:r="http://schemas.openxmlformats.org/officeDocument/2006/relationships" xmlns:p="http://schemas.openxmlformats.org/presentationml/2006/main" type="obj" preserve="1">
   <p:cSld name="Title Slide">
     <p:spTree>
       <p:nvGrpSpPr>
@@ -75,14 +151,16 @@
           </p:nvPr>
         </p:nvSpPr>
         <p:spPr>
-          <a:xfrm rot="0">
+          <a:xfrm>
             <a:off x="914400" y="2125980"/>
             <a:ext cx="10364470" cy="278130"/>
           </a:xfrm>
-          <a:prstGeom prst="rect"/>
+          <a:prstGeom prst="rect">
+            <a:avLst/>
+          </a:prstGeom>
         </p:spPr>
         <p:txBody>
-          <a:bodyPr wrap="square" lIns="0" tIns="0" rIns="0" bIns="0" numCol="1" vert="horz" anchor="t">
+          <a:bodyPr vert="horz" wrap="square" lIns="0" tIns="0" rIns="0" bIns="0" numCol="1" anchor="t">
             <a:spAutoFit/>
           </a:bodyPr>
           <a:lstStyle>
@@ -98,8 +176,8 @@
               <a:buNone/>
             </a:pPr>
             <a:endParaRPr lang="ko-KR" altLang="en-US">
-              <a:latin typeface="Calibri" charset="0"/>
-              <a:ea typeface="맑은 고딕" charset="0"/>
+              <a:latin typeface="Calibri" panose="020F0502020204030204" charset="0"/>
+              <a:ea typeface="Malgun Gothic" panose="020B0503020000020004" charset="-127"/>
               <a:cs typeface="+mj-cs"/>
             </a:endParaRPr>
           </a:p>
@@ -116,14 +194,16 @@
           </p:nvPr>
         </p:nvSpPr>
         <p:spPr>
-          <a:xfrm rot="0">
+          <a:xfrm>
             <a:off x="1828800" y="3840480"/>
             <a:ext cx="8535670" cy="278130"/>
           </a:xfrm>
-          <a:prstGeom prst="rect"/>
+          <a:prstGeom prst="rect">
+            <a:avLst/>
+          </a:prstGeom>
         </p:spPr>
         <p:txBody>
-          <a:bodyPr wrap="square" lIns="0" tIns="0" rIns="0" bIns="0" numCol="1" vert="horz" anchor="t">
+          <a:bodyPr vert="horz" wrap="square" lIns="0" tIns="0" rIns="0" bIns="0" numCol="1" anchor="t">
             <a:spAutoFit/>
           </a:bodyPr>
           <a:lstStyle>
@@ -139,8 +219,8 @@
               <a:buNone/>
             </a:pPr>
             <a:endParaRPr lang="ko-KR" altLang="en-US">
-              <a:latin typeface="Calibri" charset="0"/>
-              <a:ea typeface="맑은 고딕" charset="0"/>
+              <a:latin typeface="Calibri" panose="020F0502020204030204" charset="0"/>
+              <a:ea typeface="Malgun Gothic" panose="020B0503020000020004" charset="-127"/>
               <a:cs typeface="+mn-cs"/>
             </a:endParaRPr>
           </a:p>
@@ -157,14 +237,16 @@
           </p:nvPr>
         </p:nvSpPr>
         <p:spPr>
-          <a:xfrm rot="0">
+          <a:xfrm>
             <a:off x="4145280" y="6377940"/>
             <a:ext cx="3902710" cy="344170"/>
           </a:xfrm>
-          <a:prstGeom prst="rect"/>
+          <a:prstGeom prst="rect">
+            <a:avLst/>
+          </a:prstGeom>
         </p:spPr>
         <p:txBody>
-          <a:bodyPr wrap="square" lIns="0" tIns="0" rIns="0" bIns="0" numCol="1" vert="horz" anchor="t">
+          <a:bodyPr vert="horz" wrap="square" lIns="0" tIns="0" rIns="0" bIns="0" numCol="1" anchor="t">
             <a:spAutoFit/>
           </a:bodyPr>
           <a:lstStyle>
@@ -199,14 +281,16 @@
           </p:nvPr>
         </p:nvSpPr>
         <p:spPr>
-          <a:xfrm rot="0">
+          <a:xfrm>
             <a:off x="609600" y="6377940"/>
             <a:ext cx="2805430" cy="344170"/>
           </a:xfrm>
-          <a:prstGeom prst="rect"/>
+          <a:prstGeom prst="rect">
+            <a:avLst/>
+          </a:prstGeom>
         </p:spPr>
         <p:txBody>
-          <a:bodyPr wrap="square" lIns="0" tIns="0" rIns="0" bIns="0" numCol="1" vert="horz" anchor="t">
+          <a:bodyPr vert="horz" wrap="square" lIns="0" tIns="0" rIns="0" bIns="0" numCol="1" anchor="t">
             <a:spAutoFit/>
           </a:bodyPr>
           <a:lstStyle>
@@ -227,7 +311,10 @@
               <a:buFontTx/>
               <a:buNone/>
             </a:pPr>
-            <a:fld id="{B9320F77-B9A0-41C5-862A-B4B631284C64}" type="datetime1"/>
+            <a:fld id="{B9320F77-B9A0-41C5-862A-B4B631284C64}" type="datetime1">
+              <a:rPr/>
+            </a:fld>
+            <a:endParaRPr/>
           </a:p>
         </p:txBody>
       </p:sp>
@@ -242,14 +329,16 @@
           </p:nvPr>
         </p:nvSpPr>
         <p:spPr>
-          <a:xfrm rot="0">
+          <a:xfrm>
             <a:off x="8778240" y="6377940"/>
             <a:ext cx="2805430" cy="344170"/>
           </a:xfrm>
-          <a:prstGeom prst="rect"/>
+          <a:prstGeom prst="rect">
+            <a:avLst/>
+          </a:prstGeom>
         </p:spPr>
         <p:txBody>
-          <a:bodyPr wrap="square" lIns="0" tIns="0" rIns="0" bIns="0" numCol="1" vert="horz" anchor="t">
+          <a:bodyPr vert="horz" wrap="square" lIns="0" tIns="0" rIns="0" bIns="0" numCol="1" anchor="t">
             <a:spAutoFit/>
           </a:bodyPr>
           <a:lstStyle>
@@ -272,8 +361,8 @@
             </a:pPr>
             <a:fld id="{B9320F77-B9A0-41C5-862A-B4B631284C64}" type="slidenum">
               <a:rPr/>
-              <a:t>#</a:t>
             </a:fld>
+            <a:endParaRPr/>
           </a:p>
         </p:txBody>
       </p:sp>
@@ -294,7 +383,7 @@
 </file>
 
 <file path=ppt/slideLayouts/slideLayout2.xml><?xml version="1.0" encoding="utf-8"?>
-<p:sldLayout xmlns:a="http://schemas.openxmlformats.org/drawingml/2006/main" xmlns:r="http://schemas.openxmlformats.org/officeDocument/2006/relationships" xmlns:p="http://schemas.openxmlformats.org/presentationml/2006/main" xmlns:p14="http://schemas.microsoft.com/office/powerpoint/2010/main" preserve="1" type="obj">
+<p:sldLayout xmlns:a="http://schemas.openxmlformats.org/drawingml/2006/main" xmlns:r="http://schemas.openxmlformats.org/officeDocument/2006/relationships" xmlns:p="http://schemas.openxmlformats.org/presentationml/2006/main" type="obj" preserve="1">
   <p:cSld name="Title and Content">
     <p:spTree>
       <p:nvGrpSpPr>
@@ -321,26 +410,28 @@
           </p:nvPr>
         </p:nvSpPr>
         <p:spPr>
-          <a:xfrm rot="0">
+          <a:xfrm>
             <a:off x="1025525" y="583565"/>
             <a:ext cx="10141585" cy="493395"/>
           </a:xfrm>
-          <a:prstGeom prst="rect"/>
+          <a:prstGeom prst="rect">
+            <a:avLst/>
+          </a:prstGeom>
         </p:spPr>
         <p:txBody>
-          <a:bodyPr wrap="square" lIns="0" tIns="0" rIns="0" bIns="0" numCol="1" vert="horz" anchor="t">
+          <a:bodyPr vert="horz" wrap="square" lIns="0" tIns="0" rIns="0" bIns="0" numCol="1" anchor="t">
             <a:spAutoFit/>
           </a:bodyPr>
           <a:lstStyle>
             <a:lvl1pPr marL="0" indent="0" latinLnBrk="0">
               <a:buFontTx/>
               <a:buNone/>
-              <a:defRPr lang="en-GB" altLang="en-US" sz="3200" i="0" b="1">
+              <a:defRPr lang="en-GB" altLang="en-US" sz="3200" b="1" i="0">
                 <a:solidFill>
                   <a:srgbClr val="FF8D3D"/>
                 </a:solidFill>
-                <a:latin typeface="Verdana" charset="0"/>
-                <a:cs typeface="Verdana" charset="0"/>
+                <a:latin typeface="Verdana" panose="020B0604030504040204" charset="0"/>
+                <a:cs typeface="Verdana" panose="020B0604030504040204" charset="0"/>
               </a:defRPr>
             </a:lvl1pPr>
           </a:lstStyle>
@@ -350,8 +441,8 @@
               <a:buNone/>
             </a:pPr>
             <a:endParaRPr lang="ko-KR" altLang="en-US">
-              <a:latin typeface="Calibri" charset="0"/>
-              <a:ea typeface="맑은 고딕" charset="0"/>
+              <a:latin typeface="Calibri" panose="020F0502020204030204" charset="0"/>
+              <a:ea typeface="Malgun Gothic" panose="020B0503020000020004" charset="-127"/>
               <a:cs typeface="+mj-cs"/>
             </a:endParaRPr>
           </a:p>
@@ -368,21 +459,23 @@
           </p:nvPr>
         </p:nvSpPr>
         <p:spPr>
-          <a:xfrm rot="0">
+          <a:xfrm>
             <a:off x="934720" y="1954530"/>
             <a:ext cx="8148320" cy="278130"/>
           </a:xfrm>
-          <a:prstGeom prst="rect"/>
+          <a:prstGeom prst="rect">
+            <a:avLst/>
+          </a:prstGeom>
         </p:spPr>
         <p:txBody>
-          <a:bodyPr wrap="square" lIns="0" tIns="0" rIns="0" bIns="0" numCol="1" vert="horz" anchor="t">
+          <a:bodyPr vert="horz" wrap="square" lIns="0" tIns="0" rIns="0" bIns="0" numCol="1" anchor="t">
             <a:spAutoFit/>
           </a:bodyPr>
           <a:lstStyle>
             <a:lvl1pPr marL="0" indent="0" latinLnBrk="0">
               <a:buFontTx/>
               <a:buNone/>
-              <a:defRPr lang="en-GB" altLang="en-US" i="0" b="0">
+              <a:defRPr lang="en-GB" altLang="en-US" b="0" i="0">
                 <a:solidFill>
                   <a:schemeClr val="tx1"/>
                 </a:solidFill>
@@ -395,8 +488,8 @@
               <a:buNone/>
             </a:pPr>
             <a:endParaRPr lang="ko-KR" altLang="en-US">
-              <a:latin typeface="Calibri" charset="0"/>
-              <a:ea typeface="맑은 고딕" charset="0"/>
+              <a:latin typeface="Calibri" panose="020F0502020204030204" charset="0"/>
+              <a:ea typeface="Malgun Gothic" panose="020B0503020000020004" charset="-127"/>
               <a:cs typeface="+mn-cs"/>
             </a:endParaRPr>
           </a:p>
@@ -413,14 +506,16 @@
           </p:nvPr>
         </p:nvSpPr>
         <p:spPr>
-          <a:xfrm rot="0">
+          <a:xfrm>
             <a:off x="4145280" y="6377940"/>
             <a:ext cx="3902710" cy="344170"/>
           </a:xfrm>
-          <a:prstGeom prst="rect"/>
+          <a:prstGeom prst="rect">
+            <a:avLst/>
+          </a:prstGeom>
         </p:spPr>
         <p:txBody>
-          <a:bodyPr wrap="square" lIns="0" tIns="0" rIns="0" bIns="0" numCol="1" vert="horz" anchor="t">
+          <a:bodyPr vert="horz" wrap="square" lIns="0" tIns="0" rIns="0" bIns="0" numCol="1" anchor="t">
             <a:spAutoFit/>
           </a:bodyPr>
           <a:lstStyle>
@@ -455,14 +550,16 @@
           </p:nvPr>
         </p:nvSpPr>
         <p:spPr>
-          <a:xfrm rot="0">
+          <a:xfrm>
             <a:off x="609600" y="6377940"/>
             <a:ext cx="2805430" cy="344170"/>
           </a:xfrm>
-          <a:prstGeom prst="rect"/>
+          <a:prstGeom prst="rect">
+            <a:avLst/>
+          </a:prstGeom>
         </p:spPr>
         <p:txBody>
-          <a:bodyPr wrap="square" lIns="0" tIns="0" rIns="0" bIns="0" numCol="1" vert="horz" anchor="t">
+          <a:bodyPr vert="horz" wrap="square" lIns="0" tIns="0" rIns="0" bIns="0" numCol="1" anchor="t">
             <a:spAutoFit/>
           </a:bodyPr>
           <a:lstStyle>
@@ -483,7 +580,10 @@
               <a:buFontTx/>
               <a:buNone/>
             </a:pPr>
-            <a:fld id="{B9320F77-B9A0-41C5-862A-B4B631284C64}" type="datetime1"/>
+            <a:fld id="{B9320F77-B9A0-41C5-862A-B4B631284C64}" type="datetime1">
+              <a:rPr/>
+            </a:fld>
+            <a:endParaRPr/>
           </a:p>
         </p:txBody>
       </p:sp>
@@ -498,14 +598,16 @@
           </p:nvPr>
         </p:nvSpPr>
         <p:spPr>
-          <a:xfrm rot="0">
+          <a:xfrm>
             <a:off x="8778240" y="6377940"/>
             <a:ext cx="2805430" cy="344170"/>
           </a:xfrm>
-          <a:prstGeom prst="rect"/>
+          <a:prstGeom prst="rect">
+            <a:avLst/>
+          </a:prstGeom>
         </p:spPr>
         <p:txBody>
-          <a:bodyPr wrap="square" lIns="0" tIns="0" rIns="0" bIns="0" numCol="1" vert="horz" anchor="t">
+          <a:bodyPr vert="horz" wrap="square" lIns="0" tIns="0" rIns="0" bIns="0" numCol="1" anchor="t">
             <a:spAutoFit/>
           </a:bodyPr>
           <a:lstStyle>
@@ -528,8 +630,8 @@
             </a:pPr>
             <a:fld id="{B9320F77-B9A0-41C5-862A-B4B631284C64}" type="slidenum">
               <a:rPr/>
-              <a:t>#</a:t>
             </a:fld>
+            <a:endParaRPr/>
           </a:p>
         </p:txBody>
       </p:sp>
@@ -550,7 +652,7 @@
 </file>
 
 <file path=ppt/slideLayouts/slideLayout3.xml><?xml version="1.0" encoding="utf-8"?>
-<p:sldLayout xmlns:a="http://schemas.openxmlformats.org/drawingml/2006/main" xmlns:r="http://schemas.openxmlformats.org/officeDocument/2006/relationships" xmlns:p="http://schemas.openxmlformats.org/presentationml/2006/main" xmlns:p14="http://schemas.microsoft.com/office/powerpoint/2010/main" preserve="1" type="obj">
+<p:sldLayout xmlns:a="http://schemas.openxmlformats.org/drawingml/2006/main" xmlns:r="http://schemas.openxmlformats.org/officeDocument/2006/relationships" xmlns:p="http://schemas.openxmlformats.org/presentationml/2006/main" type="obj" preserve="1">
   <p:cSld name="Two Content">
     <p:spTree>
       <p:nvGrpSpPr>
@@ -577,26 +679,28 @@
           </p:nvPr>
         </p:nvSpPr>
         <p:spPr>
-          <a:xfrm rot="0">
+          <a:xfrm>
             <a:off x="1025525" y="583565"/>
             <a:ext cx="10141585" cy="493395"/>
           </a:xfrm>
-          <a:prstGeom prst="rect"/>
+          <a:prstGeom prst="rect">
+            <a:avLst/>
+          </a:prstGeom>
         </p:spPr>
         <p:txBody>
-          <a:bodyPr wrap="square" lIns="0" tIns="0" rIns="0" bIns="0" numCol="1" vert="horz" anchor="t">
+          <a:bodyPr vert="horz" wrap="square" lIns="0" tIns="0" rIns="0" bIns="0" numCol="1" anchor="t">
             <a:spAutoFit/>
           </a:bodyPr>
           <a:lstStyle>
             <a:lvl1pPr marL="0" indent="0" latinLnBrk="0">
               <a:buFontTx/>
               <a:buNone/>
-              <a:defRPr lang="en-GB" altLang="en-US" sz="3200" i="0" b="1">
+              <a:defRPr lang="en-GB" altLang="en-US" sz="3200" b="1" i="0">
                 <a:solidFill>
                   <a:srgbClr val="FF8D3D"/>
                 </a:solidFill>
-                <a:latin typeface="Verdana" charset="0"/>
-                <a:cs typeface="Verdana" charset="0"/>
+                <a:latin typeface="Verdana" panose="020B0604030504040204" charset="0"/>
+                <a:cs typeface="Verdana" panose="020B0604030504040204" charset="0"/>
               </a:defRPr>
             </a:lvl1pPr>
           </a:lstStyle>
@@ -606,8 +710,8 @@
               <a:buNone/>
             </a:pPr>
             <a:endParaRPr lang="ko-KR" altLang="en-US">
-              <a:latin typeface="Calibri" charset="0"/>
-              <a:ea typeface="맑은 고딕" charset="0"/>
+              <a:latin typeface="Calibri" panose="020F0502020204030204" charset="0"/>
+              <a:ea typeface="Malgun Gothic" panose="020B0503020000020004" charset="-127"/>
               <a:cs typeface="+mj-cs"/>
             </a:endParaRPr>
           </a:p>
@@ -620,18 +724,20 @@
             <a:spLocks noGrp="1"/>
           </p:cNvSpPr>
           <p:nvPr>
-            <p:ph type="obj" sz="half" idx="2"/>
+            <p:ph sz="half" idx="2"/>
           </p:nvPr>
         </p:nvSpPr>
         <p:spPr>
-          <a:xfrm rot="0">
+          <a:xfrm>
             <a:off x="609600" y="1577340"/>
             <a:ext cx="5304790" cy="278130"/>
           </a:xfrm>
-          <a:prstGeom prst="rect"/>
+          <a:prstGeom prst="rect">
+            <a:avLst/>
+          </a:prstGeom>
         </p:spPr>
         <p:txBody>
-          <a:bodyPr wrap="square" lIns="0" tIns="0" rIns="0" bIns="0" numCol="1" vert="horz" anchor="t">
+          <a:bodyPr vert="horz" wrap="square" lIns="0" tIns="0" rIns="0" bIns="0" numCol="1" anchor="t">
             <a:spAutoFit/>
           </a:bodyPr>
           <a:lstStyle>
@@ -647,8 +753,8 @@
               <a:buNone/>
             </a:pPr>
             <a:endParaRPr lang="ko-KR" altLang="en-US">
-              <a:latin typeface="Calibri" charset="0"/>
-              <a:ea typeface="맑은 고딕" charset="0"/>
+              <a:latin typeface="Calibri" panose="020F0502020204030204" charset="0"/>
+              <a:ea typeface="Malgun Gothic" panose="020B0503020000020004" charset="-127"/>
               <a:cs typeface="+mn-cs"/>
             </a:endParaRPr>
           </a:p>
@@ -661,18 +767,20 @@
             <a:spLocks noGrp="1"/>
           </p:cNvSpPr>
           <p:nvPr>
-            <p:ph type="obj" sz="half" idx="3"/>
+            <p:ph sz="half" idx="3"/>
           </p:nvPr>
         </p:nvSpPr>
         <p:spPr>
-          <a:xfrm rot="0">
+          <a:xfrm>
             <a:off x="6278880" y="1577340"/>
             <a:ext cx="5304790" cy="278130"/>
           </a:xfrm>
-          <a:prstGeom prst="rect"/>
+          <a:prstGeom prst="rect">
+            <a:avLst/>
+          </a:prstGeom>
         </p:spPr>
         <p:txBody>
-          <a:bodyPr wrap="square" lIns="0" tIns="0" rIns="0" bIns="0" numCol="1" vert="horz" anchor="t">
+          <a:bodyPr vert="horz" wrap="square" lIns="0" tIns="0" rIns="0" bIns="0" numCol="1" anchor="t">
             <a:spAutoFit/>
           </a:bodyPr>
           <a:lstStyle>
@@ -688,8 +796,8 @@
               <a:buNone/>
             </a:pPr>
             <a:endParaRPr lang="ko-KR" altLang="en-US">
-              <a:latin typeface="Calibri" charset="0"/>
-              <a:ea typeface="맑은 고딕" charset="0"/>
+              <a:latin typeface="Calibri" panose="020F0502020204030204" charset="0"/>
+              <a:ea typeface="Malgun Gothic" panose="020B0503020000020004" charset="-127"/>
               <a:cs typeface="+mn-cs"/>
             </a:endParaRPr>
           </a:p>
@@ -706,14 +814,16 @@
           </p:nvPr>
         </p:nvSpPr>
         <p:spPr>
-          <a:xfrm rot="0">
+          <a:xfrm>
             <a:off x="4145280" y="6377940"/>
             <a:ext cx="3902710" cy="344170"/>
           </a:xfrm>
-          <a:prstGeom prst="rect"/>
+          <a:prstGeom prst="rect">
+            <a:avLst/>
+          </a:prstGeom>
         </p:spPr>
         <p:txBody>
-          <a:bodyPr wrap="square" lIns="0" tIns="0" rIns="0" bIns="0" numCol="1" vert="horz" anchor="t">
+          <a:bodyPr vert="horz" wrap="square" lIns="0" tIns="0" rIns="0" bIns="0" numCol="1" anchor="t">
             <a:spAutoFit/>
           </a:bodyPr>
           <a:lstStyle>
@@ -748,14 +858,16 @@
           </p:nvPr>
         </p:nvSpPr>
         <p:spPr>
-          <a:xfrm rot="0">
+          <a:xfrm>
             <a:off x="609600" y="6377940"/>
             <a:ext cx="2805430" cy="344170"/>
           </a:xfrm>
-          <a:prstGeom prst="rect"/>
+          <a:prstGeom prst="rect">
+            <a:avLst/>
+          </a:prstGeom>
         </p:spPr>
         <p:txBody>
-          <a:bodyPr wrap="square" lIns="0" tIns="0" rIns="0" bIns="0" numCol="1" vert="horz" anchor="t">
+          <a:bodyPr vert="horz" wrap="square" lIns="0" tIns="0" rIns="0" bIns="0" numCol="1" anchor="t">
             <a:spAutoFit/>
           </a:bodyPr>
           <a:lstStyle>
@@ -776,7 +888,10 @@
               <a:buFontTx/>
               <a:buNone/>
             </a:pPr>
-            <a:fld id="{B9320F77-B9A0-41C5-862A-B4B631284C64}" type="datetime1"/>
+            <a:fld id="{B9320F77-B9A0-41C5-862A-B4B631284C64}" type="datetime1">
+              <a:rPr/>
+            </a:fld>
+            <a:endParaRPr/>
           </a:p>
         </p:txBody>
       </p:sp>
@@ -791,14 +906,16 @@
           </p:nvPr>
         </p:nvSpPr>
         <p:spPr>
-          <a:xfrm rot="0">
+          <a:xfrm>
             <a:off x="8778240" y="6377940"/>
             <a:ext cx="2805430" cy="344170"/>
           </a:xfrm>
-          <a:prstGeom prst="rect"/>
+          <a:prstGeom prst="rect">
+            <a:avLst/>
+          </a:prstGeom>
         </p:spPr>
         <p:txBody>
-          <a:bodyPr wrap="square" lIns="0" tIns="0" rIns="0" bIns="0" numCol="1" vert="horz" anchor="t">
+          <a:bodyPr vert="horz" wrap="square" lIns="0" tIns="0" rIns="0" bIns="0" numCol="1" anchor="t">
             <a:spAutoFit/>
           </a:bodyPr>
           <a:lstStyle>
@@ -821,8 +938,8 @@
             </a:pPr>
             <a:fld id="{B9320F77-B9A0-41C5-862A-B4B631284C64}" type="slidenum">
               <a:rPr/>
-              <a:t>#</a:t>
             </a:fld>
+            <a:endParaRPr/>
           </a:p>
         </p:txBody>
       </p:sp>
@@ -843,7 +960,7 @@
 </file>
 
 <file path=ppt/slideLayouts/slideLayout4.xml><?xml version="1.0" encoding="utf-8"?>
-<p:sldLayout xmlns:a="http://schemas.openxmlformats.org/drawingml/2006/main" xmlns:r="http://schemas.openxmlformats.org/officeDocument/2006/relationships" xmlns:p="http://schemas.openxmlformats.org/presentationml/2006/main" xmlns:p14="http://schemas.microsoft.com/office/powerpoint/2010/main" preserve="1" type="obj">
+<p:sldLayout xmlns:a="http://schemas.openxmlformats.org/drawingml/2006/main" xmlns:r="http://schemas.openxmlformats.org/officeDocument/2006/relationships" xmlns:p="http://schemas.openxmlformats.org/presentationml/2006/main" type="obj" preserve="1">
   <p:cSld name="Title Only">
     <p:spTree>
       <p:nvGrpSpPr>
@@ -870,26 +987,28 @@
           </p:nvPr>
         </p:nvSpPr>
         <p:spPr>
-          <a:xfrm rot="0">
+          <a:xfrm>
             <a:off x="1025525" y="583565"/>
             <a:ext cx="10141585" cy="493395"/>
           </a:xfrm>
-          <a:prstGeom prst="rect"/>
+          <a:prstGeom prst="rect">
+            <a:avLst/>
+          </a:prstGeom>
         </p:spPr>
         <p:txBody>
-          <a:bodyPr wrap="square" lIns="0" tIns="0" rIns="0" bIns="0" numCol="1" vert="horz" anchor="t">
+          <a:bodyPr vert="horz" wrap="square" lIns="0" tIns="0" rIns="0" bIns="0" numCol="1" anchor="t">
             <a:spAutoFit/>
           </a:bodyPr>
           <a:lstStyle>
             <a:lvl1pPr marL="0" indent="0" latinLnBrk="0">
               <a:buFontTx/>
               <a:buNone/>
-              <a:defRPr lang="en-GB" altLang="en-US" sz="3200" i="0" b="1">
+              <a:defRPr lang="en-GB" altLang="en-US" sz="3200" b="1" i="0">
                 <a:solidFill>
                   <a:srgbClr val="FF8D3D"/>
                 </a:solidFill>
-                <a:latin typeface="Verdana" charset="0"/>
-                <a:cs typeface="Verdana" charset="0"/>
+                <a:latin typeface="Verdana" panose="020B0604030504040204" charset="0"/>
+                <a:cs typeface="Verdana" panose="020B0604030504040204" charset="0"/>
               </a:defRPr>
             </a:lvl1pPr>
           </a:lstStyle>
@@ -899,8 +1018,8 @@
               <a:buNone/>
             </a:pPr>
             <a:endParaRPr lang="ko-KR" altLang="en-US">
-              <a:latin typeface="Calibri" charset="0"/>
-              <a:ea typeface="맑은 고딕" charset="0"/>
+              <a:latin typeface="Calibri" panose="020F0502020204030204" charset="0"/>
+              <a:ea typeface="Malgun Gothic" panose="020B0503020000020004" charset="-127"/>
               <a:cs typeface="+mj-cs"/>
             </a:endParaRPr>
           </a:p>
@@ -917,14 +1036,16 @@
           </p:nvPr>
         </p:nvSpPr>
         <p:spPr>
-          <a:xfrm rot="0">
+          <a:xfrm>
             <a:off x="4145280" y="6377940"/>
             <a:ext cx="3902710" cy="344170"/>
           </a:xfrm>
-          <a:prstGeom prst="rect"/>
+          <a:prstGeom prst="rect">
+            <a:avLst/>
+          </a:prstGeom>
         </p:spPr>
         <p:txBody>
-          <a:bodyPr wrap="square" lIns="0" tIns="0" rIns="0" bIns="0" numCol="1" vert="horz" anchor="t">
+          <a:bodyPr vert="horz" wrap="square" lIns="0" tIns="0" rIns="0" bIns="0" numCol="1" anchor="t">
             <a:spAutoFit/>
           </a:bodyPr>
           <a:lstStyle>
@@ -959,14 +1080,16 @@
           </p:nvPr>
         </p:nvSpPr>
         <p:spPr>
-          <a:xfrm rot="0">
+          <a:xfrm>
             <a:off x="609600" y="6377940"/>
             <a:ext cx="2805430" cy="344170"/>
           </a:xfrm>
-          <a:prstGeom prst="rect"/>
+          <a:prstGeom prst="rect">
+            <a:avLst/>
+          </a:prstGeom>
         </p:spPr>
         <p:txBody>
-          <a:bodyPr wrap="square" lIns="0" tIns="0" rIns="0" bIns="0" numCol="1" vert="horz" anchor="t">
+          <a:bodyPr vert="horz" wrap="square" lIns="0" tIns="0" rIns="0" bIns="0" numCol="1" anchor="t">
             <a:spAutoFit/>
           </a:bodyPr>
           <a:lstStyle>
@@ -987,7 +1110,10 @@
               <a:buFontTx/>
               <a:buNone/>
             </a:pPr>
-            <a:fld id="{B9320F77-B9A0-41C5-862A-B4B631284C64}" type="datetime1"/>
+            <a:fld id="{B9320F77-B9A0-41C5-862A-B4B631284C64}" type="datetime1">
+              <a:rPr/>
+            </a:fld>
+            <a:endParaRPr/>
           </a:p>
         </p:txBody>
       </p:sp>
@@ -1002,14 +1128,16 @@
           </p:nvPr>
         </p:nvSpPr>
         <p:spPr>
-          <a:xfrm rot="0">
+          <a:xfrm>
             <a:off x="8778240" y="6377940"/>
             <a:ext cx="2805430" cy="344170"/>
           </a:xfrm>
-          <a:prstGeom prst="rect"/>
+          <a:prstGeom prst="rect">
+            <a:avLst/>
+          </a:prstGeom>
         </p:spPr>
         <p:txBody>
-          <a:bodyPr wrap="square" lIns="0" tIns="0" rIns="0" bIns="0" numCol="1" vert="horz" anchor="t">
+          <a:bodyPr vert="horz" wrap="square" lIns="0" tIns="0" rIns="0" bIns="0" numCol="1" anchor="t">
             <a:spAutoFit/>
           </a:bodyPr>
           <a:lstStyle>
@@ -1032,8 +1160,8 @@
             </a:pPr>
             <a:fld id="{B9320F77-B9A0-41C5-862A-B4B631284C64}" type="slidenum">
               <a:rPr/>
-              <a:t>#</a:t>
             </a:fld>
+            <a:endParaRPr/>
           </a:p>
         </p:txBody>
       </p:sp>
@@ -1054,7 +1182,7 @@
 </file>
 
 <file path=ppt/slideLayouts/slideLayout5.xml><?xml version="1.0" encoding="utf-8"?>
-<p:sldLayout xmlns:a="http://schemas.openxmlformats.org/drawingml/2006/main" xmlns:r="http://schemas.openxmlformats.org/officeDocument/2006/relationships" xmlns:p="http://schemas.openxmlformats.org/presentationml/2006/main" xmlns:p14="http://schemas.microsoft.com/office/powerpoint/2010/main" preserve="1" type="obj">
+<p:sldLayout xmlns:a="http://schemas.openxmlformats.org/drawingml/2006/main" xmlns:r="http://schemas.openxmlformats.org/officeDocument/2006/relationships" xmlns:p="http://schemas.openxmlformats.org/presentationml/2006/main" type="obj" preserve="1">
   <p:cSld name="Blank">
     <p:spTree>
       <p:nvGrpSpPr>
@@ -1081,14 +1209,16 @@
           </p:nvPr>
         </p:nvSpPr>
         <p:spPr>
-          <a:xfrm rot="0">
+          <a:xfrm>
             <a:off x="4145280" y="6377940"/>
             <a:ext cx="3902710" cy="344170"/>
           </a:xfrm>
-          <a:prstGeom prst="rect"/>
+          <a:prstGeom prst="rect">
+            <a:avLst/>
+          </a:prstGeom>
         </p:spPr>
         <p:txBody>
-          <a:bodyPr wrap="square" lIns="0" tIns="0" rIns="0" bIns="0" numCol="1" vert="horz" anchor="t">
+          <a:bodyPr vert="horz" wrap="square" lIns="0" tIns="0" rIns="0" bIns="0" numCol="1" anchor="t">
             <a:spAutoFit/>
           </a:bodyPr>
           <a:lstStyle>
@@ -1123,14 +1253,16 @@
           </p:nvPr>
         </p:nvSpPr>
         <p:spPr>
-          <a:xfrm rot="0">
+          <a:xfrm>
             <a:off x="609600" y="6377940"/>
             <a:ext cx="2805430" cy="344170"/>
           </a:xfrm>
-          <a:prstGeom prst="rect"/>
+          <a:prstGeom prst="rect">
+            <a:avLst/>
+          </a:prstGeom>
         </p:spPr>
         <p:txBody>
-          <a:bodyPr wrap="square" lIns="0" tIns="0" rIns="0" bIns="0" numCol="1" vert="horz" anchor="t">
+          <a:bodyPr vert="horz" wrap="square" lIns="0" tIns="0" rIns="0" bIns="0" numCol="1" anchor="t">
             <a:spAutoFit/>
           </a:bodyPr>
           <a:lstStyle>
@@ -1151,7 +1283,10 @@
               <a:buFontTx/>
               <a:buNone/>
             </a:pPr>
-            <a:fld id="{B9320F77-B9A0-41C5-862A-B4B631284C64}" type="datetime1"/>
+            <a:fld id="{B9320F77-B9A0-41C5-862A-B4B631284C64}" type="datetime1">
+              <a:rPr/>
+            </a:fld>
+            <a:endParaRPr/>
           </a:p>
         </p:txBody>
       </p:sp>
@@ -1166,14 +1301,16 @@
           </p:nvPr>
         </p:nvSpPr>
         <p:spPr>
-          <a:xfrm rot="0">
+          <a:xfrm>
             <a:off x="8778240" y="6377940"/>
             <a:ext cx="2805430" cy="344170"/>
           </a:xfrm>
-          <a:prstGeom prst="rect"/>
+          <a:prstGeom prst="rect">
+            <a:avLst/>
+          </a:prstGeom>
         </p:spPr>
         <p:txBody>
-          <a:bodyPr wrap="square" lIns="0" tIns="0" rIns="0" bIns="0" numCol="1" vert="horz" anchor="t">
+          <a:bodyPr vert="horz" wrap="square" lIns="0" tIns="0" rIns="0" bIns="0" numCol="1" anchor="t">
             <a:spAutoFit/>
           </a:bodyPr>
           <a:lstStyle>
@@ -1196,8 +1333,8 @@
             </a:pPr>
             <a:fld id="{B9320F77-B9A0-41C5-862A-B4B631284C64}" type="slidenum">
               <a:rPr/>
-              <a:t>#</a:t>
             </a:fld>
+            <a:endParaRPr/>
           </a:p>
         </p:txBody>
       </p:sp>
@@ -1218,13 +1355,14 @@
 </file>
 
 <file path=ppt/slideMasters/slideMaster1.xml><?xml version="1.0" encoding="utf-8"?>
-<p:sldMaster xmlns:a="http://schemas.openxmlformats.org/drawingml/2006/main" xmlns:r="http://schemas.openxmlformats.org/officeDocument/2006/relationships" xmlns:p="http://schemas.openxmlformats.org/presentationml/2006/main" xmlns:p14="http://schemas.microsoft.com/office/powerpoint/2010/main">
+<p:sldMaster xmlns:a="http://schemas.openxmlformats.org/drawingml/2006/main" xmlns:r="http://schemas.openxmlformats.org/officeDocument/2006/relationships" xmlns:p="http://schemas.openxmlformats.org/presentationml/2006/main">
   <p:cSld>
     <p:bg>
       <p:bgPr>
         <a:solidFill>
           <a:schemeClr val="bg1"/>
         </a:solidFill>
+        <a:effectLst/>
       </p:bgPr>
     </p:bg>
     <p:spTree>
@@ -1256,7 +1394,7 @@
             <a:avLst/>
           </a:prstGeom>
           <a:blipFill>
-            <a:blip r:embed="rId7" cstate="print"/>
+            <a:blip r:embed="rId6" cstate="print"/>
             <a:stretch>
               <a:fillRect/>
             </a:stretch>
@@ -1283,7 +1421,7 @@
             <a:avLst/>
           </a:prstGeom>
           <a:blipFill>
-            <a:blip r:embed="rId8" cstate="print"/>
+            <a:blip r:embed="rId7" cstate="print"/>
             <a:stretch>
               <a:fillRect/>
             </a:stretch>
@@ -1310,7 +1448,7 @@
             <a:avLst/>
           </a:prstGeom>
           <a:blipFill>
-            <a:blip r:embed="rId9" cstate="print"/>
+            <a:blip r:embed="rId8" cstate="print"/>
             <a:stretch>
               <a:fillRect/>
             </a:stretch>
@@ -1435,7 +1573,7 @@
             <a:avLst/>
           </a:prstGeom>
           <a:blipFill>
-            <a:blip r:embed="rId10" cstate="print"/>
+            <a:blip r:embed="rId9" cstate="print"/>
             <a:stretch>
               <a:fillRect/>
             </a:stretch>
@@ -1462,7 +1600,7 @@
             <a:avLst/>
           </a:prstGeom>
           <a:blipFill>
-            <a:blip r:embed="rId8" cstate="print"/>
+            <a:blip r:embed="rId7" cstate="print"/>
             <a:stretch>
               <a:fillRect/>
             </a:stretch>
@@ -1489,7 +1627,7 @@
             <a:avLst/>
           </a:prstGeom>
           <a:blipFill>
-            <a:blip r:embed="rId9" cstate="print"/>
+            <a:blip r:embed="rId8" cstate="print"/>
             <a:stretch>
               <a:fillRect/>
             </a:stretch>
@@ -1628,8 +1766,8 @@
                 <a:solidFill>
                   <a:srgbClr val="FF8D3D"/>
                 </a:solidFill>
-                <a:latin typeface="Verdana"/>
-                <a:cs typeface="Verdana"/>
+                <a:latin typeface="Verdana" panose="020B0604030504040204"/>
+                <a:cs typeface="Verdana" panose="020B0604030504040204"/>
               </a:defRPr>
             </a:lvl1pPr>
           </a:lstStyle>
@@ -1678,7 +1816,7 @@
             <a:spLocks noGrp="1"/>
           </p:cNvSpPr>
           <p:nvPr>
-            <p:ph type="ftr" idx="5" sz="quarter"/>
+            <p:ph type="ftr" sz="quarter" idx="5"/>
           </p:nvPr>
         </p:nvSpPr>
         <p:spPr>
@@ -1715,7 +1853,7 @@
             <a:spLocks noGrp="1"/>
           </p:cNvSpPr>
           <p:nvPr>
-            <p:ph type="dt" idx="6" sz="half"/>
+            <p:ph type="dt" sz="half" idx="6"/>
           </p:nvPr>
         </p:nvSpPr>
         <p:spPr>
@@ -1746,6 +1884,7 @@
             <a:fld id="{1D8BD707-D9CF-40AE-B4C6-C98DA3205C09}" type="datetimeFigureOut">
               <a:rPr lang="en-US"/>
             </a:fld>
+            <a:endParaRPr lang="en-US"/>
           </a:p>
         </p:txBody>
       </p:sp>
@@ -1756,7 +1895,7 @@
             <a:spLocks noGrp="1"/>
           </p:cNvSpPr>
           <p:nvPr>
-            <p:ph type="sldNum" idx="7" sz="quarter"/>
+            <p:ph type="sldNum" sz="quarter" idx="7"/>
           </p:nvPr>
         </p:nvSpPr>
         <p:spPr>
@@ -1785,8 +1924,9 @@
           </a:lstStyle>
           <a:p>
             <a:fld id="{B6F15528-21DE-4FAA-801E-634DDDAF4B2B}" type="slidenum">
-              <a:t>#</a:t>
+              <a:rPr/>
             </a:fld>
+            <a:endParaRPr/>
           </a:p>
         </p:txBody>
       </p:sp>
@@ -1794,11 +1934,11 @@
   </p:cSld>
   <p:clrMap bg1="lt1" tx1="dk1" bg2="lt2" tx2="dk2" accent1="accent1" accent2="accent2" accent3="accent3" accent4="accent4" accent5="accent5" accent6="accent6" hlink="hlink" folHlink="folHlink"/>
   <p:sldLayoutIdLst>
-    <p:sldLayoutId id="2147483926" r:id="rId1"/>
-    <p:sldLayoutId id="2147483927" r:id="rId2"/>
-    <p:sldLayoutId id="2147483928" r:id="rId3"/>
-    <p:sldLayoutId id="2147483929" r:id="rId4"/>
-    <p:sldLayoutId id="2147483930" r:id="rId5"/>
+    <p:sldLayoutId id="2147483649" r:id="rId1"/>
+    <p:sldLayoutId id="2147483650" r:id="rId2"/>
+    <p:sldLayoutId id="2147483651" r:id="rId3"/>
+    <p:sldLayoutId id="2147483652" r:id="rId4"/>
+    <p:sldLayoutId id="2147483653" r:id="rId5"/>
   </p:sldLayoutIdLst>
   <mc:AlternateContent xmlns:mc="http://schemas.openxmlformats.org/markup-compatibility/2006">
     <mc:Choice xmlns:p14="http://schemas.microsoft.com/office/powerpoint/2010/main" Requires="p14">
@@ -1960,7 +2100,7 @@
 </file>
 
 <file path=ppt/slides/slide1.xml><?xml version="1.0" encoding="utf-8"?>
-<p:sld xmlns:a="http://schemas.openxmlformats.org/drawingml/2006/main" xmlns:r="http://schemas.openxmlformats.org/officeDocument/2006/relationships" xmlns:p="http://schemas.openxmlformats.org/presentationml/2006/main" xmlns:p14="http://schemas.microsoft.com/office/powerpoint/2010/main">
+<p:sld xmlns:a="http://schemas.openxmlformats.org/drawingml/2006/main" xmlns:r="http://schemas.openxmlformats.org/officeDocument/2006/relationships" xmlns:p="http://schemas.openxmlformats.org/presentationml/2006/main">
   <p:cSld>
     <p:spTree>
       <p:nvGrpSpPr>
@@ -1979,29 +2119,29 @@
       <p:sp>
         <p:nvSpPr>
           <p:cNvPr id="3" name="Holder 3"/>
-          <p:cNvSpPr txBox="1">
-            <a:spLocks/>
-          </p:cNvSpPr>
+          <p:cNvSpPr txBox="1"/>
           <p:nvPr>
             <p:ph type="body" idx="1"/>
           </p:nvPr>
         </p:nvSpPr>
         <p:spPr>
-          <a:xfrm rot="0">
+          <a:xfrm>
             <a:off x="892810" y="1943735"/>
             <a:ext cx="10091420" cy="1477010"/>
           </a:xfrm>
-          <a:prstGeom prst="rect"/>
+          <a:prstGeom prst="rect">
+            <a:avLst/>
+          </a:prstGeom>
         </p:spPr>
         <p:txBody>
-          <a:bodyPr wrap="square" lIns="0" tIns="0" rIns="0" bIns="0" numCol="1" vert="horz" anchor="t">
+          <a:bodyPr vert="horz" wrap="square" lIns="0" tIns="0" rIns="0" bIns="0" numCol="1" anchor="t">
             <a:spAutoFit/>
           </a:bodyPr>
           <a:lstStyle>
             <a:lvl1pPr marL="0" indent="0" latinLnBrk="0">
               <a:buFontTx/>
               <a:buNone/>
-              <a:defRPr lang="en-GB" altLang="en-US" i="0" b="0">
+              <a:defRPr lang="en-GB" altLang="en-US" b="0" i="0">
                 <a:solidFill>
                   <a:schemeClr val="tx1"/>
                 </a:solidFill>
@@ -2009,33 +2149,33 @@
             </a:lvl1pPr>
           </a:lstStyle>
           <a:p>
-            <a:pPr marL="0" indent="0" rtl="0" algn="ctr" latinLnBrk="0">
+            <a:pPr marL="0" indent="0" algn="ctr" rtl="0" latinLnBrk="0">
               <a:buFontTx/>
               <a:buNone/>
             </a:pPr>
             <a:r>
-              <a:rPr sz="3200" i="0" b="1">
+              <a:rPr sz="3200" b="1" i="0">
                 <a:solidFill>
                   <a:schemeClr val="tx2"/>
                 </a:solidFill>
                 <a:effectLst>
-                  <a:outerShdw sx="100000" sy="100000" blurRad="50800" dist="38100" dir="2700000" rotWithShape="0" algn="tl">
+                  <a:outerShdw blurRad="50800" dist="38100" dir="2700000" algn="tl" rotWithShape="0">
                     <a:srgbClr val="000000">
                       <a:alpha val="40000"/>
                     </a:srgbClr>
                   </a:outerShdw>
                 </a:effectLst>
-                <a:latin typeface="Verdana" charset="0"/>
-                <a:ea typeface="Verdana" charset="0"/>
+                <a:latin typeface="Verdana" panose="020B0604030504040204" charset="0"/>
+                <a:ea typeface="Verdana" panose="020B0604030504040204" charset="0"/>
               </a:rPr>
               <a:t>Continuous Integration and delivery  for Java and Angular based application using  Jenkins</a:t>
             </a:r>
-            <a:endParaRPr lang="ko-KR" altLang="en-US" sz="3200" i="0" b="1">
+            <a:endParaRPr lang="ko-KR" altLang="en-US" sz="3200" b="1" i="0">
               <a:solidFill>
                 <a:schemeClr val="tx2"/>
               </a:solidFill>
-              <a:latin typeface="Verdana" charset="0"/>
-              <a:ea typeface="Verdana" charset="0"/>
+              <a:latin typeface="Verdana" panose="020B0604030504040204" charset="0"/>
+              <a:ea typeface="Verdana" panose="020B0604030504040204" charset="0"/>
             </a:endParaRPr>
           </a:p>
         </p:txBody>
@@ -2083,22 +2223,22 @@
       <p:sp>
         <p:nvSpPr>
           <p:cNvPr id="3" name="object 3"/>
-          <p:cNvSpPr txBox="1">
-            <a:spLocks/>
-          </p:cNvSpPr>
+          <p:cNvSpPr txBox="1"/>
           <p:nvPr>
             <p:ph type="title"/>
           </p:nvPr>
         </p:nvSpPr>
         <p:spPr>
-          <a:xfrm rot="0">
+          <a:xfrm>
             <a:off x="1016635" y="619125"/>
             <a:ext cx="9149080" cy="504825"/>
           </a:xfrm>
-          <a:prstGeom prst="rect"/>
+          <a:prstGeom prst="rect">
+            <a:avLst/>
+          </a:prstGeom>
         </p:spPr>
         <p:txBody>
-          <a:bodyPr wrap="square" lIns="0" tIns="12065" rIns="0" bIns="0" numCol="1" vert="horz" anchor="t">
+          <a:bodyPr vert="horz" wrap="square" lIns="0" tIns="12065" rIns="0" bIns="0" numCol="1" anchor="t">
             <a:spAutoFit/>
           </a:bodyPr>
           <a:lstStyle/>
@@ -2114,48 +2254,48 @@
               <a:buNone/>
             </a:pPr>
             <a:r>
-              <a:rPr altLang="en-US" sz="3200" i="0" b="1">
+              <a:rPr altLang="en-US" sz="3200" b="1" i="0">
                 <a:solidFill>
                   <a:schemeClr val="tx2"/>
                 </a:solidFill>
                 <a:effectLst>
-                  <a:outerShdw sx="100000" sy="100000" blurRad="50800" dist="38100" dir="2700000" rotWithShape="0" algn="tl">
+                  <a:outerShdw blurRad="50800" dist="38100" dir="2700000" algn="tl" rotWithShape="0">
                     <a:srgbClr val="000000">
                       <a:alpha val="40000"/>
                     </a:srgbClr>
                   </a:outerShdw>
                 </a:effectLst>
-                <a:latin typeface="Verdana" charset="0"/>
-                <a:ea typeface="Verdana" charset="0"/>
-                <a:cs typeface="Verdana" charset="0"/>
+                <a:latin typeface="Verdana" panose="020B0604030504040204" charset="0"/>
+                <a:ea typeface="Verdana" panose="020B0604030504040204" charset="0"/>
+                <a:cs typeface="Verdana" panose="020B0604030504040204" charset="0"/>
               </a:rPr>
               <a:t>Jenkins Workflow</a:t>
             </a:r>
             <a:r>
-              <a:rPr lang="en-US" altLang="en-US" sz="3200" i="0" b="1">
+              <a:rPr lang="en-US" altLang="en-US" sz="3200" b="1" i="0">
                 <a:solidFill>
                   <a:schemeClr val="tx2"/>
                 </a:solidFill>
                 <a:effectLst>
-                  <a:outerShdw sx="100000" sy="100000" blurRad="50800" dist="38100" dir="2700000" rotWithShape="0" algn="tl">
+                  <a:outerShdw blurRad="50800" dist="38100" dir="2700000" algn="tl" rotWithShape="0">
                     <a:srgbClr val="000000">
                       <a:alpha val="40000"/>
                     </a:srgbClr>
                   </a:outerShdw>
                 </a:effectLst>
-                <a:latin typeface="Verdana" charset="0"/>
-                <a:ea typeface="Verdana" charset="0"/>
-                <a:cs typeface="Verdana" charset="0"/>
+                <a:latin typeface="Verdana" panose="020B0604030504040204" charset="0"/>
+                <a:ea typeface="Verdana" panose="020B0604030504040204" charset="0"/>
+                <a:cs typeface="Verdana" panose="020B0604030504040204" charset="0"/>
               </a:rPr>
               <a:t> for Angular project</a:t>
             </a:r>
-            <a:endParaRPr lang="ko-KR" altLang="en-US" sz="3200" i="0" b="1">
+            <a:endParaRPr lang="ko-KR" altLang="en-US" sz="3200" b="1" i="0">
               <a:solidFill>
                 <a:schemeClr val="tx2"/>
               </a:solidFill>
-              <a:latin typeface="Verdana" charset="0"/>
-              <a:ea typeface="Verdana" charset="0"/>
-              <a:cs typeface="Verdana" charset="0"/>
+              <a:latin typeface="Verdana" panose="020B0604030504040204" charset="0"/>
+              <a:ea typeface="Verdana" panose="020B0604030504040204" charset="0"/>
+              <a:cs typeface="Verdana" panose="020B0604030504040204" charset="0"/>
             </a:endParaRPr>
           </a:p>
         </p:txBody>
@@ -2163,6 +2303,38 @@
       <p:pic>
         <p:nvPicPr>
           <p:cNvPr id="4" name="Picture 99" descr="C:/Users/devops/AppData/Roaming/PolarisOffice/ETemp/8268_1570912/fImage111422576500.png"/>
+          <p:cNvPicPr>
+            <a:picLocks noChangeAspect="1"/>
+          </p:cNvPicPr>
+          <p:nvPr/>
+        </p:nvPicPr>
+        <p:blipFill rotWithShape="1">
+          <a:blip r:embed="rId1" cstate="print">
+            <a:extLst>
+              <a:ext uri="{28A0092B-C50C-407E-A947-70E740481C1C}">
+                <a14:useLocalDpi xmlns:a14="http://schemas.microsoft.com/office/drawing/2010/main" val="0"/>
+              </a:ext>
+            </a:extLst>
+          </a:blip>
+          <a:srcRect t="5438"/>
+          <a:stretch>
+            <a:fillRect/>
+          </a:stretch>
+        </p:blipFill>
+        <p:spPr>
+          <a:xfrm>
+            <a:off x="537845" y="2073275"/>
+            <a:ext cx="11116310" cy="1027430"/>
+          </a:xfrm>
+          <a:prstGeom prst="rect">
+            <a:avLst/>
+          </a:prstGeom>
+          <a:noFill/>
+        </p:spPr>
+      </p:pic>
+      <p:pic>
+        <p:nvPicPr>
+          <p:cNvPr id="5" name="Picture 100" descr="C:/Users/devops/AppData/Roaming/PolarisOffice/ETemp/8268_1570912/fImage195782589169.png"/>
           <p:cNvPicPr>
             <a:picLocks noChangeAspect="1"/>
           </p:cNvPicPr>
@@ -2176,46 +2348,18 @@
               </a:ext>
             </a:extLst>
           </a:blip>
-          <a:srcRect t="5438"/>
           <a:stretch>
             <a:fillRect/>
           </a:stretch>
         </p:blipFill>
         <p:spPr>
-          <a:xfrm rot="0">
-            <a:off x="537845" y="2073275"/>
-            <a:ext cx="11116310" cy="1027430"/>
-          </a:xfrm>
-          <a:prstGeom prst="rect"/>
-          <a:noFill/>
-        </p:spPr>
-      </p:pic>
-      <p:pic>
-        <p:nvPicPr>
-          <p:cNvPr id="5" name="Picture 100" descr="C:/Users/devops/AppData/Roaming/PolarisOffice/ETemp/8268_1570912/fImage195782589169.png"/>
-          <p:cNvPicPr>
-            <a:picLocks noChangeAspect="1"/>
-          </p:cNvPicPr>
-          <p:nvPr/>
-        </p:nvPicPr>
-        <p:blipFill rotWithShape="1">
-          <a:blip r:embed="rId3" cstate="print">
-            <a:extLst>
-              <a:ext uri="{28A0092B-C50C-407E-A947-70E740481C1C}">
-                <a14:useLocalDpi xmlns:a14="http://schemas.microsoft.com/office/drawing/2010/main" val="0"/>
-              </a:ext>
-            </a:extLst>
-          </a:blip>
-          <a:stretch>
-            <a:fillRect/>
-          </a:stretch>
-        </p:blipFill>
-        <p:spPr>
-          <a:xfrm rot="0">
+          <a:xfrm>
             <a:off x="648335" y="3213100"/>
             <a:ext cx="8896985" cy="2600960"/>
           </a:xfrm>
-          <a:prstGeom prst="rect"/>
+          <a:prstGeom prst="rect">
+            <a:avLst/>
+          </a:prstGeom>
           <a:noFill/>
         </p:spPr>
       </p:pic>
@@ -2243,7 +2387,7 @@
 </file>
 
 <file path=ppt/slides/slide11.xml><?xml version="1.0" encoding="utf-8"?>
-<p:sld xmlns:a="http://schemas.openxmlformats.org/drawingml/2006/main" xmlns:r="http://schemas.openxmlformats.org/officeDocument/2006/relationships" xmlns:p="http://schemas.openxmlformats.org/presentationml/2006/main" xmlns:p14="http://schemas.microsoft.com/office/powerpoint/2010/main">
+<p:sld xmlns:a="http://schemas.openxmlformats.org/drawingml/2006/main" xmlns:r="http://schemas.openxmlformats.org/officeDocument/2006/relationships" xmlns:p="http://schemas.openxmlformats.org/presentationml/2006/main">
   <p:cSld>
     <p:spTree>
       <p:nvGrpSpPr>
@@ -2262,22 +2406,22 @@
       <p:sp>
         <p:nvSpPr>
           <p:cNvPr id="3" name="object 3"/>
-          <p:cNvSpPr txBox="1">
-            <a:spLocks/>
-          </p:cNvSpPr>
+          <p:cNvSpPr txBox="1"/>
           <p:nvPr>
             <p:ph type="title"/>
           </p:nvPr>
         </p:nvSpPr>
         <p:spPr>
-          <a:xfrm rot="0">
+          <a:xfrm>
             <a:off x="899795" y="736600"/>
             <a:ext cx="9861550" cy="504825"/>
           </a:xfrm>
-          <a:prstGeom prst="rect"/>
+          <a:prstGeom prst="rect">
+            <a:avLst/>
+          </a:prstGeom>
         </p:spPr>
         <p:txBody>
-          <a:bodyPr wrap="square" lIns="0" tIns="12065" rIns="0" bIns="0" numCol="1" vert="horz" anchor="t">
+          <a:bodyPr vert="horz" wrap="square" lIns="0" tIns="12065" rIns="0" bIns="0" numCol="1" anchor="t">
             <a:spAutoFit/>
           </a:bodyPr>
           <a:lstStyle/>
@@ -2293,45 +2437,45 @@
               <a:buNone/>
             </a:pPr>
             <a:r>
-              <a:rPr sz="3200" i="0" b="1">
+              <a:rPr sz="3200" b="1" i="0">
                 <a:solidFill>
                   <a:schemeClr val="tx2"/>
                 </a:solidFill>
                 <a:effectLst>
-                  <a:outerShdw sx="100000" sy="100000" blurRad="50800" dist="38100" dir="2700000" rotWithShape="0" algn="tl">
+                  <a:outerShdw blurRad="50800" dist="38100" dir="2700000" algn="tl" rotWithShape="0">
                     <a:srgbClr val="000000">
                       <a:alpha val="40000"/>
                     </a:srgbClr>
                   </a:outerShdw>
                 </a:effectLst>
-                <a:latin typeface="Verdana" charset="0"/>
-                <a:ea typeface="Verdana" charset="0"/>
+                <a:latin typeface="Verdana" panose="020B0604030504040204" charset="0"/>
+                <a:ea typeface="Verdana" panose="020B0604030504040204" charset="0"/>
               </a:rPr>
               <a:t>Jenkins </a:t>
             </a:r>
             <a:r>
-              <a:rPr lang="en-US" sz="3200" i="0" b="1">
+              <a:rPr lang="en-US" sz="3200" b="1" i="0">
                 <a:solidFill>
                   <a:schemeClr val="tx2"/>
                 </a:solidFill>
                 <a:effectLst>
-                  <a:outerShdw sx="100000" sy="100000" blurRad="50800" dist="38100" dir="2700000" rotWithShape="0" algn="tl">
+                  <a:outerShdw blurRad="50800" dist="38100" dir="2700000" algn="tl" rotWithShape="0">
                     <a:srgbClr val="000000">
                       <a:alpha val="40000"/>
                     </a:srgbClr>
                   </a:outerShdw>
                 </a:effectLst>
-                <a:latin typeface="Verdana" charset="0"/>
-                <a:ea typeface="Verdana" charset="0"/>
+                <a:latin typeface="Verdana" panose="020B0604030504040204" charset="0"/>
+                <a:ea typeface="Verdana" panose="020B0604030504040204" charset="0"/>
               </a:rPr>
               <a:t>Pipeline Script for Java Project</a:t>
             </a:r>
-            <a:endParaRPr lang="ko-KR" altLang="en-US" sz="3200" i="0" b="1">
+            <a:endParaRPr lang="ko-KR" altLang="en-US" sz="3200" b="1" i="0">
               <a:solidFill>
                 <a:schemeClr val="tx2"/>
               </a:solidFill>
-              <a:latin typeface="Verdana" charset="0"/>
-              <a:ea typeface="Verdana" charset="0"/>
+              <a:latin typeface="Verdana" panose="020B0604030504040204" charset="0"/>
+              <a:ea typeface="Verdana" panose="020B0604030504040204" charset="0"/>
             </a:endParaRPr>
           </a:p>
         </p:txBody>
@@ -2345,7 +2489,7 @@
           <p:nvPr/>
         </p:nvPicPr>
         <p:blipFill rotWithShape="1">
-          <a:blip r:embed="rId4" cstate="print">
+          <a:blip r:embed="rId1" cstate="print">
             <a:extLst>
               <a:ext uri="{28A0092B-C50C-407E-A947-70E740481C1C}">
                 <a14:useLocalDpi xmlns:a14="http://schemas.microsoft.com/office/drawing/2010/main" val="0"/>
@@ -2358,11 +2502,13 @@
           </a:stretch>
         </p:blipFill>
         <p:spPr>
-          <a:xfrm rot="0">
+          <a:xfrm>
             <a:off x="2179955" y="1339850"/>
             <a:ext cx="7592695" cy="5136515"/>
           </a:xfrm>
-          <a:prstGeom prst="rect"/>
+          <a:prstGeom prst="rect">
+            <a:avLst/>
+          </a:prstGeom>
           <a:noFill/>
         </p:spPr>
       </p:pic>
@@ -2409,22 +2555,22 @@
       <p:sp>
         <p:nvSpPr>
           <p:cNvPr id="3" name="object 3"/>
-          <p:cNvSpPr txBox="1">
-            <a:spLocks/>
-          </p:cNvSpPr>
+          <p:cNvSpPr txBox="1"/>
           <p:nvPr>
             <p:ph type="title"/>
           </p:nvPr>
         </p:nvSpPr>
         <p:spPr>
-          <a:xfrm rot="0">
+          <a:xfrm>
             <a:off x="899795" y="736600"/>
             <a:ext cx="9861550" cy="504825"/>
           </a:xfrm>
-          <a:prstGeom prst="rect"/>
+          <a:prstGeom prst="rect">
+            <a:avLst/>
+          </a:prstGeom>
         </p:spPr>
         <p:txBody>
-          <a:bodyPr wrap="square" lIns="0" tIns="12065" rIns="0" bIns="0" numCol="1" vert="horz" anchor="t">
+          <a:bodyPr vert="horz" wrap="square" lIns="0" tIns="12065" rIns="0" bIns="0" numCol="1" anchor="t">
             <a:spAutoFit/>
           </a:bodyPr>
           <a:lstStyle/>
@@ -2440,48 +2586,48 @@
               <a:buNone/>
             </a:pPr>
             <a:r>
-              <a:rPr altLang="en-US" sz="3200" i="0" b="1">
+              <a:rPr altLang="en-US" sz="3200" b="1" i="0">
                 <a:solidFill>
                   <a:schemeClr val="tx2"/>
                 </a:solidFill>
                 <a:effectLst>
-                  <a:outerShdw sx="100000" sy="100000" blurRad="50800" dist="38100" dir="2700000" rotWithShape="0" algn="tl">
+                  <a:outerShdw blurRad="50800" dist="38100" dir="2700000" algn="tl" rotWithShape="0">
                     <a:srgbClr val="000000">
                       <a:alpha val="40000"/>
                     </a:srgbClr>
                   </a:outerShdw>
                 </a:effectLst>
-                <a:latin typeface="Verdana" charset="0"/>
-                <a:ea typeface="Verdana" charset="0"/>
-                <a:cs typeface="Verdana" charset="0"/>
+                <a:latin typeface="Verdana" panose="020B0604030504040204" charset="0"/>
+                <a:ea typeface="Verdana" panose="020B0604030504040204" charset="0"/>
+                <a:cs typeface="Verdana" panose="020B0604030504040204" charset="0"/>
               </a:rPr>
               <a:t>Jenkins </a:t>
             </a:r>
             <a:r>
-              <a:rPr lang="en-US" altLang="en-US" sz="3200" i="0" b="1">
+              <a:rPr lang="en-US" altLang="en-US" sz="3200" b="1" i="0">
                 <a:solidFill>
                   <a:schemeClr val="tx2"/>
                 </a:solidFill>
                 <a:effectLst>
-                  <a:outerShdw sx="100000" sy="100000" blurRad="50800" dist="38100" dir="2700000" rotWithShape="0" algn="tl">
+                  <a:outerShdw blurRad="50800" dist="38100" dir="2700000" algn="tl" rotWithShape="0">
                     <a:srgbClr val="000000">
                       <a:alpha val="40000"/>
                     </a:srgbClr>
                   </a:outerShdw>
                 </a:effectLst>
-                <a:latin typeface="Verdana" charset="0"/>
-                <a:ea typeface="Verdana" charset="0"/>
-                <a:cs typeface="Verdana" charset="0"/>
+                <a:latin typeface="Verdana" panose="020B0604030504040204" charset="0"/>
+                <a:ea typeface="Verdana" panose="020B0604030504040204" charset="0"/>
+                <a:cs typeface="Verdana" panose="020B0604030504040204" charset="0"/>
               </a:rPr>
               <a:t>Pipeline Script for Angular Project</a:t>
             </a:r>
-            <a:endParaRPr lang="ko-KR" altLang="en-US" sz="3200" i="0" b="1">
+            <a:endParaRPr lang="ko-KR" altLang="en-US" sz="3200" b="1" i="0">
               <a:solidFill>
                 <a:schemeClr val="tx2"/>
               </a:solidFill>
-              <a:latin typeface="Verdana" charset="0"/>
-              <a:ea typeface="Verdana" charset="0"/>
-              <a:cs typeface="Verdana" charset="0"/>
+              <a:latin typeface="Verdana" panose="020B0604030504040204" charset="0"/>
+              <a:ea typeface="Verdana" panose="020B0604030504040204" charset="0"/>
+              <a:cs typeface="Verdana" panose="020B0604030504040204" charset="0"/>
             </a:endParaRPr>
           </a:p>
         </p:txBody>
@@ -2495,7 +2641,7 @@
           <p:nvPr/>
         </p:nvPicPr>
         <p:blipFill rotWithShape="1">
-          <a:blip r:embed="rId2" cstate="print">
+          <a:blip r:embed="rId1" cstate="print">
             <a:extLst>
               <a:ext uri="{28A0092B-C50C-407E-A947-70E740481C1C}">
                 <a14:useLocalDpi xmlns:a14="http://schemas.microsoft.com/office/drawing/2010/main" val="0"/>
@@ -2508,11 +2654,13 @@
           </a:stretch>
         </p:blipFill>
         <p:spPr>
-          <a:xfrm rot="0">
+          <a:xfrm>
             <a:off x="1743710" y="1393190"/>
             <a:ext cx="8453755" cy="5040630"/>
           </a:xfrm>
-          <a:prstGeom prst="rect"/>
+          <a:prstGeom prst="rect">
+            <a:avLst/>
+          </a:prstGeom>
           <a:noFill/>
         </p:spPr>
       </p:pic>
@@ -2540,7 +2688,7 @@
 </file>
 
 <file path=ppt/slides/slide13.xml><?xml version="1.0" encoding="utf-8"?>
-<p:sld xmlns:a="http://schemas.openxmlformats.org/drawingml/2006/main" xmlns:r="http://schemas.openxmlformats.org/officeDocument/2006/relationships" xmlns:p="http://schemas.openxmlformats.org/presentationml/2006/main" xmlns:p14="http://schemas.microsoft.com/office/powerpoint/2010/main">
+<p:sld xmlns:a="http://schemas.openxmlformats.org/drawingml/2006/main" xmlns:r="http://schemas.openxmlformats.org/officeDocument/2006/relationships" xmlns:p="http://schemas.openxmlformats.org/presentationml/2006/main">
   <p:cSld>
     <p:spTree>
       <p:nvGrpSpPr>
@@ -2559,22 +2707,22 @@
       <p:sp>
         <p:nvSpPr>
           <p:cNvPr id="3" name="object 3"/>
-          <p:cNvSpPr txBox="1">
-            <a:spLocks/>
-          </p:cNvSpPr>
+          <p:cNvSpPr txBox="1"/>
           <p:nvPr>
             <p:ph type="title"/>
           </p:nvPr>
         </p:nvSpPr>
         <p:spPr>
-          <a:xfrm rot="0">
+          <a:xfrm>
             <a:off x="899795" y="694055"/>
             <a:ext cx="7702550" cy="504825"/>
           </a:xfrm>
-          <a:prstGeom prst="rect"/>
+          <a:prstGeom prst="rect">
+            <a:avLst/>
+          </a:prstGeom>
         </p:spPr>
         <p:txBody>
-          <a:bodyPr wrap="square" lIns="0" tIns="12065" rIns="0" bIns="0" numCol="1" vert="horz" anchor="t">
+          <a:bodyPr vert="horz" wrap="square" lIns="0" tIns="12065" rIns="0" bIns="0" numCol="1" anchor="t">
             <a:spAutoFit/>
           </a:bodyPr>
           <a:lstStyle/>
@@ -2590,19 +2738,19 @@
               <a:buNone/>
             </a:pPr>
             <a:r>
-              <a:rPr sz="3200" i="0" b="1">
+              <a:rPr sz="3200" b="1" i="0">
                 <a:solidFill>
                   <a:schemeClr val="tx2"/>
                 </a:solidFill>
                 <a:effectLst>
-                  <a:outerShdw sx="100000" sy="100000" blurRad="50800" dist="38100" dir="2700000" rotWithShape="0" algn="tl">
+                  <a:outerShdw blurRad="50800" dist="38100" dir="2700000" algn="tl" rotWithShape="0">
                     <a:srgbClr val="000000">
                       <a:alpha val="40000"/>
                     </a:srgbClr>
                   </a:outerShdw>
                 </a:effectLst>
-                <a:latin typeface="Verdana" charset="0"/>
-                <a:ea typeface="Verdana" charset="0"/>
+                <a:latin typeface="Verdana" panose="020B0604030504040204" charset="0"/>
+                <a:ea typeface="Verdana" panose="020B0604030504040204" charset="0"/>
               </a:rPr>
               <a:t>Code</a:t>
             </a:r>
@@ -2611,19 +2759,19 @@
               <a:t> </a:t>
             </a:r>
             <a:r>
-              <a:rPr sz="3200" i="0" b="1">
+              <a:rPr sz="3200" b="1" i="0">
                 <a:solidFill>
                   <a:schemeClr val="tx2"/>
                 </a:solidFill>
                 <a:effectLst>
-                  <a:outerShdw sx="100000" sy="100000" blurRad="50800" dist="38100" dir="2700000" rotWithShape="0" algn="tl">
+                  <a:outerShdw blurRad="50800" dist="38100" dir="2700000" algn="tl" rotWithShape="0">
                     <a:srgbClr val="000000">
                       <a:alpha val="40000"/>
                     </a:srgbClr>
                   </a:outerShdw>
                 </a:effectLst>
-                <a:latin typeface="Verdana" charset="0"/>
-                <a:ea typeface="Verdana" charset="0"/>
+                <a:latin typeface="Verdana" panose="020B0604030504040204" charset="0"/>
+                <a:ea typeface="Verdana" panose="020B0604030504040204" charset="0"/>
               </a:rPr>
               <a:t>Analysis</a:t>
             </a:r>
@@ -2632,28 +2780,28 @@
               <a:t> </a:t>
             </a:r>
             <a:r>
-              <a:rPr sz="3200" i="0" b="1">
+              <a:rPr sz="3200" b="1" i="0">
                 <a:solidFill>
                   <a:schemeClr val="tx2"/>
                 </a:solidFill>
                 <a:effectLst>
-                  <a:outerShdw sx="100000" sy="100000" blurRad="50800" dist="38100" dir="2700000" rotWithShape="0" algn="tl">
+                  <a:outerShdw blurRad="50800" dist="38100" dir="2700000" algn="tl" rotWithShape="0">
                     <a:srgbClr val="000000">
                       <a:alpha val="40000"/>
                     </a:srgbClr>
                   </a:outerShdw>
                 </a:effectLst>
-                <a:latin typeface="Verdana" charset="0"/>
-                <a:ea typeface="Verdana" charset="0"/>
+                <a:latin typeface="Verdana" panose="020B0604030504040204" charset="0"/>
+                <a:ea typeface="Verdana" panose="020B0604030504040204" charset="0"/>
               </a:rPr>
               <a:t>Tools</a:t>
             </a:r>
-            <a:endParaRPr lang="ko-KR" altLang="en-US" sz="3200" i="0" b="0">
+            <a:endParaRPr lang="ko-KR" altLang="en-US" sz="3200" b="0" i="0">
               <a:solidFill>
                 <a:schemeClr val="tx2"/>
               </a:solidFill>
-              <a:latin typeface="Verdana" charset="0"/>
-              <a:ea typeface="Verdana" charset="0"/>
+              <a:latin typeface="Verdana" panose="020B0604030504040204" charset="0"/>
+              <a:ea typeface="Verdana" panose="020B0604030504040204" charset="0"/>
             </a:endParaRPr>
           </a:p>
         </p:txBody>
@@ -2661,20 +2809,20 @@
       <p:sp>
         <p:nvSpPr>
           <p:cNvPr id="4" name="Text Box 105"/>
-          <p:cNvSpPr txBox="1">
-            <a:spLocks/>
-          </p:cNvSpPr>
+          <p:cNvSpPr txBox="1"/>
           <p:nvPr/>
         </p:nvSpPr>
         <p:spPr>
-          <a:xfrm rot="0">
+          <a:xfrm>
             <a:off x="899795" y="1704975"/>
             <a:ext cx="10106025" cy="2013585"/>
           </a:xfrm>
-          <a:prstGeom prst="rect"/>
+          <a:prstGeom prst="rect">
+            <a:avLst/>
+          </a:prstGeom>
         </p:spPr>
         <p:txBody>
-          <a:bodyPr wrap="square" lIns="0" tIns="13335" rIns="0" bIns="0" numCol="1" vert="horz" anchor="t">
+          <a:bodyPr vert="horz" wrap="square" lIns="0" tIns="13335" rIns="0" bIns="0" numCol="1" anchor="t">
             <a:spAutoFit/>
           </a:bodyPr>
           <a:lstStyle/>
@@ -2686,7 +2834,7 @@
               <a:spcBef>
                 <a:spcPts val="105"/>
               </a:spcBef>
-              <a:buFont typeface="Wingdings"/>
+              <a:buFont typeface="Wingdings" panose="05000000000000000000"/>
               <a:buChar char=""/>
               <a:tabLst>
                 <a:tab pos="299085" algn="l"/>
@@ -2694,8 +2842,8 @@
               </a:tabLst>
             </a:pPr>
             <a:endParaRPr lang="ko-KR" altLang="en-US" sz="1400">
-              <a:latin typeface="Verdana" charset="0"/>
-              <a:cs typeface="Verdana" charset="0"/>
+              <a:latin typeface="Verdana" panose="020B0604030504040204" charset="0"/>
+              <a:cs typeface="Verdana" panose="020B0604030504040204" charset="0"/>
             </a:endParaRPr>
           </a:p>
           <a:p>
@@ -2703,7 +2851,7 @@
               <a:lnSpc>
                 <a:spcPct val="100000"/>
               </a:lnSpc>
-              <a:buFont typeface="Wingdings"/>
+              <a:buFont typeface="Wingdings" panose="05000000000000000000"/>
               <a:buChar char=""/>
               <a:tabLst>
                 <a:tab pos="299085" algn="l"/>
@@ -2712,22 +2860,22 @@
             </a:pPr>
             <a:r>
               <a:rPr sz="1600">
-                <a:latin typeface="Verdana" charset="0"/>
-                <a:cs typeface="Verdana" charset="0"/>
+                <a:latin typeface="Verdana" panose="020B0604030504040204" charset="0"/>
+                <a:cs typeface="Verdana" panose="020B0604030504040204" charset="0"/>
               </a:rPr>
               <a:t>JaCoCo</a:t>
             </a:r>
             <a:endParaRPr lang="ko-KR" altLang="en-US" sz="1600">
-              <a:latin typeface="Verdana" charset="0"/>
-              <a:cs typeface="Verdana" charset="0"/>
+              <a:latin typeface="Verdana" panose="020B0604030504040204" charset="0"/>
+              <a:cs typeface="Verdana" panose="020B0604030504040204" charset="0"/>
             </a:endParaRPr>
           </a:p>
           <a:p>
-            <a:pPr marL="723265" indent="-254000" latinLnBrk="0" lvl="1">
+            <a:pPr marL="723265" lvl="1" indent="-254000" latinLnBrk="0">
               <a:lnSpc>
                 <a:spcPct val="100000"/>
               </a:lnSpc>
-              <a:buFont typeface="Wingdings"/>
+              <a:buFont typeface="Wingdings" panose="05000000000000000000"/>
               <a:buChar char="Ø"/>
               <a:tabLst>
                 <a:tab pos="299085" algn="l"/>
@@ -2736,32 +2884,32 @@
             </a:pPr>
             <a:r>
               <a:rPr sz="1400">
-                <a:latin typeface="Verdana" charset="0"/>
-                <a:cs typeface="Verdana" charset="0"/>
+                <a:latin typeface="Verdana" panose="020B0604030504040204" charset="0"/>
+                <a:cs typeface="Verdana" panose="020B0604030504040204" charset="0"/>
               </a:rPr>
               <a:t>Used for Code Coverage. On the fly byte code</a:t>
             </a:r>
             <a:r>
               <a:rPr sz="1400" spc="-140">
-                <a:latin typeface="Verdana" charset="0"/>
-                <a:cs typeface="Verdana" charset="0"/>
+                <a:latin typeface="Verdana" panose="020B0604030504040204" charset="0"/>
+                <a:cs typeface="Verdana" panose="020B0604030504040204" charset="0"/>
               </a:rPr>
               <a:t> </a:t>
             </a:r>
             <a:r>
               <a:rPr sz="1400">
-                <a:latin typeface="Verdana" charset="0"/>
-                <a:cs typeface="Verdana" charset="0"/>
+                <a:latin typeface="Verdana" panose="020B0604030504040204" charset="0"/>
+                <a:cs typeface="Verdana" panose="020B0604030504040204" charset="0"/>
               </a:rPr>
               <a:t>instrumentation.</a:t>
             </a:r>
             <a:endParaRPr lang="ko-KR" altLang="en-US" sz="1400">
-              <a:latin typeface="Verdana" charset="0"/>
-              <a:cs typeface="Verdana" charset="0"/>
+              <a:latin typeface="Verdana" panose="020B0604030504040204" charset="0"/>
+              <a:cs typeface="Verdana" panose="020B0604030504040204" charset="0"/>
             </a:endParaRPr>
           </a:p>
           <a:p>
-            <a:pPr marL="469265" indent="0" latinLnBrk="0" lvl="1">
+            <a:pPr marL="469265" lvl="1" indent="0" latinLnBrk="0">
               <a:lnSpc>
                 <a:spcPct val="100000"/>
               </a:lnSpc>
@@ -2773,12 +2921,12 @@
               </a:tabLst>
             </a:pPr>
             <a:endParaRPr lang="ko-KR" altLang="en-US" sz="1400">
-              <a:latin typeface="Verdana" charset="0"/>
-              <a:cs typeface="Verdana" charset="0"/>
+              <a:latin typeface="Verdana" panose="020B0604030504040204" charset="0"/>
+              <a:cs typeface="Verdana" panose="020B0604030504040204" charset="0"/>
             </a:endParaRPr>
           </a:p>
           <a:p>
-            <a:pPr marL="469265" indent="0" latinLnBrk="0" lvl="1">
+            <a:pPr marL="469265" lvl="1" indent="0" latinLnBrk="0">
               <a:lnSpc>
                 <a:spcPct val="100000"/>
               </a:lnSpc>
@@ -2790,8 +2938,8 @@
               </a:tabLst>
             </a:pPr>
             <a:endParaRPr lang="ko-KR" altLang="en-US" sz="1400">
-              <a:latin typeface="Verdana" charset="0"/>
-              <a:cs typeface="Verdana" charset="0"/>
+              <a:latin typeface="Verdana" panose="020B0604030504040204" charset="0"/>
+              <a:cs typeface="Verdana" panose="020B0604030504040204" charset="0"/>
             </a:endParaRPr>
           </a:p>
           <a:p>
@@ -2799,7 +2947,7 @@
               <a:lnSpc>
                 <a:spcPct val="100000"/>
               </a:lnSpc>
-              <a:buFont typeface="Wingdings"/>
+              <a:buFont typeface="Wingdings" panose="05000000000000000000"/>
               <a:buChar char=""/>
               <a:tabLst>
                 <a:tab pos="299085" algn="l"/>
@@ -2808,22 +2956,22 @@
             </a:pPr>
             <a:r>
               <a:rPr lang="en-US" sz="1600">
-                <a:latin typeface="Verdana" charset="0"/>
-                <a:cs typeface="Verdana" charset="0"/>
+                <a:latin typeface="Verdana" panose="020B0604030504040204" charset="0"/>
+                <a:cs typeface="Verdana" panose="020B0604030504040204" charset="0"/>
               </a:rPr>
               <a:t>SonarQube</a:t>
             </a:r>
             <a:endParaRPr lang="ko-KR" altLang="en-US" sz="1600">
-              <a:latin typeface="Verdana" charset="0"/>
-              <a:cs typeface="Verdana" charset="0"/>
+              <a:latin typeface="Verdana" panose="020B0604030504040204" charset="0"/>
+              <a:cs typeface="Verdana" panose="020B0604030504040204" charset="0"/>
             </a:endParaRPr>
           </a:p>
           <a:p>
-            <a:pPr marL="723265" indent="-254000" latinLnBrk="0" lvl="1">
+            <a:pPr marL="723265" lvl="1" indent="-254000" latinLnBrk="0">
               <a:lnSpc>
                 <a:spcPct val="100000"/>
               </a:lnSpc>
-              <a:buFont typeface="Wingdings"/>
+              <a:buFont typeface="Wingdings" panose="05000000000000000000"/>
               <a:buChar char="Ø"/>
               <a:tabLst>
                 <a:tab pos="299085" algn="l"/>
@@ -2832,30 +2980,30 @@
             </a:pPr>
             <a:r>
               <a:rPr lang="en-US" sz="1400">
-                <a:latin typeface="Verdana" charset="0"/>
-                <a:cs typeface="Verdana" charset="0"/>
+                <a:latin typeface="Verdana" panose="020B0604030504040204" charset="0"/>
+                <a:cs typeface="Verdana" panose="020B0604030504040204" charset="0"/>
               </a:rPr>
               <a:t>SonarSource for continuous inspection of code quality to perform automatic reviews with static analysis of code to detect bugs, code smells, and security vulnerabilities.</a:t>
             </a:r>
             <a:endParaRPr lang="ko-KR" altLang="en-US" sz="1400">
-              <a:latin typeface="Verdana" charset="0"/>
-              <a:cs typeface="Verdana" charset="0"/>
+              <a:latin typeface="Verdana" panose="020B0604030504040204" charset="0"/>
+              <a:cs typeface="Verdana" panose="020B0604030504040204" charset="0"/>
             </a:endParaRPr>
           </a:p>
           <a:p>
-            <a:pPr marL="723265" indent="-254000" latinLnBrk="0" lvl="1">
+            <a:pPr marL="723265" lvl="1" indent="-254000" latinLnBrk="0">
               <a:lnSpc>
                 <a:spcPct val="100000"/>
               </a:lnSpc>
-              <a:buFont typeface="Wingdings"/>
+              <a:buFont typeface="Wingdings" panose="05000000000000000000"/>
               <a:buChar char=""/>
               <a:tabLst>
                 <a:tab pos="610870" algn="l"/>
               </a:tabLst>
             </a:pPr>
             <a:endParaRPr lang="ko-KR" altLang="en-US" sz="1400">
-              <a:latin typeface="Verdana" charset="0"/>
-              <a:cs typeface="Verdana" charset="0"/>
+              <a:latin typeface="Verdana" panose="020B0604030504040204" charset="0"/>
+              <a:cs typeface="Verdana" panose="020B0604030504040204" charset="0"/>
             </a:endParaRPr>
           </a:p>
         </p:txBody>
@@ -2884,7 +3032,7 @@
 </file>
 
 <file path=ppt/slides/slide14.xml><?xml version="1.0" encoding="utf-8"?>
-<p:sld xmlns:a="http://schemas.openxmlformats.org/drawingml/2006/main" xmlns:r="http://schemas.openxmlformats.org/officeDocument/2006/relationships" xmlns:p="http://schemas.openxmlformats.org/presentationml/2006/main" xmlns:p14="http://schemas.microsoft.com/office/powerpoint/2010/main">
+<p:sld xmlns:a="http://schemas.openxmlformats.org/drawingml/2006/main" xmlns:r="http://schemas.openxmlformats.org/officeDocument/2006/relationships" xmlns:p="http://schemas.openxmlformats.org/presentationml/2006/main">
   <p:cSld>
     <p:spTree>
       <p:nvGrpSpPr>
@@ -2903,22 +3051,22 @@
       <p:sp>
         <p:nvSpPr>
           <p:cNvPr id="6" name="object 6"/>
-          <p:cNvSpPr txBox="1">
-            <a:spLocks/>
-          </p:cNvSpPr>
+          <p:cNvSpPr txBox="1"/>
           <p:nvPr>
             <p:ph type="title"/>
           </p:nvPr>
         </p:nvSpPr>
         <p:spPr>
-          <a:xfrm rot="0">
+          <a:xfrm>
             <a:off x="690880" y="430530"/>
             <a:ext cx="10942320" cy="504825"/>
           </a:xfrm>
-          <a:prstGeom prst="rect"/>
+          <a:prstGeom prst="rect">
+            <a:avLst/>
+          </a:prstGeom>
         </p:spPr>
         <p:txBody>
-          <a:bodyPr wrap="square" lIns="0" tIns="12065" rIns="0" bIns="0" numCol="1" vert="horz" anchor="t">
+          <a:bodyPr vert="horz" wrap="square" lIns="0" tIns="12065" rIns="0" bIns="0" numCol="1" anchor="t">
             <a:spAutoFit/>
           </a:bodyPr>
           <a:lstStyle/>
@@ -2934,45 +3082,45 @@
               <a:buNone/>
             </a:pPr>
             <a:r>
-              <a:rPr sz="3200" i="0" b="1">
+              <a:rPr sz="3200" b="1" i="0">
                 <a:solidFill>
                   <a:schemeClr val="tx2"/>
                 </a:solidFill>
                 <a:effectLst>
-                  <a:outerShdw sx="100000" sy="100000" blurRad="50800" dist="38100" dir="2700000" rotWithShape="0" algn="tl">
+                  <a:outerShdw blurRad="50800" dist="38100" dir="2700000" algn="tl" rotWithShape="0">
                     <a:srgbClr val="000000">
                       <a:alpha val="40000"/>
                     </a:srgbClr>
                   </a:outerShdw>
                 </a:effectLst>
-                <a:latin typeface="Verdana" charset="0"/>
-                <a:ea typeface="Verdana" charset="0"/>
+                <a:latin typeface="Verdana" panose="020B0604030504040204" charset="0"/>
+                <a:ea typeface="Verdana" panose="020B0604030504040204" charset="0"/>
               </a:rPr>
               <a:t>Code Analysis Tools - JaCoCo</a:t>
             </a:r>
             <a:r>
-              <a:rPr lang="en-US" sz="3200" i="0" b="1">
+              <a:rPr lang="en-US" sz="3200" b="1" i="0">
                 <a:solidFill>
                   <a:schemeClr val="tx2"/>
                 </a:solidFill>
                 <a:effectLst>
-                  <a:outerShdw sx="100000" sy="100000" blurRad="50800" dist="38100" dir="2700000" rotWithShape="0" algn="tl">
+                  <a:outerShdw blurRad="50800" dist="38100" dir="2700000" algn="tl" rotWithShape="0">
                     <a:srgbClr val="000000">
                       <a:alpha val="40000"/>
                     </a:srgbClr>
                   </a:outerShdw>
                 </a:effectLst>
-                <a:latin typeface="Verdana" charset="0"/>
-                <a:ea typeface="Verdana" charset="0"/>
+                <a:latin typeface="Verdana" panose="020B0604030504040204" charset="0"/>
+                <a:ea typeface="Verdana" panose="020B0604030504040204" charset="0"/>
               </a:rPr>
               <a:t> for Java Project</a:t>
             </a:r>
-            <a:endParaRPr lang="ko-KR" altLang="en-US" sz="3200" i="0" b="1">
+            <a:endParaRPr lang="ko-KR" altLang="en-US" sz="3200" b="1" i="0">
               <a:solidFill>
                 <a:schemeClr val="tx2"/>
               </a:solidFill>
-              <a:latin typeface="Verdana" charset="0"/>
-              <a:ea typeface="Verdana" charset="0"/>
+              <a:latin typeface="Verdana" panose="020B0604030504040204" charset="0"/>
+              <a:ea typeface="Verdana" panose="020B0604030504040204" charset="0"/>
             </a:endParaRPr>
           </a:p>
         </p:txBody>
@@ -2986,7 +3134,7 @@
           <p:nvPr/>
         </p:nvPicPr>
         <p:blipFill rotWithShape="1">
-          <a:blip r:embed="rId7" cstate="print">
+          <a:blip r:embed="rId1" cstate="print">
             <a:extLst>
               <a:ext uri="{28A0092B-C50C-407E-A947-70E740481C1C}">
                 <a14:useLocalDpi xmlns:a14="http://schemas.microsoft.com/office/drawing/2010/main" val="0"/>
@@ -2998,11 +3146,13 @@
           </a:stretch>
         </p:blipFill>
         <p:spPr>
-          <a:xfrm rot="0">
+          <a:xfrm>
             <a:off x="212725" y="1722755"/>
             <a:ext cx="6188075" cy="4706620"/>
           </a:xfrm>
-          <a:prstGeom prst="rect"/>
+          <a:prstGeom prst="rect">
+            <a:avLst/>
+          </a:prstGeom>
           <a:noFill/>
         </p:spPr>
       </p:pic>
@@ -3015,7 +3165,7 @@
           <p:nvPr/>
         </p:nvPicPr>
         <p:blipFill rotWithShape="1">
-          <a:blip r:embed="rId8" cstate="print">
+          <a:blip r:embed="rId2" cstate="print">
             <a:extLst>
               <a:ext uri="{28A0092B-C50C-407E-A947-70E740481C1C}">
                 <a14:useLocalDpi xmlns:a14="http://schemas.microsoft.com/office/drawing/2010/main" val="0"/>
@@ -3027,36 +3177,37 @@
           </a:stretch>
         </p:blipFill>
         <p:spPr>
-          <a:xfrm rot="0">
+          <a:xfrm>
             <a:off x="5757545" y="1356995"/>
             <a:ext cx="6163310" cy="5144135"/>
           </a:xfrm>
-          <a:prstGeom prst="rect"/>
+          <a:prstGeom prst="rect">
+            <a:avLst/>
+          </a:prstGeom>
           <a:noFill/>
         </p:spPr>
       </p:pic>
       <p:sp>
         <p:nvSpPr>
           <p:cNvPr id="12" name="Text Box 176"/>
-          <p:cNvSpPr txBox="1">
-            <a:spLocks/>
-          </p:cNvSpPr>
+          <p:cNvSpPr txBox="1"/>
           <p:nvPr/>
         </p:nvSpPr>
         <p:spPr>
-          <a:xfrm rot="0">
+          <a:xfrm>
             <a:off x="1977390" y="1052830"/>
             <a:ext cx="4168775" cy="370205"/>
           </a:xfrm>
-          <a:prstGeom prst="rect"/>
+          <a:prstGeom prst="rect">
+            <a:avLst/>
+          </a:prstGeom>
           <a:noFill/>
           <a:ln w="0">
             <a:noFill/>
-            <a:prstDash/>
           </a:ln>
         </p:spPr>
         <p:txBody>
-          <a:bodyPr wrap="square" lIns="89535" tIns="46355" rIns="89535" bIns="46355" vert="horz" anchor="t">
+          <a:bodyPr vert="horz" wrap="square" lIns="89535" tIns="46355" rIns="89535" bIns="46355" anchor="t">
             <a:spAutoFit/>
           </a:bodyPr>
           <a:lstStyle/>
@@ -3064,14 +3215,14 @@
             <a:pPr marL="0" indent="0" algn="l" hangingPunct="1"/>
             <a:r>
               <a:rPr lang="en-US" sz="1800">
-                <a:latin typeface="Segoe UI" charset="0"/>
-                <a:ea typeface="Segoe UI" charset="0"/>
+                <a:latin typeface="Segoe UI" panose="020B0502040204020203" charset="0"/>
+                <a:ea typeface="Segoe UI" panose="020B0502040204020203" charset="0"/>
               </a:rPr>
               <a:t>Add below changes in pom.xml file</a:t>
             </a:r>
             <a:endParaRPr lang="ko-KR" altLang="en-US" sz="1800">
-              <a:latin typeface="Segoe UI" charset="0"/>
-              <a:ea typeface="Segoe UI" charset="0"/>
+              <a:latin typeface="Segoe UI" panose="020B0502040204020203" charset="0"/>
+              <a:ea typeface="Segoe UI" panose="020B0502040204020203" charset="0"/>
             </a:endParaRPr>
           </a:p>
         </p:txBody>
@@ -3119,27 +3270,27 @@
       <p:sp>
         <p:nvSpPr>
           <p:cNvPr id="6" name="object 6"/>
-          <p:cNvSpPr txBox="1">
-            <a:spLocks/>
-          </p:cNvSpPr>
+          <p:cNvSpPr txBox="1"/>
           <p:nvPr>
             <p:ph type="title"/>
           </p:nvPr>
         </p:nvSpPr>
         <p:spPr>
-          <a:xfrm rot="0">
+          <a:xfrm>
             <a:off x="623570" y="452120"/>
             <a:ext cx="11009630" cy="504825"/>
           </a:xfrm>
-          <a:prstGeom prst="rect"/>
+          <a:prstGeom prst="rect">
+            <a:avLst/>
+          </a:prstGeom>
         </p:spPr>
         <p:txBody>
-          <a:bodyPr wrap="square" lIns="0" tIns="12065" rIns="0" bIns="0" numCol="1" vert="horz" anchor="t">
+          <a:bodyPr vert="horz" wrap="square" lIns="0" tIns="12065" rIns="0" bIns="0" numCol="1" anchor="t">
             <a:spAutoFit/>
           </a:bodyPr>
           <a:lstStyle/>
           <a:p>
-            <a:pPr marL="12700" indent="0" rtl="0" algn="l" defTabSz="914400" eaLnBrk="1" latinLnBrk="0" hangingPunct="1">
+            <a:pPr marL="12700" indent="0" algn="l" defTabSz="914400" rtl="0" eaLnBrk="1" latinLnBrk="0" hangingPunct="1">
               <a:lnSpc>
                 <a:spcPct val="100000"/>
               </a:lnSpc>
@@ -3150,48 +3301,48 @@
               <a:buNone/>
             </a:pPr>
             <a:r>
-              <a:rPr altLang="en-US" sz="3200" i="0" b="1">
+              <a:rPr altLang="en-US" sz="3200" b="1" i="0">
                 <a:solidFill>
                   <a:schemeClr val="tx2"/>
                 </a:solidFill>
                 <a:effectLst>
-                  <a:outerShdw sx="100000" sy="100000" blurRad="50800" dist="38100" dir="2700000" rotWithShape="0" algn="tl">
+                  <a:outerShdw blurRad="50800" dist="38100" dir="2700000" algn="tl" rotWithShape="0">
                     <a:srgbClr val="000000">
                       <a:alpha val="40000"/>
                     </a:srgbClr>
                   </a:outerShdw>
                 </a:effectLst>
-                <a:latin typeface="Verdana" charset="0"/>
-                <a:ea typeface="Verdana" charset="0"/>
-                <a:cs typeface="Verdana" charset="0"/>
+                <a:latin typeface="Verdana" panose="020B0604030504040204" charset="0"/>
+                <a:ea typeface="Verdana" panose="020B0604030504040204" charset="0"/>
+                <a:cs typeface="Verdana" panose="020B0604030504040204" charset="0"/>
               </a:rPr>
               <a:t>Code Analysis Tools - </a:t>
             </a:r>
             <a:r>
-              <a:rPr lang="en-US" altLang="en-US" sz="3200" i="0" b="1">
+              <a:rPr lang="en-US" altLang="en-US" sz="3200" b="1" i="0">
                 <a:solidFill>
                   <a:schemeClr val="tx2"/>
                 </a:solidFill>
                 <a:effectLst>
-                  <a:outerShdw sx="100000" sy="100000" blurRad="50800" dist="38100" dir="2700000" rotWithShape="0" algn="tl">
+                  <a:outerShdw blurRad="50800" dist="38100" dir="2700000" algn="tl" rotWithShape="0">
                     <a:srgbClr val="000000">
                       <a:alpha val="40000"/>
                     </a:srgbClr>
                   </a:outerShdw>
                 </a:effectLst>
-                <a:latin typeface="Verdana" charset="0"/>
-                <a:ea typeface="Verdana" charset="0"/>
-                <a:cs typeface="Verdana" charset="0"/>
+                <a:latin typeface="Verdana" panose="020B0604030504040204" charset="0"/>
+                <a:ea typeface="Verdana" panose="020B0604030504040204" charset="0"/>
+                <a:cs typeface="Verdana" panose="020B0604030504040204" charset="0"/>
               </a:rPr>
               <a:t>Sonar for Java Project</a:t>
             </a:r>
-            <a:endParaRPr lang="ko-KR" altLang="en-US" sz="3200" i="0" b="1">
+            <a:endParaRPr lang="ko-KR" altLang="en-US" sz="3200" b="1" i="0">
               <a:solidFill>
                 <a:schemeClr val="tx2"/>
               </a:solidFill>
-              <a:latin typeface="Verdana" charset="0"/>
-              <a:ea typeface="Verdana" charset="0"/>
-              <a:cs typeface="Verdana" charset="0"/>
+              <a:latin typeface="Verdana" panose="020B0604030504040204" charset="0"/>
+              <a:ea typeface="Verdana" panose="020B0604030504040204" charset="0"/>
+              <a:cs typeface="Verdana" panose="020B0604030504040204" charset="0"/>
             </a:endParaRPr>
           </a:p>
         </p:txBody>
@@ -3205,7 +3356,7 @@
           <p:nvPr/>
         </p:nvPicPr>
         <p:blipFill rotWithShape="1">
-          <a:blip r:embed="rId2" cstate="print">
+          <a:blip r:embed="rId1" cstate="print">
             <a:extLst>
               <a:ext uri="{28A0092B-C50C-407E-A947-70E740481C1C}">
                 <a14:useLocalDpi xmlns:a14="http://schemas.microsoft.com/office/drawing/2010/main" val="0"/>
@@ -3217,36 +3368,37 @@
           </a:stretch>
         </p:blipFill>
         <p:spPr>
-          <a:xfrm rot="0">
+          <a:xfrm>
             <a:off x="2308225" y="1903730"/>
             <a:ext cx="5826760" cy="3754120"/>
           </a:xfrm>
-          <a:prstGeom prst="rect"/>
+          <a:prstGeom prst="rect">
+            <a:avLst/>
+          </a:prstGeom>
           <a:noFill/>
         </p:spPr>
       </p:pic>
       <p:sp>
         <p:nvSpPr>
           <p:cNvPr id="11" name="Text Box 177"/>
-          <p:cNvSpPr txBox="1">
-            <a:spLocks/>
-          </p:cNvSpPr>
+          <p:cNvSpPr txBox="1"/>
           <p:nvPr/>
         </p:nvSpPr>
         <p:spPr>
-          <a:xfrm rot="0">
+          <a:xfrm>
             <a:off x="1977390" y="1052830"/>
             <a:ext cx="4168775" cy="370205"/>
           </a:xfrm>
-          <a:prstGeom prst="rect"/>
+          <a:prstGeom prst="rect">
+            <a:avLst/>
+          </a:prstGeom>
           <a:noFill/>
           <a:ln w="0">
             <a:noFill/>
-            <a:prstDash/>
           </a:ln>
         </p:spPr>
         <p:txBody>
-          <a:bodyPr wrap="square" lIns="89535" tIns="46355" rIns="89535" bIns="46355" vert="horz" anchor="t">
+          <a:bodyPr vert="horz" wrap="square" lIns="89535" tIns="46355" rIns="89535" bIns="46355" anchor="t">
             <a:spAutoFit/>
           </a:bodyPr>
           <a:lstStyle/>
@@ -3254,14 +3406,14 @@
             <a:pPr marL="0" indent="0" algn="l" hangingPunct="1"/>
             <a:r>
               <a:rPr lang="en-US" sz="1800">
-                <a:latin typeface="Segoe UI" charset="0"/>
-                <a:ea typeface="Segoe UI" charset="0"/>
+                <a:latin typeface="Segoe UI" panose="020B0502040204020203" charset="0"/>
+                <a:ea typeface="Segoe UI" panose="020B0502040204020203" charset="0"/>
               </a:rPr>
               <a:t>Add below changes in pom.xml file</a:t>
             </a:r>
             <a:endParaRPr lang="ko-KR" altLang="en-US" sz="1800">
-              <a:latin typeface="Segoe UI" charset="0"/>
-              <a:ea typeface="Segoe UI" charset="0"/>
+              <a:latin typeface="Segoe UI" panose="020B0502040204020203" charset="0"/>
+              <a:ea typeface="Segoe UI" panose="020B0502040204020203" charset="0"/>
             </a:endParaRPr>
           </a:p>
         </p:txBody>
@@ -3290,7 +3442,7 @@
 </file>
 
 <file path=ppt/slides/slide16.xml><?xml version="1.0" encoding="utf-8"?>
-<p:sld xmlns:a="http://schemas.openxmlformats.org/drawingml/2006/main" xmlns:r="http://schemas.openxmlformats.org/officeDocument/2006/relationships" xmlns:p="http://schemas.openxmlformats.org/presentationml/2006/main" xmlns:p14="http://schemas.microsoft.com/office/powerpoint/2010/main">
+<p:sld xmlns:a="http://schemas.openxmlformats.org/drawingml/2006/main" xmlns:r="http://schemas.openxmlformats.org/officeDocument/2006/relationships" xmlns:p="http://schemas.openxmlformats.org/presentationml/2006/main">
   <p:cSld>
     <p:spTree>
       <p:nvGrpSpPr>
@@ -3309,22 +3461,22 @@
       <p:sp>
         <p:nvSpPr>
           <p:cNvPr id="3" name="object 3"/>
-          <p:cNvSpPr txBox="1">
-            <a:spLocks/>
-          </p:cNvSpPr>
+          <p:cNvSpPr txBox="1"/>
           <p:nvPr>
             <p:ph type="title"/>
           </p:nvPr>
         </p:nvSpPr>
         <p:spPr>
-          <a:xfrm rot="0">
+          <a:xfrm>
             <a:off x="1271905" y="464185"/>
             <a:ext cx="8903970" cy="504825"/>
           </a:xfrm>
-          <a:prstGeom prst="rect"/>
+          <a:prstGeom prst="rect">
+            <a:avLst/>
+          </a:prstGeom>
         </p:spPr>
         <p:txBody>
-          <a:bodyPr wrap="square" lIns="0" tIns="12065" rIns="0" bIns="0" numCol="1" vert="horz" anchor="t">
+          <a:bodyPr vert="horz" wrap="square" lIns="0" tIns="12065" rIns="0" bIns="0" numCol="1" anchor="t">
             <a:spAutoFit/>
           </a:bodyPr>
           <a:lstStyle/>
@@ -3340,45 +3492,45 @@
               <a:buNone/>
             </a:pPr>
             <a:r>
-              <a:rPr sz="3200" i="0" b="1">
+              <a:rPr sz="3200" b="1" i="0">
                 <a:solidFill>
                   <a:schemeClr val="tx2"/>
                 </a:solidFill>
                 <a:effectLst>
-                  <a:outerShdw sx="100000" sy="100000" blurRad="50800" dist="38100" dir="2700000" rotWithShape="0" algn="tl">
+                  <a:outerShdw blurRad="50800" dist="38100" dir="2700000" algn="tl" rotWithShape="0">
                     <a:srgbClr val="000000">
                       <a:alpha val="40000"/>
                     </a:srgbClr>
                   </a:outerShdw>
                 </a:effectLst>
-                <a:latin typeface="Verdana" charset="0"/>
-                <a:ea typeface="Verdana" charset="0"/>
+                <a:latin typeface="Verdana" panose="020B0604030504040204" charset="0"/>
+                <a:ea typeface="Verdana" panose="020B0604030504040204" charset="0"/>
               </a:rPr>
               <a:t>SONAR Dashboard</a:t>
             </a:r>
             <a:r>
-              <a:rPr lang="en-US" sz="3200" i="0" b="1">
+              <a:rPr lang="en-US" sz="3200" b="1" i="0">
                 <a:solidFill>
                   <a:schemeClr val="tx2"/>
                 </a:solidFill>
                 <a:effectLst>
-                  <a:outerShdw sx="100000" sy="100000" blurRad="50800" dist="38100" dir="2700000" rotWithShape="0" algn="tl">
+                  <a:outerShdw blurRad="50800" dist="38100" dir="2700000" algn="tl" rotWithShape="0">
                     <a:srgbClr val="000000">
                       <a:alpha val="40000"/>
                     </a:srgbClr>
                   </a:outerShdw>
                 </a:effectLst>
-                <a:latin typeface="Verdana" charset="0"/>
-                <a:ea typeface="Verdana" charset="0"/>
+                <a:latin typeface="Verdana" panose="020B0604030504040204" charset="0"/>
+                <a:ea typeface="Verdana" panose="020B0604030504040204" charset="0"/>
               </a:rPr>
               <a:t> for Java Project</a:t>
             </a:r>
-            <a:endParaRPr lang="ko-KR" altLang="en-US" sz="3200" i="0" b="1">
+            <a:endParaRPr lang="ko-KR" altLang="en-US" sz="3200" b="1" i="0">
               <a:solidFill>
                 <a:schemeClr val="tx2"/>
               </a:solidFill>
-              <a:latin typeface="Verdana" charset="0"/>
-              <a:ea typeface="Verdana" charset="0"/>
+              <a:latin typeface="Verdana" panose="020B0604030504040204" charset="0"/>
+              <a:ea typeface="Verdana" panose="020B0604030504040204" charset="0"/>
             </a:endParaRPr>
           </a:p>
         </p:txBody>
@@ -3392,7 +3544,7 @@
           <p:nvPr/>
         </p:nvPicPr>
         <p:blipFill rotWithShape="1">
-          <a:blip r:embed="rId4" cstate="print">
+          <a:blip r:embed="rId1" cstate="print">
             <a:extLst>
               <a:ext uri="{28A0092B-C50C-407E-A947-70E740481C1C}">
                 <a14:useLocalDpi xmlns:a14="http://schemas.microsoft.com/office/drawing/2010/main" val="0"/>
@@ -3405,11 +3557,13 @@
           </a:stretch>
         </p:blipFill>
         <p:spPr>
-          <a:xfrm rot="0">
+          <a:xfrm>
             <a:off x="1467485" y="1159510"/>
             <a:ext cx="7687945" cy="4880610"/>
           </a:xfrm>
-          <a:prstGeom prst="rect"/>
+          <a:prstGeom prst="rect">
+            <a:avLst/>
+          </a:prstGeom>
           <a:noFill/>
         </p:spPr>
       </p:pic>
@@ -3456,22 +3610,22 @@
       <p:sp>
         <p:nvSpPr>
           <p:cNvPr id="6" name="object 6"/>
-          <p:cNvSpPr txBox="1">
-            <a:spLocks/>
-          </p:cNvSpPr>
+          <p:cNvSpPr txBox="1"/>
           <p:nvPr>
             <p:ph type="title"/>
           </p:nvPr>
         </p:nvSpPr>
         <p:spPr>
-          <a:xfrm rot="0">
+          <a:xfrm>
             <a:off x="690880" y="430530"/>
             <a:ext cx="10942320" cy="504825"/>
           </a:xfrm>
-          <a:prstGeom prst="rect"/>
+          <a:prstGeom prst="rect">
+            <a:avLst/>
+          </a:prstGeom>
         </p:spPr>
         <p:txBody>
-          <a:bodyPr wrap="square" lIns="0" tIns="12065" rIns="0" bIns="0" numCol="1" vert="horz" anchor="t">
+          <a:bodyPr vert="horz" wrap="square" lIns="0" tIns="12065" rIns="0" bIns="0" numCol="1" anchor="t">
             <a:spAutoFit/>
           </a:bodyPr>
           <a:lstStyle/>
@@ -3487,48 +3641,48 @@
               <a:buNone/>
             </a:pPr>
             <a:r>
-              <a:rPr altLang="en-US" sz="3200" i="0" b="1">
+              <a:rPr altLang="en-US" sz="3200" b="1" i="0">
                 <a:solidFill>
                   <a:schemeClr val="tx2"/>
                 </a:solidFill>
                 <a:effectLst>
-                  <a:outerShdw sx="100000" sy="100000" blurRad="50800" dist="38100" dir="2700000" rotWithShape="0" algn="tl">
+                  <a:outerShdw blurRad="50800" dist="38100" dir="2700000" algn="tl" rotWithShape="0">
                     <a:srgbClr val="000000">
                       <a:alpha val="40000"/>
                     </a:srgbClr>
                   </a:outerShdw>
                 </a:effectLst>
-                <a:latin typeface="Verdana" charset="0"/>
-                <a:ea typeface="Verdana" charset="0"/>
-                <a:cs typeface="Verdana" charset="0"/>
+                <a:latin typeface="Verdana" panose="020B0604030504040204" charset="0"/>
+                <a:ea typeface="Verdana" panose="020B0604030504040204" charset="0"/>
+                <a:cs typeface="Verdana" panose="020B0604030504040204" charset="0"/>
               </a:rPr>
               <a:t>Code Analysis Tools - </a:t>
             </a:r>
             <a:r>
-              <a:rPr lang="en-US" altLang="en-US" sz="3200" i="0" b="1">
+              <a:rPr lang="en-US" altLang="en-US" sz="3200" b="1" i="0">
                 <a:solidFill>
                   <a:schemeClr val="tx2"/>
                 </a:solidFill>
                 <a:effectLst>
-                  <a:outerShdw sx="100000" sy="100000" blurRad="50800" dist="38100" dir="2700000" rotWithShape="0" algn="tl">
+                  <a:outerShdw blurRad="50800" dist="38100" dir="2700000" algn="tl" rotWithShape="0">
                     <a:srgbClr val="000000">
                       <a:alpha val="40000"/>
                     </a:srgbClr>
                   </a:outerShdw>
                 </a:effectLst>
-                <a:latin typeface="Verdana" charset="0"/>
-                <a:ea typeface="Verdana" charset="0"/>
-                <a:cs typeface="Verdana" charset="0"/>
+                <a:latin typeface="Verdana" panose="020B0604030504040204" charset="0"/>
+                <a:ea typeface="Verdana" panose="020B0604030504040204" charset="0"/>
+                <a:cs typeface="Verdana" panose="020B0604030504040204" charset="0"/>
               </a:rPr>
               <a:t>Sonar for Angular Project</a:t>
             </a:r>
-            <a:endParaRPr lang="ko-KR" altLang="en-US" sz="3200" i="0" b="1">
+            <a:endParaRPr lang="ko-KR" altLang="en-US" sz="3200" b="1" i="0">
               <a:solidFill>
                 <a:schemeClr val="tx2"/>
               </a:solidFill>
-              <a:latin typeface="Verdana" charset="0"/>
-              <a:ea typeface="Verdana" charset="0"/>
-              <a:cs typeface="Verdana" charset="0"/>
+              <a:latin typeface="Verdana" panose="020B0604030504040204" charset="0"/>
+              <a:ea typeface="Verdana" panose="020B0604030504040204" charset="0"/>
+              <a:cs typeface="Verdana" panose="020B0604030504040204" charset="0"/>
             </a:endParaRPr>
           </a:p>
         </p:txBody>
@@ -3536,25 +3690,24 @@
       <p:sp>
         <p:nvSpPr>
           <p:cNvPr id="12" name="Rect 0"/>
-          <p:cNvSpPr txBox="1">
-            <a:spLocks/>
-          </p:cNvSpPr>
+          <p:cNvSpPr txBox="1"/>
           <p:nvPr/>
         </p:nvSpPr>
         <p:spPr>
-          <a:xfrm rot="0">
+          <a:xfrm>
             <a:off x="850265" y="1052830"/>
             <a:ext cx="5029835" cy="370205"/>
           </a:xfrm>
-          <a:prstGeom prst="rect"/>
+          <a:prstGeom prst="rect">
+            <a:avLst/>
+          </a:prstGeom>
           <a:noFill/>
           <a:ln w="0">
             <a:noFill/>
-            <a:prstDash/>
           </a:ln>
         </p:spPr>
         <p:txBody>
-          <a:bodyPr wrap="square" lIns="89535" tIns="46355" rIns="89535" bIns="46355" vert="horz" anchor="t">
+          <a:bodyPr vert="horz" wrap="square" lIns="89535" tIns="46355" rIns="89535" bIns="46355" anchor="t">
             <a:spAutoFit/>
           </a:bodyPr>
           <a:lstStyle/>
@@ -3562,14 +3715,14 @@
             <a:pPr marL="0" indent="0" algn="l" hangingPunct="1"/>
             <a:r>
               <a:rPr lang="en-US" sz="1800">
-                <a:latin typeface="Segoe UI" charset="0"/>
-                <a:ea typeface="Segoe UI" charset="0"/>
+                <a:latin typeface="Segoe UI" panose="020B0502040204020203" charset="0"/>
+                <a:ea typeface="Segoe UI" panose="020B0502040204020203" charset="0"/>
               </a:rPr>
               <a:t>Add below changes in package.jason file</a:t>
             </a:r>
             <a:endParaRPr lang="ko-KR" altLang="en-US" sz="1800">
-              <a:latin typeface="Segoe UI" charset="0"/>
-              <a:ea typeface="Segoe UI" charset="0"/>
+              <a:latin typeface="Segoe UI" panose="020B0502040204020203" charset="0"/>
+              <a:ea typeface="Segoe UI" panose="020B0502040204020203" charset="0"/>
             </a:endParaRPr>
           </a:p>
         </p:txBody>
@@ -3577,25 +3730,24 @@
       <p:sp>
         <p:nvSpPr>
           <p:cNvPr id="13" name="Text Box 178"/>
-          <p:cNvSpPr txBox="1">
-            <a:spLocks/>
-          </p:cNvSpPr>
+          <p:cNvSpPr txBox="1"/>
           <p:nvPr/>
         </p:nvSpPr>
         <p:spPr>
-          <a:xfrm rot="0">
+          <a:xfrm>
             <a:off x="6461760" y="1050290"/>
             <a:ext cx="4554220" cy="370205"/>
           </a:xfrm>
-          <a:prstGeom prst="rect"/>
+          <a:prstGeom prst="rect">
+            <a:avLst/>
+          </a:prstGeom>
           <a:noFill/>
           <a:ln w="0">
             <a:noFill/>
-            <a:prstDash/>
           </a:ln>
         </p:spPr>
         <p:txBody>
-          <a:bodyPr wrap="square" lIns="89535" tIns="46355" rIns="89535" bIns="46355" vert="horz" anchor="t">
+          <a:bodyPr vert="horz" wrap="square" lIns="89535" tIns="46355" rIns="89535" bIns="46355" anchor="t">
             <a:spAutoFit/>
           </a:bodyPr>
           <a:lstStyle/>
@@ -3603,14 +3755,14 @@
             <a:pPr marL="0" indent="0" algn="l" hangingPunct="1"/>
             <a:r>
               <a:rPr lang="en-US" sz="1800">
-                <a:latin typeface="Segoe UI" charset="0"/>
-                <a:ea typeface="Segoe UI" charset="0"/>
+                <a:latin typeface="Segoe UI" panose="020B0502040204020203" charset="0"/>
+                <a:ea typeface="Segoe UI" panose="020B0502040204020203" charset="0"/>
               </a:rPr>
               <a:t>Add below changes in sonar.properties file</a:t>
             </a:r>
             <a:endParaRPr lang="ko-KR" altLang="en-US" sz="1800">
-              <a:latin typeface="Segoe UI" charset="0"/>
-              <a:ea typeface="Segoe UI" charset="0"/>
+              <a:latin typeface="Segoe UI" panose="020B0502040204020203" charset="0"/>
+              <a:ea typeface="Segoe UI" panose="020B0502040204020203" charset="0"/>
             </a:endParaRPr>
           </a:p>
         </p:txBody>
@@ -3618,6 +3770,38 @@
       <p:pic>
         <p:nvPicPr>
           <p:cNvPr id="14" name="Picture 179" descr="C:/Users/devops/AppData/Roaming/PolarisOffice/ETemp/8268_1570912/fImage74504448145.png"/>
+          <p:cNvPicPr>
+            <a:picLocks noChangeAspect="1"/>
+          </p:cNvPicPr>
+          <p:nvPr/>
+        </p:nvPicPr>
+        <p:blipFill rotWithShape="1">
+          <a:blip r:embed="rId1" cstate="print">
+            <a:extLst>
+              <a:ext uri="{28A0092B-C50C-407E-A947-70E740481C1C}">
+                <a14:useLocalDpi xmlns:a14="http://schemas.microsoft.com/office/drawing/2010/main" val="0"/>
+              </a:ext>
+            </a:extLst>
+          </a:blip>
+          <a:srcRect t="3076"/>
+          <a:stretch>
+            <a:fillRect/>
+          </a:stretch>
+        </p:blipFill>
+        <p:spPr>
+          <a:xfrm>
+            <a:off x="641985" y="2371090"/>
+            <a:ext cx="5315585" cy="1680845"/>
+          </a:xfrm>
+          <a:prstGeom prst="rect">
+            <a:avLst/>
+          </a:prstGeom>
+          <a:noFill/>
+        </p:spPr>
+      </p:pic>
+      <p:pic>
+        <p:nvPicPr>
+          <p:cNvPr id="15" name="Picture 180" descr="C:/Users/devops/AppData/Roaming/PolarisOffice/ETemp/8268_1570912/fImage166284453281.png"/>
           <p:cNvPicPr>
             <a:picLocks noChangeAspect="1"/>
           </p:cNvPicPr>
@@ -3631,46 +3815,18 @@
               </a:ext>
             </a:extLst>
           </a:blip>
-          <a:srcRect t="3076"/>
           <a:stretch>
             <a:fillRect/>
           </a:stretch>
         </p:blipFill>
         <p:spPr>
-          <a:xfrm rot="0">
-            <a:off x="641985" y="2371090"/>
-            <a:ext cx="5315585" cy="1680845"/>
-          </a:xfrm>
-          <a:prstGeom prst="rect"/>
-          <a:noFill/>
-        </p:spPr>
-      </p:pic>
-      <p:pic>
-        <p:nvPicPr>
-          <p:cNvPr id="15" name="Picture 180" descr="C:/Users/devops/AppData/Roaming/PolarisOffice/ETemp/8268_1570912/fImage166284453281.png"/>
-          <p:cNvPicPr>
-            <a:picLocks noChangeAspect="1"/>
-          </p:cNvPicPr>
-          <p:nvPr/>
-        </p:nvPicPr>
-        <p:blipFill rotWithShape="1">
-          <a:blip r:embed="rId3" cstate="print">
-            <a:extLst>
-              <a:ext uri="{28A0092B-C50C-407E-A947-70E740481C1C}">
-                <a14:useLocalDpi xmlns:a14="http://schemas.microsoft.com/office/drawing/2010/main" val="0"/>
-              </a:ext>
-            </a:extLst>
-          </a:blip>
-          <a:stretch>
-            <a:fillRect/>
-          </a:stretch>
-        </p:blipFill>
-        <p:spPr>
-          <a:xfrm rot="0">
+          <a:xfrm>
             <a:off x="6096635" y="1854200"/>
             <a:ext cx="5229860" cy="3001010"/>
           </a:xfrm>
-          <a:prstGeom prst="rect"/>
+          <a:prstGeom prst="rect">
+            <a:avLst/>
+          </a:prstGeom>
           <a:noFill/>
         </p:spPr>
       </p:pic>
@@ -3717,22 +3873,22 @@
       <p:sp>
         <p:nvSpPr>
           <p:cNvPr id="3" name="object 3"/>
-          <p:cNvSpPr txBox="1">
-            <a:spLocks/>
-          </p:cNvSpPr>
+          <p:cNvSpPr txBox="1"/>
           <p:nvPr>
             <p:ph type="title"/>
           </p:nvPr>
         </p:nvSpPr>
         <p:spPr>
-          <a:xfrm rot="0">
+          <a:xfrm>
             <a:off x="1271905" y="464185"/>
             <a:ext cx="8903970" cy="504825"/>
           </a:xfrm>
-          <a:prstGeom prst="rect"/>
+          <a:prstGeom prst="rect">
+            <a:avLst/>
+          </a:prstGeom>
         </p:spPr>
         <p:txBody>
-          <a:bodyPr wrap="square" lIns="0" tIns="12065" rIns="0" bIns="0" numCol="1" vert="horz" anchor="t">
+          <a:bodyPr vert="horz" wrap="square" lIns="0" tIns="12065" rIns="0" bIns="0" numCol="1" anchor="t">
             <a:spAutoFit/>
           </a:bodyPr>
           <a:lstStyle/>
@@ -3748,48 +3904,48 @@
               <a:buNone/>
             </a:pPr>
             <a:r>
-              <a:rPr altLang="en-US" sz="3200" i="0" b="1">
+              <a:rPr altLang="en-US" sz="3200" b="1" i="0">
                 <a:solidFill>
                   <a:schemeClr val="tx2"/>
                 </a:solidFill>
                 <a:effectLst>
-                  <a:outerShdw sx="100000" sy="100000" blurRad="50800" dist="38100" dir="2700000" rotWithShape="0" algn="tl">
+                  <a:outerShdw blurRad="50800" dist="38100" dir="2700000" algn="tl" rotWithShape="0">
                     <a:srgbClr val="000000">
                       <a:alpha val="40000"/>
                     </a:srgbClr>
                   </a:outerShdw>
                 </a:effectLst>
-                <a:latin typeface="Verdana" charset="0"/>
-                <a:ea typeface="Verdana" charset="0"/>
-                <a:cs typeface="Verdana" charset="0"/>
+                <a:latin typeface="Verdana" panose="020B0604030504040204" charset="0"/>
+                <a:ea typeface="Verdana" panose="020B0604030504040204" charset="0"/>
+                <a:cs typeface="Verdana" panose="020B0604030504040204" charset="0"/>
               </a:rPr>
               <a:t>SONAR Dashboard</a:t>
             </a:r>
             <a:r>
-              <a:rPr lang="en-US" altLang="en-US" sz="3200" i="0" b="1">
+              <a:rPr lang="en-US" altLang="en-US" sz="3200" b="1" i="0">
                 <a:solidFill>
                   <a:schemeClr val="tx2"/>
                 </a:solidFill>
                 <a:effectLst>
-                  <a:outerShdw sx="100000" sy="100000" blurRad="50800" dist="38100" dir="2700000" rotWithShape="0" algn="tl">
+                  <a:outerShdw blurRad="50800" dist="38100" dir="2700000" algn="tl" rotWithShape="0">
                     <a:srgbClr val="000000">
                       <a:alpha val="40000"/>
                     </a:srgbClr>
                   </a:outerShdw>
                 </a:effectLst>
-                <a:latin typeface="Verdana" charset="0"/>
-                <a:ea typeface="Verdana" charset="0"/>
-                <a:cs typeface="Verdana" charset="0"/>
+                <a:latin typeface="Verdana" panose="020B0604030504040204" charset="0"/>
+                <a:ea typeface="Verdana" panose="020B0604030504040204" charset="0"/>
+                <a:cs typeface="Verdana" panose="020B0604030504040204" charset="0"/>
               </a:rPr>
               <a:t> for Angular Project</a:t>
             </a:r>
-            <a:endParaRPr lang="ko-KR" altLang="en-US" sz="3200" i="0" b="1">
+            <a:endParaRPr lang="ko-KR" altLang="en-US" sz="3200" b="1" i="0">
               <a:solidFill>
                 <a:schemeClr val="tx2"/>
               </a:solidFill>
-              <a:latin typeface="Verdana" charset="0"/>
-              <a:ea typeface="Verdana" charset="0"/>
-              <a:cs typeface="Verdana" charset="0"/>
+              <a:latin typeface="Verdana" panose="020B0604030504040204" charset="0"/>
+              <a:ea typeface="Verdana" panose="020B0604030504040204" charset="0"/>
+              <a:cs typeface="Verdana" panose="020B0604030504040204" charset="0"/>
             </a:endParaRPr>
           </a:p>
         </p:txBody>
@@ -3803,7 +3959,7 @@
           <p:nvPr/>
         </p:nvPicPr>
         <p:blipFill rotWithShape="1">
-          <a:blip r:embed="rId2" cstate="print">
+          <a:blip r:embed="rId1" cstate="print">
             <a:extLst>
               <a:ext uri="{28A0092B-C50C-407E-A947-70E740481C1C}">
                 <a14:useLocalDpi xmlns:a14="http://schemas.microsoft.com/office/drawing/2010/main" val="0"/>
@@ -3815,11 +3971,13 @@
           </a:stretch>
         </p:blipFill>
         <p:spPr>
-          <a:xfrm rot="0">
+          <a:xfrm>
             <a:off x="1764665" y="1105535"/>
             <a:ext cx="8656320" cy="5104765"/>
           </a:xfrm>
-          <a:prstGeom prst="rect"/>
+          <a:prstGeom prst="rect">
+            <a:avLst/>
+          </a:prstGeom>
           <a:noFill/>
         </p:spPr>
       </p:pic>
@@ -3847,7 +4005,7 @@
 </file>
 
 <file path=ppt/slides/slide19.xml><?xml version="1.0" encoding="utf-8"?>
-<p:sld xmlns:a="http://schemas.openxmlformats.org/drawingml/2006/main" xmlns:r="http://schemas.openxmlformats.org/officeDocument/2006/relationships" xmlns:p="http://schemas.openxmlformats.org/presentationml/2006/main" xmlns:p14="http://schemas.microsoft.com/office/powerpoint/2010/main">
+<p:sld xmlns:a="http://schemas.openxmlformats.org/drawingml/2006/main" xmlns:r="http://schemas.openxmlformats.org/officeDocument/2006/relationships" xmlns:p="http://schemas.openxmlformats.org/presentationml/2006/main">
   <p:cSld>
     <p:spTree>
       <p:nvGrpSpPr>
@@ -3866,22 +4024,22 @@
       <p:sp>
         <p:nvSpPr>
           <p:cNvPr id="6" name="object 6"/>
-          <p:cNvSpPr txBox="1">
-            <a:spLocks/>
-          </p:cNvSpPr>
+          <p:cNvSpPr txBox="1"/>
           <p:nvPr>
             <p:ph type="title"/>
           </p:nvPr>
         </p:nvSpPr>
         <p:spPr>
-          <a:xfrm rot="0">
+          <a:xfrm>
             <a:off x="844550" y="434340"/>
             <a:ext cx="10141585" cy="998220"/>
           </a:xfrm>
-          <a:prstGeom prst="rect"/>
+          <a:prstGeom prst="rect">
+            <a:avLst/>
+          </a:prstGeom>
         </p:spPr>
         <p:txBody>
-          <a:bodyPr wrap="square" lIns="0" tIns="13335" rIns="0" bIns="0" numCol="1" vert="horz" anchor="t">
+          <a:bodyPr vert="horz" wrap="square" lIns="0" tIns="13335" rIns="0" bIns="0" numCol="1" anchor="t">
             <a:spAutoFit/>
           </a:bodyPr>
           <a:lstStyle/>
@@ -3897,123 +4055,123 @@
               <a:buNone/>
             </a:pPr>
             <a:r>
-              <a:rPr sz="3200" i="0" b="1">
+              <a:rPr sz="3200" b="1" i="0">
                 <a:solidFill>
                   <a:schemeClr val="tx2"/>
                 </a:solidFill>
                 <a:effectLst>
-                  <a:outerShdw sx="100000" sy="100000" blurRad="50800" dist="38100" dir="2700000" rotWithShape="0" algn="tl">
+                  <a:outerShdw blurRad="50800" dist="38100" dir="2700000" algn="tl" rotWithShape="0">
                     <a:srgbClr val="000000">
                       <a:alpha val="40000"/>
                     </a:srgbClr>
                   </a:outerShdw>
                 </a:effectLst>
-                <a:latin typeface="Verdana" charset="0"/>
-                <a:ea typeface="Verdana" charset="0"/>
+                <a:latin typeface="Verdana" panose="020B0604030504040204" charset="0"/>
+                <a:ea typeface="Verdana" panose="020B0604030504040204" charset="0"/>
               </a:rPr>
               <a:t>Great! what all plugins</a:t>
             </a:r>
             <a:r>
-              <a:rPr lang="en-US" sz="3200" i="0" b="1">
+              <a:rPr lang="en-US" sz="3200" b="1" i="0">
                 <a:solidFill>
                   <a:schemeClr val="tx2"/>
                 </a:solidFill>
                 <a:effectLst>
-                  <a:outerShdw sx="100000" sy="100000" blurRad="50800" dist="38100" dir="2700000" rotWithShape="0" algn="tl">
+                  <a:outerShdw blurRad="50800" dist="38100" dir="2700000" algn="tl" rotWithShape="0">
                     <a:srgbClr val="000000">
                       <a:alpha val="40000"/>
                     </a:srgbClr>
                   </a:outerShdw>
                 </a:effectLst>
-                <a:latin typeface="Verdana" charset="0"/>
-                <a:ea typeface="Verdana" charset="0"/>
+                <a:latin typeface="Verdana" panose="020B0604030504040204" charset="0"/>
+                <a:ea typeface="Verdana" panose="020B0604030504040204" charset="0"/>
               </a:rPr>
               <a:t> we</a:t>
             </a:r>
             <a:r>
-              <a:rPr sz="3200" i="0" b="1">
+              <a:rPr sz="3200" b="1" i="0">
                 <a:solidFill>
                   <a:schemeClr val="tx2"/>
                 </a:solidFill>
                 <a:effectLst>
-                  <a:outerShdw sx="100000" sy="100000" blurRad="50800" dist="38100" dir="2700000" rotWithShape="0" algn="tl">
+                  <a:outerShdw blurRad="50800" dist="38100" dir="2700000" algn="tl" rotWithShape="0">
                     <a:srgbClr val="000000">
                       <a:alpha val="40000"/>
                     </a:srgbClr>
                   </a:outerShdw>
                 </a:effectLst>
-                <a:latin typeface="Verdana" charset="0"/>
-                <a:ea typeface="Verdana" charset="0"/>
+                <a:latin typeface="Verdana" panose="020B0604030504040204" charset="0"/>
+                <a:ea typeface="Verdana" panose="020B0604030504040204" charset="0"/>
               </a:rPr>
               <a:t> have </a:t>
             </a:r>
             <a:r>
-              <a:rPr lang="en-US" sz="3200" i="0" b="1">
+              <a:rPr lang="en-US" sz="3200" b="1" i="0">
                 <a:solidFill>
                   <a:schemeClr val="tx2"/>
                 </a:solidFill>
                 <a:effectLst>
-                  <a:outerShdw sx="100000" sy="100000" blurRad="50800" dist="38100" dir="2700000" rotWithShape="0" algn="tl">
+                  <a:outerShdw blurRad="50800" dist="38100" dir="2700000" algn="tl" rotWithShape="0">
                     <a:srgbClr val="000000">
                       <a:alpha val="40000"/>
                     </a:srgbClr>
                   </a:outerShdw>
                 </a:effectLst>
-                <a:latin typeface="Verdana" charset="0"/>
-                <a:ea typeface="Verdana" charset="0"/>
+                <a:latin typeface="Verdana" panose="020B0604030504040204" charset="0"/>
+                <a:ea typeface="Verdana" panose="020B0604030504040204" charset="0"/>
               </a:rPr>
               <a:t>to </a:t>
             </a:r>
             <a:r>
-              <a:rPr sz="3200" i="0" b="1">
+              <a:rPr sz="3200" b="1" i="0">
                 <a:solidFill>
                   <a:schemeClr val="tx2"/>
                 </a:solidFill>
                 <a:effectLst>
-                  <a:outerShdw sx="100000" sy="100000" blurRad="50800" dist="38100" dir="2700000" rotWithShape="0" algn="tl">
+                  <a:outerShdw blurRad="50800" dist="38100" dir="2700000" algn="tl" rotWithShape="0">
                     <a:srgbClr val="000000">
                       <a:alpha val="40000"/>
                     </a:srgbClr>
                   </a:outerShdw>
                 </a:effectLst>
-                <a:latin typeface="Verdana" charset="0"/>
-                <a:ea typeface="Verdana" charset="0"/>
+                <a:latin typeface="Verdana" panose="020B0604030504040204" charset="0"/>
+                <a:ea typeface="Verdana" panose="020B0604030504040204" charset="0"/>
               </a:rPr>
               <a:t>used  for</a:t>
             </a:r>
             <a:r>
-              <a:rPr sz="3200" i="0" b="0">
+              <a:rPr sz="3200" b="0" i="0">
                 <a:solidFill>
                   <a:schemeClr val="tx2"/>
                 </a:solidFill>
-                <a:latin typeface="Verdana" charset="0"/>
-                <a:ea typeface="Verdana" charset="0"/>
+                <a:latin typeface="Verdana" panose="020B0604030504040204" charset="0"/>
+                <a:ea typeface="Verdana" panose="020B0604030504040204" charset="0"/>
               </a:rPr>
               <a:t> </a:t>
             </a:r>
             <a:r>
-              <a:rPr sz="3200" i="0" b="1">
+              <a:rPr sz="3200" b="1" i="0">
                 <a:solidFill>
                   <a:schemeClr val="tx2"/>
                 </a:solidFill>
                 <a:effectLst>
-                  <a:outerShdw sx="100000" sy="100000" blurRad="50800" dist="38100" dir="2700000" rotWithShape="0" algn="tl">
+                  <a:outerShdw blurRad="50800" dist="38100" dir="2700000" algn="tl" rotWithShape="0">
                     <a:srgbClr val="000000">
                       <a:alpha val="40000"/>
                     </a:srgbClr>
                   </a:outerShdw>
                 </a:effectLst>
-                <a:latin typeface="Verdana" charset="0"/>
-                <a:ea typeface="Verdana" charset="0"/>
+                <a:latin typeface="Verdana" panose="020B0604030504040204" charset="0"/>
+                <a:ea typeface="Verdana" panose="020B0604030504040204" charset="0"/>
               </a:rPr>
               <a:t>Jenkins?</a:t>
             </a:r>
-            <a:endParaRPr lang="ko-KR" altLang="en-US" sz="3200" i="0" b="0">
+            <a:endParaRPr lang="ko-KR" altLang="en-US" sz="3200" b="0" i="0">
               <a:solidFill>
                 <a:schemeClr val="tx2"/>
               </a:solidFill>
-              <a:latin typeface="Verdana" charset="0"/>
-              <a:ea typeface="Verdana" charset="0"/>
+              <a:latin typeface="Verdana" panose="020B0604030504040204" charset="0"/>
+              <a:ea typeface="Verdana" panose="020B0604030504040204" charset="0"/>
             </a:endParaRPr>
           </a:p>
         </p:txBody>
@@ -4021,20 +4179,20 @@
       <p:sp>
         <p:nvSpPr>
           <p:cNvPr id="7" name="Text Box 124"/>
-          <p:cNvSpPr txBox="1">
-            <a:spLocks/>
-          </p:cNvSpPr>
+          <p:cNvSpPr txBox="1"/>
           <p:nvPr/>
         </p:nvSpPr>
         <p:spPr>
-          <a:xfrm rot="0">
+          <a:xfrm>
             <a:off x="1214120" y="1860550"/>
             <a:ext cx="8138160" cy="1951990"/>
           </a:xfrm>
-          <a:prstGeom prst="rect"/>
+          <a:prstGeom prst="rect">
+            <a:avLst/>
+          </a:prstGeom>
         </p:spPr>
         <p:txBody>
-          <a:bodyPr wrap="square" lIns="0" tIns="12700" rIns="0" bIns="0" numCol="1" vert="horz" anchor="t">
+          <a:bodyPr vert="horz" wrap="square" lIns="0" tIns="12700" rIns="0" bIns="0" numCol="1" anchor="t">
             <a:spAutoFit/>
           </a:bodyPr>
           <a:lstStyle/>
@@ -4049,7 +4207,7 @@
               <a:buClr>
                 <a:srgbClr val="A6A6A6"/>
               </a:buClr>
-              <a:buFont typeface="Wingdings"/>
+              <a:buFont typeface="Wingdings" panose="05000000000000000000"/>
               <a:buChar char="ü"/>
               <a:tabLst>
                 <a:tab pos="299720" algn="l"/>
@@ -4060,8 +4218,8 @@
                 <a:solidFill>
                   <a:schemeClr val="tx1"/>
                 </a:solidFill>
-                <a:latin typeface="Verdana" charset="0"/>
-                <a:cs typeface="Verdana" charset="0"/>
+                <a:latin typeface="Verdana" panose="020B0604030504040204" charset="0"/>
+                <a:cs typeface="Verdana" panose="020B0604030504040204" charset="0"/>
               </a:rPr>
               <a:t>Bitbucket</a:t>
             </a:r>
@@ -4070,8 +4228,8 @@
                 <a:solidFill>
                   <a:schemeClr val="tx1"/>
                 </a:solidFill>
-                <a:latin typeface="Verdana" charset="0"/>
-                <a:cs typeface="Verdana" charset="0"/>
+                <a:latin typeface="Verdana" panose="020B0604030504040204" charset="0"/>
+                <a:cs typeface="Verdana" panose="020B0604030504040204" charset="0"/>
               </a:rPr>
               <a:t> </a:t>
             </a:r>
@@ -4080,8 +4238,8 @@
                 <a:solidFill>
                   <a:schemeClr val="tx1"/>
                 </a:solidFill>
-                <a:latin typeface="Verdana" charset="0"/>
-                <a:cs typeface="Verdana" charset="0"/>
+                <a:latin typeface="Verdana" panose="020B0604030504040204" charset="0"/>
+                <a:cs typeface="Verdana" panose="020B0604030504040204" charset="0"/>
               </a:rPr>
               <a:t>plugin </a:t>
             </a:r>
@@ -4090,8 +4248,8 @@
                 <a:solidFill>
                   <a:schemeClr val="tx1"/>
                 </a:solidFill>
-                <a:latin typeface="Verdana" charset="0"/>
-                <a:cs typeface="Verdana" charset="0"/>
+                <a:latin typeface="Verdana" panose="020B0604030504040204" charset="0"/>
+                <a:cs typeface="Verdana" panose="020B0604030504040204" charset="0"/>
               </a:rPr>
               <a:t> to checkout source code from</a:t>
             </a:r>
@@ -4100,8 +4258,8 @@
                 <a:solidFill>
                   <a:schemeClr val="tx1"/>
                 </a:solidFill>
-                <a:latin typeface="Verdana" charset="0"/>
-                <a:cs typeface="Verdana" charset="0"/>
+                <a:latin typeface="Verdana" panose="020B0604030504040204" charset="0"/>
+                <a:cs typeface="Verdana" panose="020B0604030504040204" charset="0"/>
               </a:rPr>
               <a:t> </a:t>
             </a:r>
@@ -4110,8 +4268,8 @@
                 <a:solidFill>
                   <a:schemeClr val="tx1"/>
                 </a:solidFill>
-                <a:latin typeface="Verdana" charset="0"/>
-                <a:cs typeface="Verdana" charset="0"/>
+                <a:latin typeface="Verdana" panose="020B0604030504040204" charset="0"/>
+                <a:cs typeface="Verdana" panose="020B0604030504040204" charset="0"/>
               </a:rPr>
               <a:t>repo.</a:t>
             </a:r>
@@ -4119,8 +4277,8 @@
               <a:solidFill>
                 <a:schemeClr val="tx1"/>
               </a:solidFill>
-              <a:latin typeface="Verdana" charset="0"/>
-              <a:cs typeface="Verdana" charset="0"/>
+              <a:latin typeface="Verdana" panose="020B0604030504040204" charset="0"/>
+              <a:cs typeface="Verdana" panose="020B0604030504040204" charset="0"/>
             </a:endParaRPr>
           </a:p>
           <a:p>
@@ -4134,7 +4292,7 @@
               <a:buClr>
                 <a:srgbClr val="A6A6A6"/>
               </a:buClr>
-              <a:buFont typeface="Wingdings"/>
+              <a:buFont typeface="Wingdings" panose="05000000000000000000"/>
               <a:buChar char="ü"/>
               <a:tabLst>
                 <a:tab pos="299720" algn="l"/>
@@ -4145,8 +4303,8 @@
                 <a:solidFill>
                   <a:schemeClr val="tx1"/>
                 </a:solidFill>
-                <a:latin typeface="Verdana" charset="0"/>
-                <a:cs typeface="Verdana" charset="0"/>
+                <a:latin typeface="Verdana" panose="020B0604030504040204" charset="0"/>
+                <a:cs typeface="Verdana" panose="020B0604030504040204" charset="0"/>
               </a:rPr>
               <a:t>Bitbucket</a:t>
             </a:r>
@@ -4155,8 +4313,8 @@
                 <a:solidFill>
                   <a:schemeClr val="tx1"/>
                 </a:solidFill>
-                <a:latin typeface="Verdana" charset="0"/>
-                <a:cs typeface="Verdana" charset="0"/>
+                <a:latin typeface="Verdana" panose="020B0604030504040204" charset="0"/>
+                <a:cs typeface="Verdana" panose="020B0604030504040204" charset="0"/>
               </a:rPr>
               <a:t> plugin for polling and start builds on each</a:t>
             </a:r>
@@ -4165,8 +4323,8 @@
                 <a:solidFill>
                   <a:schemeClr val="tx1"/>
                 </a:solidFill>
-                <a:latin typeface="Verdana" charset="0"/>
-                <a:cs typeface="Verdana" charset="0"/>
+                <a:latin typeface="Verdana" panose="020B0604030504040204" charset="0"/>
+                <a:cs typeface="Verdana" panose="020B0604030504040204" charset="0"/>
               </a:rPr>
               <a:t> </a:t>
             </a:r>
@@ -4175,8 +4333,8 @@
                 <a:solidFill>
                   <a:schemeClr val="tx1"/>
                 </a:solidFill>
-                <a:latin typeface="Verdana" charset="0"/>
-                <a:cs typeface="Verdana" charset="0"/>
+                <a:latin typeface="Verdana" panose="020B0604030504040204" charset="0"/>
+                <a:cs typeface="Verdana" panose="020B0604030504040204" charset="0"/>
               </a:rPr>
               <a:t>checkin.</a:t>
             </a:r>
@@ -4184,8 +4342,8 @@
               <a:solidFill>
                 <a:schemeClr val="tx1"/>
               </a:solidFill>
-              <a:latin typeface="Verdana" charset="0"/>
-              <a:cs typeface="Verdana" charset="0"/>
+              <a:latin typeface="Verdana" panose="020B0604030504040204" charset="0"/>
+              <a:cs typeface="Verdana" panose="020B0604030504040204" charset="0"/>
             </a:endParaRPr>
           </a:p>
           <a:p>
@@ -4196,7 +4354,7 @@
               <a:buClr>
                 <a:srgbClr val="A6A6A6"/>
               </a:buClr>
-              <a:buFont typeface="Wingdings"/>
+              <a:buFont typeface="Wingdings" panose="05000000000000000000"/>
               <a:buChar char="ü"/>
               <a:tabLst>
                 <a:tab pos="299720" algn="l"/>
@@ -4207,8 +4365,8 @@
                 <a:solidFill>
                   <a:schemeClr val="tx1"/>
                 </a:solidFill>
-                <a:latin typeface="Verdana" charset="0"/>
-                <a:cs typeface="Verdana" charset="0"/>
+                <a:latin typeface="Verdana" panose="020B0604030504040204" charset="0"/>
+                <a:cs typeface="Verdana" panose="020B0604030504040204" charset="0"/>
               </a:rPr>
               <a:t>Build Pipeline</a:t>
             </a:r>
@@ -4217,8 +4375,8 @@
                 <a:solidFill>
                   <a:schemeClr val="tx1"/>
                 </a:solidFill>
-                <a:latin typeface="Verdana" charset="0"/>
-                <a:cs typeface="Verdana" charset="0"/>
+                <a:latin typeface="Verdana" panose="020B0604030504040204" charset="0"/>
+                <a:cs typeface="Verdana" panose="020B0604030504040204" charset="0"/>
               </a:rPr>
               <a:t> </a:t>
             </a:r>
@@ -4227,8 +4385,8 @@
                 <a:solidFill>
                   <a:schemeClr val="tx1"/>
                 </a:solidFill>
-                <a:latin typeface="Verdana" charset="0"/>
-                <a:cs typeface="Verdana" charset="0"/>
+                <a:latin typeface="Verdana" panose="020B0604030504040204" charset="0"/>
+                <a:cs typeface="Verdana" panose="020B0604030504040204" charset="0"/>
               </a:rPr>
               <a:t>plugin.</a:t>
             </a:r>
@@ -4236,8 +4394,8 @@
               <a:solidFill>
                 <a:schemeClr val="tx1"/>
               </a:solidFill>
-              <a:latin typeface="Verdana" charset="0"/>
-              <a:cs typeface="Verdana" charset="0"/>
+              <a:latin typeface="Verdana" panose="020B0604030504040204" charset="0"/>
+              <a:cs typeface="Verdana" panose="020B0604030504040204" charset="0"/>
             </a:endParaRPr>
           </a:p>
           <a:p>
@@ -4245,7 +4403,7 @@
               <a:lnSpc>
                 <a:spcPct val="100000"/>
               </a:lnSpc>
-              <a:buFont typeface="Wingdings"/>
+              <a:buFont typeface="Wingdings" panose="05000000000000000000"/>
               <a:buChar char="ü"/>
               <a:tabLst>
                 <a:tab pos="299720" algn="l"/>
@@ -4256,8 +4414,8 @@
                 <a:solidFill>
                   <a:schemeClr val="tx1"/>
                 </a:solidFill>
-                <a:latin typeface="Verdana" charset="0"/>
-                <a:cs typeface="Verdana" charset="0"/>
+                <a:latin typeface="Verdana" panose="020B0604030504040204" charset="0"/>
+                <a:cs typeface="Verdana" panose="020B0604030504040204" charset="0"/>
               </a:rPr>
               <a:t>Deploy to container plugin</a:t>
             </a:r>
@@ -4265,8 +4423,8 @@
               <a:solidFill>
                 <a:schemeClr val="tx1"/>
               </a:solidFill>
-              <a:latin typeface="Verdana" charset="0"/>
-              <a:cs typeface="Verdana" charset="0"/>
+              <a:latin typeface="Verdana" panose="020B0604030504040204" charset="0"/>
+              <a:cs typeface="Verdana" panose="020B0604030504040204" charset="0"/>
             </a:endParaRPr>
           </a:p>
           <a:p>
@@ -4277,7 +4435,7 @@
               <a:buClr>
                 <a:srgbClr val="A6A6A6"/>
               </a:buClr>
-              <a:buFont typeface="Wingdings"/>
+              <a:buFont typeface="Wingdings" panose="05000000000000000000"/>
               <a:buChar char="ü"/>
               <a:tabLst>
                 <a:tab pos="299720" algn="l"/>
@@ -4288,8 +4446,8 @@
                 <a:solidFill>
                   <a:schemeClr val="tx1"/>
                 </a:solidFill>
-                <a:latin typeface="Verdana" charset="0"/>
-                <a:cs typeface="Verdana" charset="0"/>
+                <a:latin typeface="Verdana" panose="020B0604030504040204" charset="0"/>
+                <a:cs typeface="Verdana" panose="020B0604030504040204" charset="0"/>
               </a:rPr>
               <a:t>Copy Artifacts Plugin</a:t>
             </a:r>
@@ -4297,8 +4455,8 @@
               <a:solidFill>
                 <a:schemeClr val="tx1"/>
               </a:solidFill>
-              <a:latin typeface="Verdana" charset="0"/>
-              <a:cs typeface="Verdana" charset="0"/>
+              <a:latin typeface="Verdana" panose="020B0604030504040204" charset="0"/>
+              <a:cs typeface="Verdana" panose="020B0604030504040204" charset="0"/>
             </a:endParaRPr>
           </a:p>
           <a:p>
@@ -4309,7 +4467,7 @@
               <a:buClr>
                 <a:srgbClr val="A6A6A6"/>
               </a:buClr>
-              <a:buFont typeface="Wingdings"/>
+              <a:buFont typeface="Wingdings" panose="05000000000000000000"/>
               <a:buChar char="ü"/>
               <a:tabLst>
                 <a:tab pos="299720" algn="l"/>
@@ -4320,8 +4478,8 @@
                 <a:solidFill>
                   <a:schemeClr val="tx1"/>
                 </a:solidFill>
-                <a:latin typeface="Verdana" charset="0"/>
-                <a:cs typeface="Verdana" charset="0"/>
+                <a:latin typeface="Verdana" panose="020B0604030504040204" charset="0"/>
+                <a:cs typeface="Verdana" panose="020B0604030504040204" charset="0"/>
               </a:rPr>
               <a:t>Email Extensions plugin</a:t>
             </a:r>
@@ -4329,8 +4487,8 @@
               <a:solidFill>
                 <a:schemeClr val="tx1"/>
               </a:solidFill>
-              <a:latin typeface="Verdana" charset="0"/>
-              <a:cs typeface="Verdana" charset="0"/>
+              <a:latin typeface="Verdana" panose="020B0604030504040204" charset="0"/>
+              <a:cs typeface="Verdana" panose="020B0604030504040204" charset="0"/>
             </a:endParaRPr>
           </a:p>
           <a:p>
@@ -4341,7 +4499,7 @@
               <a:buClr>
                 <a:srgbClr val="A6A6A6"/>
               </a:buClr>
-              <a:buFont typeface="Wingdings"/>
+              <a:buFont typeface="Wingdings" panose="05000000000000000000"/>
               <a:buChar char="ü"/>
               <a:tabLst>
                 <a:tab pos="299720" algn="l"/>
@@ -4352,8 +4510,8 @@
                 <a:solidFill>
                   <a:schemeClr val="tx1"/>
                 </a:solidFill>
-                <a:latin typeface="Verdana" charset="0"/>
-                <a:cs typeface="Verdana" charset="0"/>
+                <a:latin typeface="Verdana" panose="020B0604030504040204" charset="0"/>
+                <a:cs typeface="Verdana" panose="020B0604030504040204" charset="0"/>
               </a:rPr>
               <a:t>NodeJS plugin</a:t>
             </a:r>
@@ -4361,8 +4519,8 @@
               <a:solidFill>
                 <a:schemeClr val="tx1"/>
               </a:solidFill>
-              <a:latin typeface="Verdana" charset="0"/>
-              <a:cs typeface="Verdana" charset="0"/>
+              <a:latin typeface="Verdana" panose="020B0604030504040204" charset="0"/>
+              <a:cs typeface="Verdana" panose="020B0604030504040204" charset="0"/>
             </a:endParaRPr>
           </a:p>
         </p:txBody>
@@ -4391,7 +4549,7 @@
 </file>
 
 <file path=ppt/slides/slide2.xml><?xml version="1.0" encoding="utf-8"?>
-<p:sld xmlns:a="http://schemas.openxmlformats.org/drawingml/2006/main" xmlns:r="http://schemas.openxmlformats.org/officeDocument/2006/relationships" xmlns:p="http://schemas.openxmlformats.org/presentationml/2006/main" xmlns:p14="http://schemas.microsoft.com/office/powerpoint/2010/main">
+<p:sld xmlns:a="http://schemas.openxmlformats.org/drawingml/2006/main" xmlns:r="http://schemas.openxmlformats.org/officeDocument/2006/relationships" xmlns:p="http://schemas.openxmlformats.org/presentationml/2006/main">
   <p:cSld>
     <p:spTree>
       <p:nvGrpSpPr>
@@ -4410,22 +4568,22 @@
       <p:sp>
         <p:nvSpPr>
           <p:cNvPr id="3" name="object 3"/>
-          <p:cNvSpPr txBox="1">
-            <a:spLocks/>
-          </p:cNvSpPr>
+          <p:cNvSpPr txBox="1"/>
           <p:nvPr>
             <p:ph type="title"/>
           </p:nvPr>
         </p:nvSpPr>
         <p:spPr>
-          <a:xfrm rot="0">
+          <a:xfrm>
             <a:off x="899795" y="768350"/>
             <a:ext cx="7237730" cy="504825"/>
           </a:xfrm>
-          <a:prstGeom prst="rect"/>
+          <a:prstGeom prst="rect">
+            <a:avLst/>
+          </a:prstGeom>
         </p:spPr>
         <p:txBody>
-          <a:bodyPr wrap="square" lIns="0" tIns="12065" rIns="0" bIns="0" numCol="1" vert="horz" anchor="t">
+          <a:bodyPr vert="horz" wrap="square" lIns="0" tIns="12065" rIns="0" bIns="0" numCol="1" anchor="t">
             <a:spAutoFit/>
           </a:bodyPr>
           <a:lstStyle/>
@@ -4441,55 +4599,55 @@
               <a:buNone/>
             </a:pPr>
             <a:r>
-              <a:rPr sz="3200" i="0" b="1">
+              <a:rPr sz="3200" b="1" i="0">
                 <a:solidFill>
                   <a:schemeClr val="tx2"/>
                 </a:solidFill>
                 <a:effectLst>
-                  <a:outerShdw sx="100000" sy="100000" blurRad="50800" dist="38100" dir="2700000" rotWithShape="0" algn="tl">
+                  <a:outerShdw blurRad="50800" dist="38100" dir="2700000" algn="tl" rotWithShape="0">
                     <a:srgbClr val="000000">
                       <a:alpha val="40000"/>
                     </a:srgbClr>
                   </a:outerShdw>
                 </a:effectLst>
-                <a:latin typeface="Verdana" charset="0"/>
-                <a:ea typeface="Verdana" charset="0"/>
+                <a:latin typeface="Verdana" panose="020B0604030504040204" charset="0"/>
+                <a:ea typeface="Verdana" panose="020B0604030504040204" charset="0"/>
               </a:rPr>
               <a:t>What</a:t>
             </a:r>
             <a:r>
-              <a:rPr sz="3200" i="0" b="0">
+              <a:rPr sz="3200" b="0" i="0">
                 <a:solidFill>
                   <a:schemeClr val="tx2"/>
                 </a:solidFill>
-                <a:latin typeface="Verdana" charset="0"/>
-                <a:ea typeface="Verdana" charset="0"/>
+                <a:latin typeface="Verdana" panose="020B0604030504040204" charset="0"/>
+                <a:ea typeface="Verdana" panose="020B0604030504040204" charset="0"/>
               </a:rPr>
               <a:t> </a:t>
             </a:r>
             <a:r>
-              <a:rPr sz="3200" i="0" b="1">
+              <a:rPr sz="3200" b="1" i="0">
                 <a:solidFill>
                   <a:schemeClr val="tx2"/>
                 </a:solidFill>
                 <a:effectLst>
-                  <a:outerShdw sx="100000" sy="100000" blurRad="50800" dist="38100" dir="2700000" rotWithShape="0" algn="tl">
+                  <a:outerShdw blurRad="50800" dist="38100" dir="2700000" algn="tl" rotWithShape="0">
                     <a:srgbClr val="000000">
                       <a:alpha val="40000"/>
                     </a:srgbClr>
                   </a:outerShdw>
                 </a:effectLst>
-                <a:latin typeface="Verdana" charset="0"/>
-                <a:ea typeface="Verdana" charset="0"/>
+                <a:latin typeface="Verdana" panose="020B0604030504040204" charset="0"/>
+                <a:ea typeface="Verdana" panose="020B0604030504040204" charset="0"/>
               </a:rPr>
               <a:t>is Continuous Integration?</a:t>
             </a:r>
-            <a:endParaRPr lang="ko-KR" altLang="en-US" sz="3200" i="0" b="0">
+            <a:endParaRPr lang="ko-KR" altLang="en-US" sz="3200" b="0" i="0">
               <a:solidFill>
                 <a:schemeClr val="tx2"/>
               </a:solidFill>
-              <a:latin typeface="Verdana" charset="0"/>
-              <a:ea typeface="Verdana" charset="0"/>
+              <a:latin typeface="Verdana" panose="020B0604030504040204" charset="0"/>
+              <a:ea typeface="Verdana" panose="020B0604030504040204" charset="0"/>
             </a:endParaRPr>
           </a:p>
         </p:txBody>
@@ -4497,20 +4655,20 @@
       <p:sp>
         <p:nvSpPr>
           <p:cNvPr id="4" name="Text Box 90"/>
-          <p:cNvSpPr txBox="1">
-            <a:spLocks/>
-          </p:cNvSpPr>
+          <p:cNvSpPr txBox="1"/>
           <p:nvPr/>
         </p:nvSpPr>
         <p:spPr>
-          <a:xfrm rot="0">
+          <a:xfrm>
             <a:off x="899795" y="1704975"/>
             <a:ext cx="10290175" cy="1305560"/>
           </a:xfrm>
-          <a:prstGeom prst="rect"/>
+          <a:prstGeom prst="rect">
+            <a:avLst/>
+          </a:prstGeom>
         </p:spPr>
         <p:txBody>
-          <a:bodyPr wrap="square" lIns="0" tIns="13335" rIns="0" bIns="0" numCol="1" vert="horz" anchor="t">
+          <a:bodyPr vert="horz" wrap="square" lIns="0" tIns="13335" rIns="0" bIns="0" numCol="1" anchor="t">
             <a:spAutoFit/>
           </a:bodyPr>
           <a:lstStyle/>
@@ -4527,56 +4685,56 @@
             </a:pPr>
             <a:r>
               <a:rPr sz="1400">
-                <a:latin typeface="Verdana" charset="0"/>
-                <a:cs typeface="Verdana" charset="0"/>
+                <a:latin typeface="Verdana" panose="020B0604030504040204" charset="0"/>
+                <a:cs typeface="Verdana" panose="020B0604030504040204" charset="0"/>
               </a:rPr>
               <a:t>Continuous Integration is a software development practice where members of a team integrate their work  frequently, usually each person integrates at least daily - leading to multiple integrations per </a:t>
             </a:r>
             <a:r>
               <a:rPr sz="1400" spc="-20">
-                <a:latin typeface="Verdana" charset="0"/>
-                <a:cs typeface="Verdana" charset="0"/>
+                <a:latin typeface="Verdana" panose="020B0604030504040204" charset="0"/>
+                <a:cs typeface="Verdana" panose="020B0604030504040204" charset="0"/>
               </a:rPr>
               <a:t>day. </a:t>
             </a:r>
             <a:r>
               <a:rPr sz="1400">
-                <a:latin typeface="Verdana" charset="0"/>
-                <a:cs typeface="Verdana" charset="0"/>
+                <a:latin typeface="Verdana" panose="020B0604030504040204" charset="0"/>
+                <a:cs typeface="Verdana" panose="020B0604030504040204" charset="0"/>
               </a:rPr>
               <a:t>Each</a:t>
             </a:r>
             <a:r>
               <a:rPr sz="1400" spc="-210">
-                <a:latin typeface="Verdana" charset="0"/>
-                <a:cs typeface="Verdana" charset="0"/>
+                <a:latin typeface="Verdana" panose="020B0604030504040204" charset="0"/>
+                <a:cs typeface="Verdana" panose="020B0604030504040204" charset="0"/>
               </a:rPr>
               <a:t> </a:t>
             </a:r>
             <a:r>
               <a:rPr sz="1400">
-                <a:latin typeface="Verdana" charset="0"/>
-                <a:cs typeface="Verdana" charset="0"/>
+                <a:latin typeface="Verdana" panose="020B0604030504040204" charset="0"/>
+                <a:cs typeface="Verdana" panose="020B0604030504040204" charset="0"/>
               </a:rPr>
               <a:t>integration  is verified by an automated build (including test) to detect integration errors as quickly as possible. Many teams  find that this approach leads to significantly reduced integration problems and allows a team to develop cohesive  software more</a:t>
             </a:r>
             <a:r>
               <a:rPr sz="1400" spc="-30">
-                <a:latin typeface="Verdana" charset="0"/>
-                <a:cs typeface="Verdana" charset="0"/>
+                <a:latin typeface="Verdana" panose="020B0604030504040204" charset="0"/>
+                <a:cs typeface="Verdana" panose="020B0604030504040204" charset="0"/>
               </a:rPr>
               <a:t> </a:t>
             </a:r>
             <a:r>
               <a:rPr sz="1400">
-                <a:latin typeface="Verdana" charset="0"/>
-                <a:cs typeface="Verdana" charset="0"/>
+                <a:latin typeface="Verdana" panose="020B0604030504040204" charset="0"/>
+                <a:cs typeface="Verdana" panose="020B0604030504040204" charset="0"/>
               </a:rPr>
               <a:t>rapidly."</a:t>
             </a:r>
             <a:endParaRPr lang="ko-KR" altLang="en-US" sz="1400">
-              <a:latin typeface="Verdana" charset="0"/>
-              <a:cs typeface="Verdana" charset="0"/>
+              <a:latin typeface="Verdana" panose="020B0604030504040204" charset="0"/>
+              <a:cs typeface="Verdana" panose="020B0604030504040204" charset="0"/>
             </a:endParaRPr>
           </a:p>
           <a:p>
@@ -4591,8 +4749,8 @@
               <a:solidFill>
                 <a:srgbClr val="00AFEF"/>
               </a:solidFill>
-              <a:latin typeface="Verdana" charset="0"/>
-              <a:cs typeface="Verdana" charset="0"/>
+              <a:latin typeface="Verdana" panose="020B0604030504040204" charset="0"/>
+              <a:cs typeface="Verdana" panose="020B0604030504040204" charset="0"/>
             </a:endParaRPr>
           </a:p>
         </p:txBody>
@@ -4621,7 +4779,7 @@
 </file>
 
 <file path=ppt/slides/slide20.xml><?xml version="1.0" encoding="utf-8"?>
-<p:sld xmlns:a="http://schemas.openxmlformats.org/drawingml/2006/main" xmlns:r="http://schemas.openxmlformats.org/officeDocument/2006/relationships" xmlns:p="http://schemas.openxmlformats.org/presentationml/2006/main" xmlns:p14="http://schemas.microsoft.com/office/powerpoint/2010/main">
+<p:sld xmlns:a="http://schemas.openxmlformats.org/drawingml/2006/main" xmlns:r="http://schemas.openxmlformats.org/officeDocument/2006/relationships" xmlns:p="http://schemas.openxmlformats.org/presentationml/2006/main">
   <p:cSld>
     <p:spTree>
       <p:nvGrpSpPr>
@@ -4640,20 +4798,20 @@
       <p:sp>
         <p:nvSpPr>
           <p:cNvPr id="9" name="Text Box 128"/>
-          <p:cNvSpPr txBox="1">
-            <a:spLocks/>
-          </p:cNvSpPr>
+          <p:cNvSpPr txBox="1"/>
           <p:nvPr/>
         </p:nvSpPr>
         <p:spPr>
-          <a:xfrm rot="0">
+          <a:xfrm>
             <a:off x="3860800" y="2755265"/>
             <a:ext cx="4465320" cy="504825"/>
           </a:xfrm>
-          <a:prstGeom prst="rect"/>
+          <a:prstGeom prst="rect">
+            <a:avLst/>
+          </a:prstGeom>
         </p:spPr>
         <p:txBody>
-          <a:bodyPr wrap="square" lIns="0" tIns="12065" rIns="0" bIns="0" numCol="1" vert="horz" anchor="t">
+          <a:bodyPr vert="horz" wrap="square" lIns="0" tIns="12065" rIns="0" bIns="0" numCol="1" anchor="t">
             <a:spAutoFit/>
           </a:bodyPr>
           <a:lstStyle/>
@@ -4669,28 +4827,28 @@
               <a:buNone/>
             </a:pPr>
             <a:r>
-              <a:rPr lang="en-US" sz="3200" i="0" b="1">
+              <a:rPr lang="en-US" sz="3200" b="1" i="0">
                 <a:solidFill>
                   <a:schemeClr val="tx2"/>
                 </a:solidFill>
                 <a:effectLst>
-                  <a:outerShdw sx="100000" sy="100000" blurRad="50800" dist="38100" dir="2700000" rotWithShape="0" algn="tl">
+                  <a:outerShdw blurRad="50800" dist="38100" dir="2700000" algn="tl" rotWithShape="0">
                     <a:srgbClr val="000000">
                       <a:alpha val="40000"/>
                     </a:srgbClr>
                   </a:outerShdw>
                 </a:effectLst>
-                <a:latin typeface="Verdana" charset="0"/>
-                <a:ea typeface="Verdana" charset="0"/>
+                <a:latin typeface="Verdana" panose="020B0604030504040204" charset="0"/>
+                <a:ea typeface="Verdana" panose="020B0604030504040204" charset="0"/>
               </a:rPr>
               <a:t>Thank you so much!</a:t>
             </a:r>
-            <a:endParaRPr lang="ko-KR" altLang="en-US" sz="3200" i="0" b="1">
+            <a:endParaRPr lang="ko-KR" altLang="en-US" sz="3200" b="1" i="0">
               <a:solidFill>
                 <a:schemeClr val="tx2"/>
               </a:solidFill>
-              <a:latin typeface="Verdana" charset="0"/>
-              <a:ea typeface="Verdana" charset="0"/>
+              <a:latin typeface="Verdana" panose="020B0604030504040204" charset="0"/>
+              <a:ea typeface="Verdana" panose="020B0604030504040204" charset="0"/>
             </a:endParaRPr>
           </a:p>
         </p:txBody>
@@ -4719,7 +4877,7 @@
 </file>
 
 <file path=ppt/slides/slide3.xml><?xml version="1.0" encoding="utf-8"?>
-<p:sld xmlns:a="http://schemas.openxmlformats.org/drawingml/2006/main" xmlns:r="http://schemas.openxmlformats.org/officeDocument/2006/relationships" xmlns:p="http://schemas.openxmlformats.org/presentationml/2006/main" xmlns:p14="http://schemas.microsoft.com/office/powerpoint/2010/main">
+<p:sld xmlns:a="http://schemas.openxmlformats.org/drawingml/2006/main" xmlns:r="http://schemas.openxmlformats.org/officeDocument/2006/relationships" xmlns:p="http://schemas.openxmlformats.org/presentationml/2006/main">
   <p:cSld>
     <p:spTree>
       <p:nvGrpSpPr>
@@ -4738,22 +4896,22 @@
       <p:sp>
         <p:nvSpPr>
           <p:cNvPr id="5" name="object 5"/>
-          <p:cNvSpPr txBox="1">
-            <a:spLocks/>
-          </p:cNvSpPr>
+          <p:cNvSpPr txBox="1"/>
           <p:nvPr>
             <p:ph type="title"/>
           </p:nvPr>
         </p:nvSpPr>
         <p:spPr>
-          <a:xfrm rot="0">
+          <a:xfrm>
             <a:off x="1101725" y="779145"/>
             <a:ext cx="6529070" cy="504825"/>
           </a:xfrm>
-          <a:prstGeom prst="rect"/>
+          <a:prstGeom prst="rect">
+            <a:avLst/>
+          </a:prstGeom>
         </p:spPr>
         <p:txBody>
-          <a:bodyPr wrap="square" lIns="0" tIns="12065" rIns="0" bIns="0" numCol="1" vert="horz" anchor="t">
+          <a:bodyPr vert="horz" wrap="square" lIns="0" tIns="12065" rIns="0" bIns="0" numCol="1" anchor="t">
             <a:spAutoFit/>
           </a:bodyPr>
           <a:lstStyle/>
@@ -4769,28 +4927,28 @@
               <a:buNone/>
             </a:pPr>
             <a:r>
-              <a:rPr sz="3200" i="0" b="1">
+              <a:rPr sz="3200" b="1" i="0">
                 <a:solidFill>
                   <a:schemeClr val="tx2"/>
                 </a:solidFill>
                 <a:effectLst>
-                  <a:outerShdw sx="100000" sy="100000" blurRad="50800" dist="38100" dir="2700000" rotWithShape="0" algn="tl">
+                  <a:outerShdw blurRad="50800" dist="38100" dir="2700000" algn="tl" rotWithShape="0">
                     <a:srgbClr val="000000">
                       <a:alpha val="40000"/>
                     </a:srgbClr>
                   </a:outerShdw>
                 </a:effectLst>
-                <a:latin typeface="Verdana" charset="0"/>
-                <a:ea typeface="Verdana" charset="0"/>
+                <a:latin typeface="Verdana" panose="020B0604030504040204" charset="0"/>
+                <a:ea typeface="Verdana" panose="020B0604030504040204" charset="0"/>
               </a:rPr>
               <a:t>What is Continuous Delivery?</a:t>
             </a:r>
-            <a:endParaRPr lang="ko-KR" altLang="en-US" sz="3200" i="0" b="0">
+            <a:endParaRPr lang="ko-KR" altLang="en-US" sz="3200" b="0" i="0">
               <a:solidFill>
                 <a:schemeClr val="tx2"/>
               </a:solidFill>
-              <a:latin typeface="Verdana" charset="0"/>
-              <a:ea typeface="Verdana" charset="0"/>
+              <a:latin typeface="Verdana" panose="020B0604030504040204" charset="0"/>
+              <a:ea typeface="Verdana" panose="020B0604030504040204" charset="0"/>
             </a:endParaRPr>
           </a:p>
         </p:txBody>
@@ -4798,20 +4956,20 @@
       <p:sp>
         <p:nvSpPr>
           <p:cNvPr id="6" name="Text Box 91"/>
-          <p:cNvSpPr txBox="1">
-            <a:spLocks/>
-          </p:cNvSpPr>
+          <p:cNvSpPr txBox="1"/>
           <p:nvPr/>
         </p:nvSpPr>
         <p:spPr>
-          <a:xfrm rot="0">
+          <a:xfrm>
             <a:off x="1017270" y="1696720"/>
             <a:ext cx="9224645" cy="1303020"/>
           </a:xfrm>
-          <a:prstGeom prst="rect"/>
+          <a:prstGeom prst="rect">
+            <a:avLst/>
+          </a:prstGeom>
         </p:spPr>
         <p:txBody>
-          <a:bodyPr wrap="square" lIns="0" tIns="13335" rIns="0" bIns="0" numCol="1" vert="horz" anchor="t">
+          <a:bodyPr vert="horz" wrap="square" lIns="0" tIns="13335" rIns="0" bIns="0" numCol="1" anchor="t">
             <a:spAutoFit/>
           </a:bodyPr>
           <a:lstStyle/>
@@ -4828,28 +4986,28 @@
             </a:pPr>
             <a:r>
               <a:rPr sz="1400">
-                <a:latin typeface="Verdana" charset="0"/>
-                <a:cs typeface="Verdana" charset="0"/>
+                <a:latin typeface="Verdana" panose="020B0604030504040204" charset="0"/>
+                <a:cs typeface="Verdana" panose="020B0604030504040204" charset="0"/>
               </a:rPr>
               <a:t>Continuous Delivery is the natural extension of Continuous Integration: an approach in which teams  ensure that every change to the system is releasable, and that we can release any version at the push  of a button. Continuous Delivery aims to make releases boring, so we can deliver frequently and get  fast feedback on what users care</a:t>
             </a:r>
             <a:r>
               <a:rPr sz="1400" spc="-100">
-                <a:latin typeface="Verdana" charset="0"/>
-                <a:cs typeface="Verdana" charset="0"/>
+                <a:latin typeface="Verdana" panose="020B0604030504040204" charset="0"/>
+                <a:cs typeface="Verdana" panose="020B0604030504040204" charset="0"/>
               </a:rPr>
               <a:t> </a:t>
             </a:r>
             <a:r>
               <a:rPr sz="1400">
-                <a:latin typeface="Verdana" charset="0"/>
-                <a:cs typeface="Verdana" charset="0"/>
+                <a:latin typeface="Verdana" panose="020B0604030504040204" charset="0"/>
+                <a:cs typeface="Verdana" panose="020B0604030504040204" charset="0"/>
               </a:rPr>
               <a:t>about.</a:t>
             </a:r>
             <a:endParaRPr lang="ko-KR" altLang="en-US" sz="1400">
-              <a:latin typeface="Verdana" charset="0"/>
-              <a:cs typeface="Verdana" charset="0"/>
+              <a:latin typeface="Verdana" panose="020B0604030504040204" charset="0"/>
+              <a:cs typeface="Verdana" panose="020B0604030504040204" charset="0"/>
             </a:endParaRPr>
           </a:p>
           <a:p>
@@ -4864,8 +5022,8 @@
               <a:buNone/>
             </a:pPr>
             <a:endParaRPr lang="ko-KR" altLang="en-US" sz="1350">
-              <a:latin typeface="Verdana" charset="0"/>
-              <a:cs typeface="Verdana" charset="0"/>
+              <a:latin typeface="Verdana" panose="020B0604030504040204" charset="0"/>
+              <a:cs typeface="Verdana" panose="020B0604030504040204" charset="0"/>
             </a:endParaRPr>
           </a:p>
           <a:p>
@@ -4880,8 +5038,8 @@
               <a:solidFill>
                 <a:srgbClr val="00AFEF"/>
               </a:solidFill>
-              <a:latin typeface="Verdana" charset="0"/>
-              <a:cs typeface="Verdana" charset="0"/>
+              <a:latin typeface="Verdana" panose="020B0604030504040204" charset="0"/>
+              <a:cs typeface="Verdana" panose="020B0604030504040204" charset="0"/>
             </a:endParaRPr>
           </a:p>
         </p:txBody>
@@ -4910,7 +5068,7 @@
 </file>
 
 <file path=ppt/slides/slide4.xml><?xml version="1.0" encoding="utf-8"?>
-<p:sld xmlns:a="http://schemas.openxmlformats.org/drawingml/2006/main" xmlns:r="http://schemas.openxmlformats.org/officeDocument/2006/relationships" xmlns:p="http://schemas.openxmlformats.org/presentationml/2006/main" xmlns:p14="http://schemas.microsoft.com/office/powerpoint/2010/main">
+<p:sld xmlns:a="http://schemas.openxmlformats.org/drawingml/2006/main" xmlns:r="http://schemas.openxmlformats.org/officeDocument/2006/relationships" xmlns:p="http://schemas.openxmlformats.org/presentationml/2006/main">
   <p:cSld>
     <p:spTree>
       <p:nvGrpSpPr>
@@ -4929,9 +5087,7 @@
       <p:sp>
         <p:nvSpPr>
           <p:cNvPr id="6" name="object 6"/>
-          <p:cNvSpPr txBox="1">
-            <a:spLocks/>
-          </p:cNvSpPr>
+          <p:cNvSpPr txBox="1"/>
           <p:nvPr>
             <p:ph type="title"/>
           </p:nvPr>
@@ -4941,10 +5097,12 @@
             <a:off x="1059815" y="711200"/>
             <a:ext cx="10393045" cy="996950"/>
           </a:xfrm>
-          <a:prstGeom prst="rect"/>
+          <a:prstGeom prst="rect">
+            <a:avLst/>
+          </a:prstGeom>
         </p:spPr>
         <p:txBody>
-          <a:bodyPr wrap="square" lIns="0" tIns="12065" rIns="0" bIns="0" numCol="1" vert="horz" anchor="t">
+          <a:bodyPr vert="horz" wrap="square" lIns="0" tIns="12065" rIns="0" bIns="0" numCol="1" anchor="t">
             <a:spAutoFit/>
           </a:bodyPr>
           <a:lstStyle/>
@@ -4960,79 +5118,79 @@
               <a:buNone/>
             </a:pPr>
             <a:r>
-              <a:rPr sz="3200" i="0" b="1">
+              <a:rPr sz="3200" b="1" i="0">
                 <a:solidFill>
                   <a:schemeClr val="tx2"/>
                 </a:solidFill>
                 <a:effectLst>
-                  <a:outerShdw sx="100000" sy="100000" blurRad="50800" dist="38100" dir="2700000" rotWithShape="0" algn="tl">
+                  <a:outerShdw blurRad="50800" dist="38100" dir="2700000" algn="tl" rotWithShape="0">
                     <a:srgbClr val="000000">
                       <a:alpha val="40000"/>
                     </a:srgbClr>
                   </a:outerShdw>
                 </a:effectLst>
-                <a:latin typeface="Verdana" charset="0"/>
-                <a:ea typeface="Verdana" charset="0"/>
+                <a:latin typeface="Verdana" panose="020B0604030504040204" charset="0"/>
+                <a:ea typeface="Verdana" panose="020B0604030504040204" charset="0"/>
               </a:rPr>
               <a:t>Before Continuous Integration/Delivery?</a:t>
             </a:r>
             <a:r>
-              <a:rPr sz="3200" i="0" b="1">
+              <a:rPr sz="3200" b="1" i="0">
                 <a:solidFill>
                   <a:schemeClr val="tx2"/>
                 </a:solidFill>
                 <a:effectLst>
-                  <a:outerShdw sx="100000" sy="100000" blurRad="50800" dist="38100" dir="2700000" rotWithShape="0" algn="tl">
+                  <a:outerShdw blurRad="50800" dist="38100" dir="2700000" algn="tl" rotWithShape="0">
                     <a:srgbClr val="000000">
                       <a:alpha val="40000"/>
                     </a:srgbClr>
                   </a:outerShdw>
                 </a:effectLst>
-                <a:latin typeface="Verdana" charset="0"/>
-                <a:ea typeface="Verdana" charset="0"/>
+                <a:latin typeface="Verdana" panose="020B0604030504040204" charset="0"/>
+                <a:ea typeface="Verdana" panose="020B0604030504040204" charset="0"/>
               </a:rPr>
               <a:t> (</a:t>
             </a:r>
             <a:r>
-              <a:rPr lang="en-US" sz="3200" i="0" b="1">
+              <a:rPr lang="en-US" sz="3200" b="1" i="0">
                 <a:solidFill>
                   <a:schemeClr val="tx2"/>
                 </a:solidFill>
                 <a:effectLst>
-                  <a:outerShdw sx="100000" sy="100000" blurRad="50800" dist="38100" dir="2700000" rotWithShape="0" algn="tl">
+                  <a:outerShdw blurRad="50800" dist="38100" dir="2700000" algn="tl" rotWithShape="0">
                     <a:srgbClr val="000000">
                       <a:alpha val="40000"/>
                     </a:srgbClr>
                   </a:outerShdw>
                 </a:effectLst>
-                <a:latin typeface="Verdana" charset="0"/>
-                <a:ea typeface="Verdana" charset="0"/>
+                <a:latin typeface="Verdana" panose="020B0604030504040204" charset="0"/>
+                <a:ea typeface="Verdana" panose="020B0604030504040204" charset="0"/>
               </a:rPr>
               <a:t>CI/CD</a:t>
             </a:r>
             <a:r>
-              <a:rPr sz="3200" i="0" b="1">
+              <a:rPr sz="3200" b="1" i="0">
                 <a:solidFill>
                   <a:schemeClr val="tx2"/>
                 </a:solidFill>
                 <a:effectLst>
-                  <a:outerShdw sx="100000" sy="100000" blurRad="50800" dist="38100" dir="2700000" rotWithShape="0" algn="tl">
+                  <a:outerShdw blurRad="50800" dist="38100" dir="2700000" algn="tl" rotWithShape="0">
                     <a:srgbClr val="000000">
                       <a:alpha val="40000"/>
                     </a:srgbClr>
                   </a:outerShdw>
                 </a:effectLst>
-                <a:latin typeface="Verdana" charset="0"/>
-                <a:ea typeface="Verdana" charset="0"/>
+                <a:latin typeface="Verdana" panose="020B0604030504040204" charset="0"/>
+                <a:ea typeface="Verdana" panose="020B0604030504040204" charset="0"/>
               </a:rPr>
               <a:t>)</a:t>
             </a:r>
-            <a:endParaRPr lang="ko-KR" altLang="en-US" sz="3200" i="0" b="1">
+            <a:endParaRPr lang="ko-KR" altLang="en-US" sz="3200" b="1" i="0">
               <a:solidFill>
                 <a:schemeClr val="tx2"/>
               </a:solidFill>
-              <a:latin typeface="Verdana" charset="0"/>
-              <a:ea typeface="Verdana" charset="0"/>
+              <a:latin typeface="Verdana" panose="020B0604030504040204" charset="0"/>
+              <a:ea typeface="Verdana" panose="020B0604030504040204" charset="0"/>
             </a:endParaRPr>
           </a:p>
         </p:txBody>
@@ -5040,163 +5198,114 @@
       <p:sp>
         <p:nvSpPr>
           <p:cNvPr id="7" name="Text Box 92"/>
-          <p:cNvSpPr txBox="1">
-            <a:spLocks/>
-          </p:cNvSpPr>
+          <p:cNvSpPr txBox="1"/>
           <p:nvPr/>
         </p:nvSpPr>
         <p:spPr>
-          <a:xfrm rot="0">
+          <a:xfrm>
             <a:off x="1133475" y="2245995"/>
-            <a:ext cx="6045200" cy="935990"/>
+            <a:ext cx="6045200" cy="686435"/>
           </a:xfrm>
-          <a:prstGeom prst="rect"/>
+          <a:prstGeom prst="rect">
+            <a:avLst/>
+          </a:prstGeom>
         </p:spPr>
         <p:txBody>
-          <a:bodyPr wrap="square" lIns="0" tIns="13335" rIns="0" bIns="0" numCol="1" vert="horz" anchor="t">
+          <a:bodyPr vert="horz" wrap="square" lIns="0" tIns="13335" rIns="0" bIns="0" numCol="1" anchor="t">
             <a:spAutoFit/>
           </a:bodyPr>
           <a:lstStyle/>
           <a:p>
-            <a:pPr marL="299085" indent="-287020" latinLnBrk="0">
+            <a:pPr marL="298450" marR="5080" indent="-285750" algn="l" defTabSz="914400" latinLnBrk="0">
               <a:lnSpc>
                 <a:spcPct val="100000"/>
               </a:lnSpc>
               <a:spcBef>
                 <a:spcPts val="105"/>
               </a:spcBef>
-              <a:buClr>
-                <a:srgbClr val="A6A6A6"/>
-              </a:buClr>
-              <a:buFont typeface="Arial"/>
+              <a:buClrTx/>
+              <a:buSzTx/>
+              <a:buFont typeface="Arial" panose="020B0604020202020204" pitchFamily="34" charset="0"/>
               <a:buChar char="•"/>
-              <a:tabLst>
-                <a:tab pos="299085" algn="l"/>
-                <a:tab pos="299720" algn="l"/>
-              </a:tabLst>
             </a:pPr>
             <a:r>
-              <a:rPr sz="2000">
+              <a:rPr sz="1400">
                 <a:solidFill>
                   <a:schemeClr val="tx1"/>
                 </a:solidFill>
-                <a:latin typeface="Carlito" charset="0"/>
-                <a:cs typeface="Carlito" charset="0"/>
+                <a:latin typeface="Verdana" panose="020B0604030504040204" charset="0"/>
+                <a:cs typeface="Verdana" panose="020B0604030504040204" charset="0"/>
               </a:rPr>
               <a:t>Manual Deployments.</a:t>
             </a:r>
-            <a:endParaRPr lang="ko-KR" altLang="en-US" sz="2000">
+            <a:endParaRPr sz="1400">
               <a:solidFill>
                 <a:schemeClr val="tx1"/>
               </a:solidFill>
-              <a:latin typeface="Carlito" charset="0"/>
-              <a:cs typeface="Carlito" charset="0"/>
+              <a:latin typeface="Verdana" panose="020B0604030504040204" charset="0"/>
+              <a:cs typeface="Verdana" panose="020B0604030504040204" charset="0"/>
             </a:endParaRPr>
           </a:p>
           <a:p>
-            <a:pPr marL="299085" indent="-287020" latinLnBrk="0">
+            <a:pPr marL="298450" marR="5080" indent="-285750" algn="l" defTabSz="914400" latinLnBrk="0">
               <a:lnSpc>
                 <a:spcPct val="100000"/>
               </a:lnSpc>
-              <a:buClr>
-                <a:srgbClr val="A6A6A6"/>
-              </a:buClr>
-              <a:buFont typeface="Arial"/>
+              <a:spcBef>
+                <a:spcPts val="105"/>
+              </a:spcBef>
+              <a:buClrTx/>
+              <a:buSzTx/>
+              <a:buFont typeface="Arial" panose="020B0604020202020204" pitchFamily="34" charset="0"/>
               <a:buChar char="•"/>
-              <a:tabLst>
-                <a:tab pos="299085" algn="l"/>
-                <a:tab pos="299720" algn="l"/>
-              </a:tabLst>
             </a:pPr>
             <a:r>
-              <a:rPr sz="2000">
+              <a:rPr sz="1400">
                 <a:solidFill>
                   <a:schemeClr val="tx1"/>
                 </a:solidFill>
-                <a:latin typeface="Carlito" charset="0"/>
-                <a:cs typeface="Carlito" charset="0"/>
-              </a:rPr>
-              <a:t>Manual</a:t>
-            </a:r>
-            <a:r>
-              <a:rPr sz="2000">
-                <a:solidFill>
-                  <a:schemeClr val="tx1"/>
-                </a:solidFill>
-                <a:latin typeface="Carlito" charset="0"/>
-                <a:cs typeface="Carlito" charset="0"/>
-              </a:rPr>
-              <a:t> </a:t>
-            </a:r>
-            <a:r>
-              <a:rPr sz="2000">
-                <a:solidFill>
-                  <a:schemeClr val="tx1"/>
-                </a:solidFill>
-                <a:latin typeface="Carlito" charset="0"/>
-                <a:cs typeface="Carlito" charset="0"/>
-              </a:rPr>
-              <a:t>Restarts.</a:t>
-            </a:r>
-            <a:endParaRPr lang="ko-KR" altLang="en-US" sz="2000">
+                <a:latin typeface="Verdana" panose="020B0604030504040204" charset="0"/>
+                <a:cs typeface="Verdana" panose="020B0604030504040204" charset="0"/>
+              </a:rPr>
+              <a:t>Manual Restarts.</a:t>
+            </a:r>
+            <a:endParaRPr sz="1400">
               <a:solidFill>
                 <a:schemeClr val="tx1"/>
               </a:solidFill>
-              <a:latin typeface="Carlito" charset="0"/>
-              <a:cs typeface="Carlito" charset="0"/>
+              <a:latin typeface="Verdana" panose="020B0604030504040204" charset="0"/>
+              <a:cs typeface="Verdana" panose="020B0604030504040204" charset="0"/>
             </a:endParaRPr>
           </a:p>
           <a:p>
-            <a:pPr marL="299085" indent="-287020" latinLnBrk="0">
+            <a:pPr marL="298450" marR="5080" indent="-285750" algn="l" defTabSz="914400" latinLnBrk="0">
               <a:lnSpc>
                 <a:spcPct val="100000"/>
               </a:lnSpc>
-              <a:buClr>
-                <a:srgbClr val="A6A6A6"/>
-              </a:buClr>
-              <a:buFont typeface="Arial"/>
+              <a:spcBef>
+                <a:spcPts val="105"/>
+              </a:spcBef>
+              <a:buClrTx/>
+              <a:buSzTx/>
+              <a:buFont typeface="Arial" panose="020B0604020202020204" pitchFamily="34" charset="0"/>
               <a:buChar char="•"/>
-              <a:tabLst>
-                <a:tab pos="299085" algn="l"/>
-                <a:tab pos="299720" algn="l"/>
-              </a:tabLst>
             </a:pPr>
             <a:r>
-              <a:rPr sz="2000">
+              <a:rPr sz="1400">
                 <a:solidFill>
                   <a:schemeClr val="tx1"/>
                 </a:solidFill>
-                <a:latin typeface="Carlito" charset="0"/>
-                <a:cs typeface="Carlito" charset="0"/>
-              </a:rPr>
-              <a:t>Less confidence! Long turnaround</a:t>
-            </a:r>
-            <a:r>
-              <a:rPr sz="2000" spc="-30">
-                <a:solidFill>
-                  <a:schemeClr val="tx1"/>
-                </a:solidFill>
-                <a:latin typeface="Carlito" charset="0"/>
-                <a:cs typeface="Carlito" charset="0"/>
-              </a:rPr>
-              <a:t> </a:t>
-            </a:r>
-            <a:r>
-              <a:rPr sz="2000">
-                <a:solidFill>
-                  <a:schemeClr val="tx1"/>
-                </a:solidFill>
-                <a:latin typeface="Carlito" charset="0"/>
-                <a:cs typeface="Carlito" charset="0"/>
-              </a:rPr>
-              <a:t>time.</a:t>
-            </a:r>
-            <a:endParaRPr lang="ko-KR" altLang="en-US" sz="2000">
+                <a:latin typeface="Verdana" panose="020B0604030504040204" charset="0"/>
+                <a:cs typeface="Verdana" panose="020B0604030504040204" charset="0"/>
+              </a:rPr>
+              <a:t>Less confidence! Long turnaround time.</a:t>
+            </a:r>
+            <a:endParaRPr sz="1400">
               <a:solidFill>
                 <a:schemeClr val="tx1"/>
               </a:solidFill>
-              <a:latin typeface="Carlito" charset="0"/>
-              <a:cs typeface="Carlito" charset="0"/>
+              <a:latin typeface="Verdana" panose="020B0604030504040204" charset="0"/>
+              <a:cs typeface="Verdana" panose="020B0604030504040204" charset="0"/>
             </a:endParaRPr>
           </a:p>
         </p:txBody>
@@ -5225,7 +5334,7 @@
 </file>
 
 <file path=ppt/slides/slide5.xml><?xml version="1.0" encoding="utf-8"?>
-<p:sld xmlns:a="http://schemas.openxmlformats.org/drawingml/2006/main" xmlns:r="http://schemas.openxmlformats.org/officeDocument/2006/relationships" xmlns:p="http://schemas.openxmlformats.org/presentationml/2006/main" xmlns:p14="http://schemas.microsoft.com/office/powerpoint/2010/main">
+<p:sld xmlns:a="http://schemas.openxmlformats.org/drawingml/2006/main" xmlns:r="http://schemas.openxmlformats.org/officeDocument/2006/relationships" xmlns:p="http://schemas.openxmlformats.org/presentationml/2006/main">
   <p:cSld>
     <p:spTree>
       <p:nvGrpSpPr>
@@ -5244,9 +5353,7 @@
       <p:sp>
         <p:nvSpPr>
           <p:cNvPr id="6" name="object 6"/>
-          <p:cNvSpPr txBox="1">
-            <a:spLocks/>
-          </p:cNvSpPr>
+          <p:cNvSpPr txBox="1"/>
           <p:nvPr>
             <p:ph type="title"/>
           </p:nvPr>
@@ -5256,10 +5363,12 @@
             <a:off x="974090" y="619760"/>
             <a:ext cx="9851390" cy="504825"/>
           </a:xfrm>
-          <a:prstGeom prst="rect"/>
+          <a:prstGeom prst="rect">
+            <a:avLst/>
+          </a:prstGeom>
         </p:spPr>
         <p:txBody>
-          <a:bodyPr wrap="square" lIns="0" tIns="12065" rIns="0" bIns="0" numCol="1" vert="horz" anchor="t">
+          <a:bodyPr vert="horz" wrap="square" lIns="0" tIns="12065" rIns="0" bIns="0" numCol="1" anchor="t">
             <a:spAutoFit/>
           </a:bodyPr>
           <a:lstStyle/>
@@ -5275,72 +5384,72 @@
               <a:buNone/>
             </a:pPr>
             <a:r>
-              <a:rPr sz="3200" i="0" b="1">
+              <a:rPr sz="3200" b="1" i="0">
                 <a:solidFill>
                   <a:schemeClr val="tx2"/>
                 </a:solidFill>
                 <a:effectLst>
-                  <a:outerShdw sx="100000" sy="100000" blurRad="50800" dist="38100" dir="2700000" rotWithShape="0" algn="tl">
+                  <a:outerShdw blurRad="50800" dist="38100" dir="2700000" algn="tl" rotWithShape="0">
                     <a:srgbClr val="000000">
                       <a:alpha val="40000"/>
                     </a:srgbClr>
                   </a:outerShdw>
                 </a:effectLst>
-                <a:latin typeface="Verdana" charset="0"/>
-                <a:ea typeface="Verdana" charset="0"/>
+                <a:latin typeface="Verdana" panose="020B0604030504040204" charset="0"/>
+                <a:ea typeface="Verdana" panose="020B0604030504040204" charset="0"/>
               </a:rPr>
               <a:t>Why</a:t>
             </a:r>
             <a:r>
-              <a:rPr sz="3200" i="0" b="0">
+              <a:rPr sz="3200" b="0" i="0">
                 <a:solidFill>
                   <a:schemeClr val="tx2"/>
                 </a:solidFill>
-                <a:latin typeface="Verdana" charset="0"/>
-                <a:ea typeface="Verdana" charset="0"/>
+                <a:latin typeface="Verdana" panose="020B0604030504040204" charset="0"/>
+                <a:ea typeface="Verdana" panose="020B0604030504040204" charset="0"/>
               </a:rPr>
               <a:t> </a:t>
             </a:r>
             <a:r>
-              <a:rPr sz="3200" i="0" b="1">
+              <a:rPr sz="3200" b="1" i="0">
                 <a:solidFill>
                   <a:schemeClr val="tx2"/>
                 </a:solidFill>
                 <a:effectLst>
-                  <a:outerShdw sx="100000" sy="100000" blurRad="50800" dist="38100" dir="2700000" rotWithShape="0" algn="tl">
+                  <a:outerShdw blurRad="50800" dist="38100" dir="2700000" algn="tl" rotWithShape="0">
                     <a:srgbClr val="000000">
                       <a:alpha val="40000"/>
                     </a:srgbClr>
                   </a:outerShdw>
                 </a:effectLst>
-                <a:latin typeface="Verdana" charset="0"/>
-                <a:ea typeface="Verdana" charset="0"/>
+                <a:latin typeface="Verdana" panose="020B0604030504040204" charset="0"/>
+                <a:ea typeface="Verdana" panose="020B0604030504040204" charset="0"/>
               </a:rPr>
               <a:t>CI/CD</a:t>
             </a:r>
             <a:r>
-              <a:rPr sz="3200" i="0" b="1">
+              <a:rPr sz="3200" b="1" i="0">
                 <a:solidFill>
                   <a:schemeClr val="tx2"/>
                 </a:solidFill>
                 <a:effectLst>
-                  <a:outerShdw sx="100000" sy="100000" blurRad="50800" dist="38100" dir="2700000" rotWithShape="0" algn="tl">
+                  <a:outerShdw blurRad="50800" dist="38100" dir="2700000" algn="tl" rotWithShape="0">
                     <a:srgbClr val="000000">
                       <a:alpha val="40000"/>
                     </a:srgbClr>
                   </a:outerShdw>
                 </a:effectLst>
-                <a:latin typeface="Verdana" charset="0"/>
-                <a:ea typeface="Verdana" charset="0"/>
+                <a:latin typeface="Verdana" panose="020B0604030504040204" charset="0"/>
+                <a:ea typeface="Verdana" panose="020B0604030504040204" charset="0"/>
               </a:rPr>
               <a:t>?</a:t>
             </a:r>
-            <a:endParaRPr lang="ko-KR" altLang="en-US" sz="3200" i="0" b="1">
+            <a:endParaRPr lang="ko-KR" altLang="en-US" sz="3200" b="1" i="0">
               <a:solidFill>
                 <a:schemeClr val="tx2"/>
               </a:solidFill>
-              <a:latin typeface="Verdana" charset="0"/>
-              <a:ea typeface="Verdana" charset="0"/>
+              <a:latin typeface="Verdana" panose="020B0604030504040204" charset="0"/>
+              <a:ea typeface="Verdana" panose="020B0604030504040204" charset="0"/>
             </a:endParaRPr>
           </a:p>
         </p:txBody>
@@ -5348,332 +5457,176 @@
       <p:sp>
         <p:nvSpPr>
           <p:cNvPr id="7" name="Text Box 93"/>
-          <p:cNvSpPr txBox="1">
-            <a:spLocks/>
-          </p:cNvSpPr>
+          <p:cNvSpPr txBox="1"/>
           <p:nvPr/>
         </p:nvSpPr>
         <p:spPr>
-          <a:xfrm rot="0">
+          <a:xfrm>
             <a:off x="836295" y="2040890"/>
-            <a:ext cx="10316845" cy="1858010"/>
+            <a:ext cx="10316845" cy="1144270"/>
           </a:xfrm>
-          <a:prstGeom prst="rect"/>
+          <a:prstGeom prst="rect">
+            <a:avLst/>
+          </a:prstGeom>
         </p:spPr>
         <p:txBody>
-          <a:bodyPr wrap="square" lIns="0" tIns="13335" rIns="0" bIns="0" numCol="1" vert="horz" anchor="t">
+          <a:bodyPr vert="horz" wrap="square" lIns="0" tIns="13335" rIns="0" bIns="0" numCol="1" anchor="t">
             <a:spAutoFit/>
           </a:bodyPr>
           <a:lstStyle/>
           <a:p>
-            <a:pPr marL="355600" indent="-342900" latinLnBrk="0">
+            <a:pPr marL="298450" marR="5080" indent="-285750" algn="l" defTabSz="914400" latinLnBrk="0">
               <a:lnSpc>
                 <a:spcPct val="100000"/>
               </a:lnSpc>
               <a:spcBef>
                 <a:spcPts val="105"/>
               </a:spcBef>
-              <a:buClr>
-                <a:srgbClr val="A6A6A6"/>
-              </a:buClr>
-              <a:buFont typeface="Arial"/>
+              <a:buClrTx/>
+              <a:buSzTx/>
+              <a:buFont typeface="Arial" panose="020B0604020202020204" pitchFamily="34" charset="0"/>
               <a:buChar char="•"/>
-              <a:tabLst>
-                <a:tab pos="354965" algn="l"/>
-                <a:tab pos="355600" algn="l"/>
-              </a:tabLst>
             </a:pPr>
             <a:r>
-              <a:rPr sz="2000">
+              <a:rPr sz="1400">
                 <a:solidFill>
                   <a:schemeClr val="tx1"/>
                 </a:solidFill>
-                <a:latin typeface="Carlito" charset="0"/>
-                <a:cs typeface="Carlito" charset="0"/>
-              </a:rPr>
-              <a:t>Immediate feedback, </a:t>
-            </a:r>
-            <a:r>
-              <a:rPr sz="2000">
-                <a:solidFill>
-                  <a:schemeClr val="tx1"/>
-                </a:solidFill>
-                <a:latin typeface="Carlito" charset="0"/>
-                <a:cs typeface="Carlito" charset="0"/>
-              </a:rPr>
-              <a:t>faster </a:t>
-            </a:r>
-            <a:r>
-              <a:rPr sz="2000">
-                <a:solidFill>
-                  <a:schemeClr val="tx1"/>
-                </a:solidFill>
-                <a:latin typeface="Carlito" charset="0"/>
-                <a:cs typeface="Carlito" charset="0"/>
-              </a:rPr>
-              <a:t>turn around</a:t>
-            </a:r>
-            <a:r>
-              <a:rPr sz="2000" spc="40">
-                <a:solidFill>
-                  <a:schemeClr val="tx1"/>
-                </a:solidFill>
-                <a:latin typeface="Carlito" charset="0"/>
-                <a:cs typeface="Carlito" charset="0"/>
-              </a:rPr>
-              <a:t> </a:t>
-            </a:r>
-            <a:r>
-              <a:rPr sz="2000">
-                <a:solidFill>
-                  <a:schemeClr val="tx1"/>
-                </a:solidFill>
-                <a:latin typeface="Carlito" charset="0"/>
-                <a:cs typeface="Carlito" charset="0"/>
-              </a:rPr>
-              <a:t>time.</a:t>
-            </a:r>
-            <a:endParaRPr lang="ko-KR" altLang="en-US" sz="2000">
+                <a:latin typeface="Verdana" panose="020B0604030504040204" charset="0"/>
+                <a:cs typeface="Verdana" panose="020B0604030504040204" charset="0"/>
+              </a:rPr>
+              <a:t>Immediate feedback, faster turn around time.</a:t>
+            </a:r>
+            <a:endParaRPr sz="1400">
               <a:solidFill>
                 <a:schemeClr val="tx1"/>
               </a:solidFill>
-              <a:latin typeface="Carlito" charset="0"/>
-              <a:cs typeface="Carlito" charset="0"/>
+              <a:latin typeface="Verdana" panose="020B0604030504040204" charset="0"/>
+              <a:cs typeface="Verdana" panose="020B0604030504040204" charset="0"/>
             </a:endParaRPr>
           </a:p>
           <a:p>
-            <a:pPr marL="355600" indent="-342900" latinLnBrk="0">
+            <a:pPr marL="298450" marR="5080" indent="-285750" algn="l" defTabSz="914400" latinLnBrk="0">
               <a:lnSpc>
                 <a:spcPct val="100000"/>
               </a:lnSpc>
-              <a:buClr>
-                <a:srgbClr val="A6A6A6"/>
-              </a:buClr>
-              <a:buFont typeface="Arial"/>
+              <a:spcBef>
+                <a:spcPts val="105"/>
+              </a:spcBef>
+              <a:buClrTx/>
+              <a:buSzTx/>
+              <a:buFont typeface="Arial" panose="020B0604020202020204" pitchFamily="34" charset="0"/>
               <a:buChar char="•"/>
-              <a:tabLst>
-                <a:tab pos="354965" algn="l"/>
-                <a:tab pos="355600" algn="l"/>
-              </a:tabLst>
             </a:pPr>
             <a:r>
-              <a:rPr sz="2000">
+              <a:rPr sz="1400">
                 <a:solidFill>
                   <a:schemeClr val="tx1"/>
                 </a:solidFill>
-                <a:latin typeface="Carlito" charset="0"/>
-                <a:cs typeface="Carlito" charset="0"/>
-              </a:rPr>
-              <a:t>Enforces discipline of frequent automated</a:t>
-            </a:r>
-            <a:r>
-              <a:rPr sz="2000" spc="20">
-                <a:solidFill>
-                  <a:schemeClr val="tx1"/>
-                </a:solidFill>
-                <a:latin typeface="Carlito" charset="0"/>
-                <a:cs typeface="Carlito" charset="0"/>
-              </a:rPr>
-              <a:t> </a:t>
-            </a:r>
-            <a:r>
-              <a:rPr sz="2000">
-                <a:solidFill>
-                  <a:schemeClr val="tx1"/>
-                </a:solidFill>
-                <a:latin typeface="Carlito" charset="0"/>
-                <a:cs typeface="Carlito" charset="0"/>
-              </a:rPr>
-              <a:t>testing.</a:t>
-            </a:r>
-            <a:endParaRPr lang="ko-KR" altLang="en-US" sz="2000">
+                <a:latin typeface="Verdana" panose="020B0604030504040204" charset="0"/>
+                <a:cs typeface="Verdana" panose="020B0604030504040204" charset="0"/>
+              </a:rPr>
+              <a:t>Enforces discipline of frequent automated testing.</a:t>
+            </a:r>
+            <a:endParaRPr sz="1400">
               <a:solidFill>
                 <a:schemeClr val="tx1"/>
               </a:solidFill>
-              <a:latin typeface="Carlito" charset="0"/>
-              <a:cs typeface="Carlito" charset="0"/>
+              <a:latin typeface="Verdana" panose="020B0604030504040204" charset="0"/>
+              <a:cs typeface="Verdana" panose="020B0604030504040204" charset="0"/>
             </a:endParaRPr>
           </a:p>
           <a:p>
-            <a:pPr marL="355600" indent="-342900" latinLnBrk="0">
+            <a:pPr marL="298450" marR="5080" indent="-285750" algn="l" defTabSz="914400" latinLnBrk="0">
               <a:lnSpc>
                 <a:spcPct val="100000"/>
               </a:lnSpc>
-              <a:buClr>
-                <a:srgbClr val="A6A6A6"/>
-              </a:buClr>
-              <a:buFont typeface="Arial"/>
+              <a:spcBef>
+                <a:spcPts val="105"/>
+              </a:spcBef>
+              <a:buClrTx/>
+              <a:buSzTx/>
+              <a:buFont typeface="Arial" panose="020B0604020202020204" pitchFamily="34" charset="0"/>
               <a:buChar char="•"/>
-              <a:tabLst>
-                <a:tab pos="354965" algn="l"/>
-                <a:tab pos="355600" algn="l"/>
-              </a:tabLst>
             </a:pPr>
             <a:r>
-              <a:rPr sz="2000">
+              <a:rPr sz="1400">
                 <a:solidFill>
                   <a:schemeClr val="tx1"/>
                 </a:solidFill>
-                <a:latin typeface="Carlito" charset="0"/>
-                <a:cs typeface="Carlito" charset="0"/>
-              </a:rPr>
-              <a:t>Better coding practices - Frequent code check-in pushes developers to </a:t>
-            </a:r>
-            <a:r>
-              <a:rPr sz="2000">
-                <a:solidFill>
-                  <a:schemeClr val="tx1"/>
-                </a:solidFill>
-                <a:latin typeface="Carlito" charset="0"/>
-                <a:cs typeface="Carlito" charset="0"/>
-              </a:rPr>
-              <a:t>create </a:t>
-            </a:r>
-            <a:r>
-              <a:rPr sz="2000" spc="-10">
-                <a:solidFill>
-                  <a:schemeClr val="tx1"/>
-                </a:solidFill>
-                <a:latin typeface="Carlito" charset="0"/>
-                <a:cs typeface="Carlito" charset="0"/>
-              </a:rPr>
-              <a:t>modular,</a:t>
-            </a:r>
-            <a:r>
-              <a:rPr sz="2000" spc="-70">
-                <a:solidFill>
-                  <a:schemeClr val="tx1"/>
-                </a:solidFill>
-                <a:latin typeface="Carlito" charset="0"/>
-                <a:cs typeface="Carlito" charset="0"/>
-              </a:rPr>
-              <a:t> </a:t>
-            </a:r>
-            <a:r>
-              <a:rPr sz="2000">
-                <a:solidFill>
-                  <a:schemeClr val="tx1"/>
-                </a:solidFill>
-                <a:latin typeface="Carlito" charset="0"/>
-                <a:cs typeface="Carlito" charset="0"/>
-              </a:rPr>
-              <a:t>less</a:t>
-            </a:r>
-            <a:endParaRPr lang="ko-KR" altLang="en-US" sz="2000">
+                <a:latin typeface="Verdana" panose="020B0604030504040204" charset="0"/>
+                <a:cs typeface="Verdana" panose="020B0604030504040204" charset="0"/>
+              </a:rPr>
+              <a:t>Better coding practices - Frequent code check-in pushes developers to create modular, less</a:t>
+            </a:r>
+            <a:endParaRPr sz="1400">
               <a:solidFill>
                 <a:schemeClr val="tx1"/>
               </a:solidFill>
-              <a:latin typeface="Carlito" charset="0"/>
-              <a:cs typeface="Carlito" charset="0"/>
+              <a:latin typeface="Verdana" panose="020B0604030504040204" charset="0"/>
+              <a:cs typeface="Verdana" panose="020B0604030504040204" charset="0"/>
             </a:endParaRPr>
           </a:p>
           <a:p>
-            <a:pPr marL="355600" indent="0" latinLnBrk="0">
+            <a:pPr marL="298450" marR="5080" indent="-285750" algn="l" latinLnBrk="0">
               <a:lnSpc>
                 <a:spcPct val="100000"/>
               </a:lnSpc>
-              <a:buFontTx/>
-              <a:buNone/>
+              <a:spcBef>
+                <a:spcPts val="105"/>
+              </a:spcBef>
+              <a:buClrTx/>
+              <a:buSzTx/>
+              <a:buFont typeface="Arial" panose="020B0604020202020204" pitchFamily="34" charset="0"/>
+              <a:buChar char="•"/>
             </a:pPr>
             <a:r>
-              <a:rPr sz="2000">
+              <a:rPr sz="1400">
                 <a:solidFill>
                   <a:schemeClr val="tx1"/>
                 </a:solidFill>
-                <a:latin typeface="Carlito" charset="0"/>
-                <a:cs typeface="Carlito" charset="0"/>
-              </a:rPr>
-              <a:t>complex</a:t>
-            </a:r>
-            <a:r>
-              <a:rPr sz="2000">
-                <a:solidFill>
-                  <a:schemeClr val="tx1"/>
-                </a:solidFill>
-                <a:latin typeface="Carlito" charset="0"/>
-                <a:cs typeface="Carlito" charset="0"/>
-              </a:rPr>
-              <a:t> </a:t>
-            </a:r>
-            <a:r>
-              <a:rPr sz="2000">
-                <a:solidFill>
-                  <a:schemeClr val="tx1"/>
-                </a:solidFill>
-                <a:latin typeface="Carlito" charset="0"/>
-                <a:cs typeface="Carlito" charset="0"/>
-              </a:rPr>
-              <a:t>code.</a:t>
-            </a:r>
-            <a:endParaRPr lang="ko-KR" altLang="en-US" sz="2000">
+                <a:latin typeface="Verdana" panose="020B0604030504040204" charset="0"/>
+                <a:cs typeface="Verdana" panose="020B0604030504040204" charset="0"/>
+              </a:rPr>
+              <a:t>complex code.</a:t>
+            </a:r>
+            <a:endParaRPr sz="1400">
               <a:solidFill>
                 <a:schemeClr val="tx1"/>
               </a:solidFill>
-              <a:latin typeface="Carlito" charset="0"/>
-              <a:cs typeface="Carlito" charset="0"/>
+              <a:latin typeface="Verdana" panose="020B0604030504040204" charset="0"/>
+              <a:cs typeface="Verdana" panose="020B0604030504040204" charset="0"/>
             </a:endParaRPr>
           </a:p>
           <a:p>
-            <a:pPr marL="355600" indent="-342900" latinLnBrk="0">
+            <a:pPr marL="298450" marR="5080" indent="-285750" algn="l" defTabSz="914400" latinLnBrk="0">
               <a:lnSpc>
                 <a:spcPct val="100000"/>
               </a:lnSpc>
-              <a:buClr>
-                <a:srgbClr val="A6A6A6"/>
-              </a:buClr>
-              <a:buFont typeface="Arial"/>
+              <a:spcBef>
+                <a:spcPts val="105"/>
+              </a:spcBef>
+              <a:buClrTx/>
+              <a:buSzTx/>
+              <a:buFont typeface="Arial" panose="020B0604020202020204" pitchFamily="34" charset="0"/>
               <a:buChar char="•"/>
-              <a:tabLst>
-                <a:tab pos="354965" algn="l"/>
-                <a:tab pos="355600" algn="l"/>
-              </a:tabLst>
             </a:pPr>
             <a:r>
-              <a:rPr sz="2000">
+              <a:rPr sz="1400">
                 <a:solidFill>
                   <a:schemeClr val="tx1"/>
                 </a:solidFill>
-                <a:latin typeface="Carlito" charset="0"/>
-                <a:cs typeface="Carlito" charset="0"/>
-              </a:rPr>
-              <a:t>Every </a:t>
-            </a:r>
-            <a:r>
-              <a:rPr sz="2000">
-                <a:solidFill>
-                  <a:schemeClr val="tx1"/>
-                </a:solidFill>
-                <a:latin typeface="Carlito" charset="0"/>
-                <a:cs typeface="Carlito" charset="0"/>
-              </a:rPr>
-              <a:t>commit can result in a</a:t>
-            </a:r>
-            <a:r>
-              <a:rPr sz="2000" spc="30">
-                <a:solidFill>
-                  <a:schemeClr val="tx1"/>
-                </a:solidFill>
-                <a:latin typeface="Carlito" charset="0"/>
-                <a:cs typeface="Carlito" charset="0"/>
-              </a:rPr>
-              <a:t> </a:t>
-            </a:r>
-            <a:r>
-              <a:rPr sz="2000">
-                <a:solidFill>
-                  <a:schemeClr val="tx1"/>
-                </a:solidFill>
-                <a:latin typeface="Carlito" charset="0"/>
-                <a:cs typeface="Carlito" charset="0"/>
-              </a:rPr>
-              <a:t>release!</a:t>
-            </a:r>
-            <a:endParaRPr lang="ko-KR" altLang="en-US" sz="2000">
+                <a:latin typeface="Verdana" panose="020B0604030504040204" charset="0"/>
+                <a:cs typeface="Verdana" panose="020B0604030504040204" charset="0"/>
+              </a:rPr>
+              <a:t>Every commit can result in a release!</a:t>
+            </a:r>
+            <a:endParaRPr sz="1400">
               <a:solidFill>
                 <a:schemeClr val="tx1"/>
               </a:solidFill>
-              <a:latin typeface="Carlito" charset="0"/>
-              <a:cs typeface="Carlito" charset="0"/>
+              <a:latin typeface="Verdana" panose="020B0604030504040204" charset="0"/>
+              <a:cs typeface="Verdana" panose="020B0604030504040204" charset="0"/>
             </a:endParaRPr>
           </a:p>
         </p:txBody>
@@ -5702,7 +5655,7 @@
 </file>
 
 <file path=ppt/slides/slide6.xml><?xml version="1.0" encoding="utf-8"?>
-<p:sld xmlns:a="http://schemas.openxmlformats.org/drawingml/2006/main" xmlns:r="http://schemas.openxmlformats.org/officeDocument/2006/relationships" xmlns:p="http://schemas.openxmlformats.org/presentationml/2006/main" xmlns:p14="http://schemas.microsoft.com/office/powerpoint/2010/main">
+<p:sld xmlns:a="http://schemas.openxmlformats.org/drawingml/2006/main" xmlns:r="http://schemas.openxmlformats.org/officeDocument/2006/relationships" xmlns:p="http://schemas.openxmlformats.org/presentationml/2006/main">
   <p:cSld>
     <p:spTree>
       <p:nvGrpSpPr>
@@ -5721,9 +5674,7 @@
       <p:sp>
         <p:nvSpPr>
           <p:cNvPr id="6" name="object 6"/>
-          <p:cNvSpPr txBox="1">
-            <a:spLocks/>
-          </p:cNvSpPr>
+          <p:cNvSpPr txBox="1"/>
           <p:nvPr>
             <p:ph type="title"/>
           </p:nvPr>
@@ -5733,10 +5684,12 @@
             <a:off x="1031240" y="532765"/>
             <a:ext cx="10783570" cy="504825"/>
           </a:xfrm>
-          <a:prstGeom prst="rect"/>
+          <a:prstGeom prst="rect">
+            <a:avLst/>
+          </a:prstGeom>
         </p:spPr>
         <p:txBody>
-          <a:bodyPr wrap="square" lIns="0" tIns="12065" rIns="0" bIns="0" numCol="1" vert="horz" anchor="t">
+          <a:bodyPr vert="horz" wrap="square" lIns="0" tIns="12065" rIns="0" bIns="0" numCol="1" anchor="t">
             <a:spAutoFit/>
           </a:bodyPr>
           <a:lstStyle/>
@@ -5755,89 +5708,89 @@
               </a:tabLst>
             </a:pPr>
             <a:r>
-              <a:rPr sz="3200" i="0" b="1">
+              <a:rPr sz="3200" b="1" i="0">
                 <a:solidFill>
                   <a:schemeClr val="tx2"/>
                 </a:solidFill>
                 <a:effectLst>
-                  <a:outerShdw sx="100000" sy="100000" blurRad="50800" dist="38100" dir="2700000" rotWithShape="0" algn="tl">
+                  <a:outerShdw blurRad="50800" dist="38100" dir="2700000" algn="tl" rotWithShape="0">
                     <a:srgbClr val="000000">
                       <a:alpha val="40000"/>
                     </a:srgbClr>
                   </a:outerShdw>
                 </a:effectLst>
-                <a:latin typeface="Verdana" charset="0"/>
-                <a:ea typeface="Verdana" charset="0"/>
+                <a:latin typeface="Verdana" panose="020B0604030504040204" charset="0"/>
+                <a:ea typeface="Verdana" panose="020B0604030504040204" charset="0"/>
               </a:rPr>
               <a:t>C</a:t>
             </a:r>
             <a:r>
-              <a:rPr sz="3200" i="0" b="1">
+              <a:rPr sz="3200" b="1" i="0">
                 <a:solidFill>
                   <a:schemeClr val="tx2"/>
                 </a:solidFill>
                 <a:effectLst>
-                  <a:outerShdw sx="100000" sy="100000" blurRad="50800" dist="38100" dir="2700000" rotWithShape="0" algn="tl">
+                  <a:outerShdw blurRad="50800" dist="38100" dir="2700000" algn="tl" rotWithShape="0">
                     <a:srgbClr val="000000">
                       <a:alpha val="40000"/>
                     </a:srgbClr>
                   </a:outerShdw>
                 </a:effectLst>
-                <a:latin typeface="Verdana" charset="0"/>
-                <a:ea typeface="Verdana" charset="0"/>
+                <a:latin typeface="Verdana" panose="020B0604030504040204" charset="0"/>
+                <a:ea typeface="Verdana" panose="020B0604030504040204" charset="0"/>
               </a:rPr>
               <a:t>I</a:t>
             </a:r>
             <a:r>
-              <a:rPr sz="3200" i="0" b="1">
+              <a:rPr sz="3200" b="1" i="0">
                 <a:solidFill>
                   <a:schemeClr val="tx2"/>
                 </a:solidFill>
                 <a:effectLst>
-                  <a:outerShdw sx="100000" sy="100000" blurRad="50800" dist="38100" dir="2700000" rotWithShape="0" algn="tl">
+                  <a:outerShdw blurRad="50800" dist="38100" dir="2700000" algn="tl" rotWithShape="0">
                     <a:srgbClr val="000000">
                       <a:alpha val="40000"/>
                     </a:srgbClr>
                   </a:outerShdw>
                 </a:effectLst>
-                <a:latin typeface="Verdana" charset="0"/>
-                <a:ea typeface="Verdana" charset="0"/>
+                <a:latin typeface="Verdana" panose="020B0604030504040204" charset="0"/>
+                <a:ea typeface="Verdana" panose="020B0604030504040204" charset="0"/>
               </a:rPr>
               <a:t>/CD</a:t>
             </a:r>
             <a:r>
-              <a:rPr sz="3200" i="0" b="0">
+              <a:rPr sz="3200" b="0" i="0">
                 <a:solidFill>
                   <a:schemeClr val="tx2"/>
                 </a:solidFill>
-                <a:latin typeface="Verdana" charset="0"/>
-                <a:ea typeface="Verdana" charset="0"/>
+                <a:latin typeface="Verdana" panose="020B0604030504040204" charset="0"/>
+                <a:ea typeface="Verdana" panose="020B0604030504040204" charset="0"/>
               </a:rPr>
               <a:t> </a:t>
             </a:r>
             <a:r>
-              <a:rPr sz="3200" i="0" b="1">
+              <a:rPr sz="3200" b="1" i="0">
                 <a:solidFill>
                   <a:schemeClr val="tx2"/>
                 </a:solidFill>
                 <a:effectLst>
-                  <a:outerShdw sx="100000" sy="100000" blurRad="50800" dist="38100" dir="2700000" rotWithShape="0" algn="tl">
+                  <a:outerShdw blurRad="50800" dist="38100" dir="2700000" algn="tl" rotWithShape="0">
                     <a:srgbClr val="000000">
                       <a:alpha val="40000"/>
                     </a:srgbClr>
                   </a:outerShdw>
                 </a:effectLst>
-                <a:latin typeface="Verdana" charset="0"/>
-                <a:ea typeface="Verdana" charset="0"/>
+                <a:latin typeface="Verdana" panose="020B0604030504040204" charset="0"/>
+                <a:ea typeface="Verdana" panose="020B0604030504040204" charset="0"/>
               </a:rPr>
               <a:t>Workflow</a:t>
             </a:r>
-            <a:endParaRPr lang="ko-KR" altLang="en-US" sz="3200" i="0" b="1">
+            <a:endParaRPr lang="ko-KR" altLang="en-US" sz="3200" b="1" i="0">
               <a:solidFill>
                 <a:schemeClr val="tx2"/>
               </a:solidFill>
-              <a:latin typeface="Verdana" charset="0"/>
-              <a:ea typeface="Verdana" charset="0"/>
+              <a:latin typeface="Verdana" panose="020B0604030504040204" charset="0"/>
+              <a:ea typeface="Verdana" panose="020B0604030504040204" charset="0"/>
             </a:endParaRPr>
           </a:p>
         </p:txBody>
@@ -5851,7 +5804,7 @@
           <p:nvPr/>
         </p:nvPicPr>
         <p:blipFill rotWithShape="1">
-          <a:blip r:embed="rId6" cstate="print">
+          <a:blip r:embed="rId1" cstate="print">
             <a:extLst>
               <a:ext uri="{28A0092B-C50C-407E-A947-70E740481C1C}">
                 <a14:useLocalDpi xmlns:a14="http://schemas.microsoft.com/office/drawing/2010/main" val="0"/>
@@ -5863,11 +5816,13 @@
           </a:stretch>
         </p:blipFill>
         <p:spPr>
-          <a:xfrm rot="0">
+          <a:xfrm>
             <a:off x="2126615" y="1265555"/>
             <a:ext cx="7539355" cy="4902200"/>
           </a:xfrm>
-          <a:prstGeom prst="rect"/>
+          <a:prstGeom prst="rect">
+            <a:avLst/>
+          </a:prstGeom>
           <a:noFill/>
         </p:spPr>
       </p:pic>
@@ -5895,7 +5850,7 @@
 </file>
 
 <file path=ppt/slides/slide7.xml><?xml version="1.0" encoding="utf-8"?>
-<p:sld xmlns:a="http://schemas.openxmlformats.org/drawingml/2006/main" xmlns:r="http://schemas.openxmlformats.org/officeDocument/2006/relationships" xmlns:p="http://schemas.openxmlformats.org/presentationml/2006/main" xmlns:p14="http://schemas.microsoft.com/office/powerpoint/2010/main">
+<p:sld xmlns:a="http://schemas.openxmlformats.org/drawingml/2006/main" xmlns:r="http://schemas.openxmlformats.org/officeDocument/2006/relationships" xmlns:p="http://schemas.openxmlformats.org/presentationml/2006/main">
   <p:cSld>
     <p:spTree>
       <p:nvGrpSpPr>
@@ -5914,53 +5869,53 @@
       <p:sp>
         <p:nvSpPr>
           <p:cNvPr id="3" name="object 3"/>
-          <p:cNvSpPr txBox="1">
-            <a:spLocks/>
-          </p:cNvSpPr>
+          <p:cNvSpPr txBox="1"/>
           <p:nvPr>
             <p:ph type="title"/>
           </p:nvPr>
         </p:nvSpPr>
         <p:spPr>
-          <a:xfrm rot="0">
+          <a:xfrm>
             <a:off x="1101725" y="630555"/>
             <a:ext cx="7192645" cy="504825"/>
           </a:xfrm>
-          <a:prstGeom prst="rect"/>
+          <a:prstGeom prst="rect">
+            <a:avLst/>
+          </a:prstGeom>
         </p:spPr>
         <p:txBody>
-          <a:bodyPr wrap="square" lIns="0" tIns="12065" rIns="0" bIns="0" numCol="1" vert="horz" anchor="t">
+          <a:bodyPr vert="horz" wrap="square" lIns="0" tIns="12065" rIns="0" bIns="0" numCol="1" anchor="t">
             <a:spAutoFit/>
           </a:bodyPr>
           <a:lstStyle/>
           <a:p>
-            <a:pPr marL="0" indent="0" rtl="0" algn="l" defTabSz="914400" eaLnBrk="1" latinLnBrk="0" hangingPunct="1">
+            <a:pPr marL="0" indent="0" algn="l" defTabSz="914400" rtl="0" eaLnBrk="1" latinLnBrk="0" hangingPunct="1">
               <a:buFontTx/>
               <a:buNone/>
             </a:pPr>
             <a:r>
-              <a:rPr sz="3200" i="0" b="1">
+              <a:rPr sz="3200" b="1" i="0">
                 <a:solidFill>
                   <a:schemeClr val="tx2"/>
                 </a:solidFill>
                 <a:effectLst>
-                  <a:outerShdw sx="100000" sy="100000" blurRad="50800" dist="38100" dir="2700000" rotWithShape="0" algn="tl">
+                  <a:outerShdw blurRad="50800" dist="38100" dir="2700000" algn="tl" rotWithShape="0">
                     <a:srgbClr val="000000">
                       <a:alpha val="40000"/>
                     </a:srgbClr>
                   </a:outerShdw>
                 </a:effectLst>
-                <a:latin typeface="Verdana" charset="0"/>
-                <a:ea typeface="Verdana" charset="0"/>
+                <a:latin typeface="Verdana" panose="020B0604030504040204" charset="0"/>
+                <a:ea typeface="Verdana" panose="020B0604030504040204" charset="0"/>
               </a:rPr>
               <a:t>CI / CD step by step</a:t>
             </a:r>
-            <a:endParaRPr lang="ko-KR" altLang="en-US" sz="3200" i="0" b="1">
+            <a:endParaRPr lang="ko-KR" altLang="en-US" sz="3200" b="1" i="0">
               <a:solidFill>
                 <a:schemeClr val="tx2"/>
               </a:solidFill>
-              <a:latin typeface="Verdana" charset="0"/>
-              <a:ea typeface="Verdana" charset="0"/>
+              <a:latin typeface="Verdana" panose="020B0604030504040204" charset="0"/>
+              <a:ea typeface="Verdana" panose="020B0604030504040204" charset="0"/>
             </a:endParaRPr>
           </a:p>
         </p:txBody>
@@ -5968,20 +5923,20 @@
       <p:sp>
         <p:nvSpPr>
           <p:cNvPr id="4" name="Text Box 95"/>
-          <p:cNvSpPr txBox="1">
-            <a:spLocks/>
-          </p:cNvSpPr>
+          <p:cNvSpPr txBox="1"/>
           <p:nvPr/>
         </p:nvSpPr>
         <p:spPr>
-          <a:xfrm rot="0">
+          <a:xfrm>
             <a:off x="899795" y="1704975"/>
             <a:ext cx="8378190" cy="2597150"/>
           </a:xfrm>
-          <a:prstGeom prst="rect"/>
+          <a:prstGeom prst="rect">
+            <a:avLst/>
+          </a:prstGeom>
         </p:spPr>
         <p:txBody>
-          <a:bodyPr wrap="square" lIns="0" tIns="13335" rIns="0" bIns="0" numCol="1" vert="horz" anchor="t">
+          <a:bodyPr vert="horz" wrap="square" lIns="0" tIns="13335" rIns="0" bIns="0" numCol="1" anchor="t">
             <a:spAutoFit/>
           </a:bodyPr>
           <a:lstStyle/>
@@ -5993,7 +5948,7 @@
               <a:spcBef>
                 <a:spcPts val="105"/>
               </a:spcBef>
-              <a:buFont typeface="Arial"/>
+              <a:buFont typeface="Arial" panose="020B0604020202020204"/>
               <a:buChar char="•"/>
               <a:tabLst>
                 <a:tab pos="299085" algn="l"/>
@@ -6002,42 +5957,42 @@
             </a:pPr>
             <a:r>
               <a:rPr sz="1400">
-                <a:latin typeface="Verdana" charset="0"/>
-                <a:cs typeface="Verdana" charset="0"/>
+                <a:latin typeface="Verdana" panose="020B0604030504040204" charset="0"/>
+                <a:cs typeface="Verdana" panose="020B0604030504040204" charset="0"/>
               </a:rPr>
               <a:t>Developers </a:t>
             </a:r>
             <a:r>
               <a:rPr sz="1400" b="1">
-                <a:latin typeface="Verdana" charset="0"/>
-                <a:cs typeface="Verdana" charset="0"/>
+                <a:latin typeface="Verdana" panose="020B0604030504040204" charset="0"/>
+                <a:cs typeface="Verdana" panose="020B0604030504040204" charset="0"/>
               </a:rPr>
               <a:t>check out </a:t>
             </a:r>
             <a:r>
               <a:rPr sz="1400">
-                <a:latin typeface="Verdana" charset="0"/>
-                <a:cs typeface="Verdana" charset="0"/>
+                <a:latin typeface="Verdana" panose="020B0604030504040204" charset="0"/>
+                <a:cs typeface="Verdana" panose="020B0604030504040204" charset="0"/>
               </a:rPr>
               <a:t>code into their local</a:t>
             </a:r>
             <a:r>
               <a:rPr sz="1400" spc="-110">
-                <a:latin typeface="Verdana" charset="0"/>
-                <a:cs typeface="Verdana" charset="0"/>
+                <a:latin typeface="Verdana" panose="020B0604030504040204" charset="0"/>
+                <a:cs typeface="Verdana" panose="020B0604030504040204" charset="0"/>
               </a:rPr>
               <a:t> </a:t>
             </a:r>
             <a:r>
               <a:rPr sz="1400">
-                <a:latin typeface="Verdana" charset="0"/>
-                <a:cs typeface="Verdana" charset="0"/>
+                <a:latin typeface="Verdana" panose="020B0604030504040204" charset="0"/>
+                <a:cs typeface="Verdana" panose="020B0604030504040204" charset="0"/>
               </a:rPr>
               <a:t>machines.</a:t>
             </a:r>
             <a:endParaRPr lang="ko-KR" altLang="en-US" sz="1400">
-              <a:latin typeface="Verdana" charset="0"/>
-              <a:cs typeface="Verdana" charset="0"/>
+              <a:latin typeface="Verdana" panose="020B0604030504040204" charset="0"/>
+              <a:cs typeface="Verdana" panose="020B0604030504040204" charset="0"/>
             </a:endParaRPr>
           </a:p>
           <a:p>
@@ -6045,7 +6000,7 @@
               <a:lnSpc>
                 <a:spcPct val="100000"/>
               </a:lnSpc>
-              <a:buFont typeface="Arial"/>
+              <a:buFont typeface="Arial" panose="020B0604020202020204"/>
               <a:buChar char="•"/>
               <a:tabLst>
                 <a:tab pos="299085" algn="l"/>
@@ -6054,42 +6009,42 @@
             </a:pPr>
             <a:r>
               <a:rPr sz="1400">
-                <a:latin typeface="Verdana" charset="0"/>
-                <a:cs typeface="Verdana" charset="0"/>
+                <a:latin typeface="Verdana" panose="020B0604030504040204" charset="0"/>
+                <a:cs typeface="Verdana" panose="020B0604030504040204" charset="0"/>
               </a:rPr>
               <a:t>Developer </a:t>
             </a:r>
             <a:r>
               <a:rPr sz="1400" b="1">
-                <a:latin typeface="Verdana" charset="0"/>
-                <a:cs typeface="Verdana" charset="0"/>
+                <a:latin typeface="Verdana" panose="020B0604030504040204" charset="0"/>
+                <a:cs typeface="Verdana" panose="020B0604030504040204" charset="0"/>
               </a:rPr>
               <a:t>commit </a:t>
             </a:r>
             <a:r>
               <a:rPr sz="1400">
-                <a:latin typeface="Verdana" charset="0"/>
-                <a:cs typeface="Verdana" charset="0"/>
+                <a:latin typeface="Verdana" panose="020B0604030504040204" charset="0"/>
+                <a:cs typeface="Verdana" panose="020B0604030504040204" charset="0"/>
               </a:rPr>
               <a:t>changes to the source code</a:t>
             </a:r>
             <a:r>
               <a:rPr sz="1400" spc="-70">
-                <a:latin typeface="Verdana" charset="0"/>
-                <a:cs typeface="Verdana" charset="0"/>
+                <a:latin typeface="Verdana" panose="020B0604030504040204" charset="0"/>
+                <a:cs typeface="Verdana" panose="020B0604030504040204" charset="0"/>
               </a:rPr>
               <a:t> </a:t>
             </a:r>
             <a:r>
               <a:rPr sz="1400">
-                <a:latin typeface="Verdana" charset="0"/>
-                <a:cs typeface="Verdana" charset="0"/>
+                <a:latin typeface="Verdana" panose="020B0604030504040204" charset="0"/>
+                <a:cs typeface="Verdana" panose="020B0604030504040204" charset="0"/>
               </a:rPr>
               <a:t>repository.</a:t>
             </a:r>
             <a:endParaRPr lang="ko-KR" altLang="en-US" sz="1400">
-              <a:latin typeface="Verdana" charset="0"/>
-              <a:cs typeface="Verdana" charset="0"/>
+              <a:latin typeface="Verdana" panose="020B0604030504040204" charset="0"/>
+              <a:cs typeface="Verdana" panose="020B0604030504040204" charset="0"/>
             </a:endParaRPr>
           </a:p>
           <a:p>
@@ -6097,7 +6052,7 @@
               <a:lnSpc>
                 <a:spcPct val="100000"/>
               </a:lnSpc>
-              <a:buFont typeface="Arial"/>
+              <a:buFont typeface="Arial" panose="020B0604020202020204"/>
               <a:buChar char="•"/>
               <a:tabLst>
                 <a:tab pos="299085" algn="l"/>
@@ -6106,35 +6061,35 @@
             </a:pPr>
             <a:r>
               <a:rPr sz="1400">
-                <a:latin typeface="Verdana" charset="0"/>
-                <a:cs typeface="Verdana" charset="0"/>
+                <a:latin typeface="Verdana" panose="020B0604030504040204" charset="0"/>
+                <a:cs typeface="Verdana" panose="020B0604030504040204" charset="0"/>
               </a:rPr>
               <a:t>Reviewer(</a:t>
             </a:r>
             <a:r>
               <a:rPr lang="en-US" sz="1400">
-                <a:latin typeface="Verdana" charset="0"/>
-                <a:cs typeface="Verdana" charset="0"/>
+                <a:latin typeface="Verdana" panose="020B0604030504040204" charset="0"/>
+                <a:cs typeface="Verdana" panose="020B0604030504040204" charset="0"/>
               </a:rPr>
               <a:t>TL</a:t>
             </a:r>
             <a:r>
               <a:rPr sz="1400">
-                <a:latin typeface="Verdana" charset="0"/>
-                <a:cs typeface="Verdana" charset="0"/>
+                <a:latin typeface="Verdana" panose="020B0604030504040204" charset="0"/>
+                <a:cs typeface="Verdana" panose="020B0604030504040204" charset="0"/>
               </a:rPr>
               <a:t>)</a:t>
             </a:r>
             <a:r>
               <a:rPr lang="en-US" sz="1400">
-                <a:latin typeface="Verdana" charset="0"/>
-                <a:cs typeface="Verdana" charset="0"/>
+                <a:latin typeface="Verdana" panose="020B0604030504040204" charset="0"/>
+                <a:cs typeface="Verdana" panose="020B0604030504040204" charset="0"/>
               </a:rPr>
               <a:t> review the code and push to release branch</a:t>
             </a:r>
             <a:endParaRPr lang="ko-KR" altLang="en-US" sz="1400">
-              <a:latin typeface="Verdana" charset="0"/>
-              <a:cs typeface="Verdana" charset="0"/>
+              <a:latin typeface="Verdana" panose="020B0604030504040204" charset="0"/>
+              <a:cs typeface="Verdana" panose="020B0604030504040204" charset="0"/>
             </a:endParaRPr>
           </a:p>
           <a:p>
@@ -6142,7 +6097,7 @@
               <a:lnSpc>
                 <a:spcPct val="100000"/>
               </a:lnSpc>
-              <a:buFont typeface="Arial"/>
+              <a:buFont typeface="Arial" panose="020B0604020202020204"/>
               <a:buChar char="•"/>
               <a:tabLst>
                 <a:tab pos="299085" algn="l"/>
@@ -6151,28 +6106,28 @@
             </a:pPr>
             <a:r>
               <a:rPr sz="1400">
-                <a:latin typeface="Verdana" charset="0"/>
-                <a:cs typeface="Verdana" charset="0"/>
+                <a:latin typeface="Verdana" panose="020B0604030504040204" charset="0"/>
+                <a:cs typeface="Verdana" panose="020B0604030504040204" charset="0"/>
               </a:rPr>
               <a:t>The CI server monitors the source code repository and starts build</a:t>
             </a:r>
             <a:r>
               <a:rPr sz="1400" spc="-160">
-                <a:latin typeface="Verdana" charset="0"/>
-                <a:cs typeface="Verdana" charset="0"/>
+                <a:latin typeface="Verdana" panose="020B0604030504040204" charset="0"/>
+                <a:cs typeface="Verdana" panose="020B0604030504040204" charset="0"/>
               </a:rPr>
               <a:t> </a:t>
             </a:r>
             <a:r>
               <a:rPr sz="1400">
-                <a:latin typeface="Verdana" charset="0"/>
-                <a:cs typeface="Verdana" charset="0"/>
+                <a:latin typeface="Verdana" panose="020B0604030504040204" charset="0"/>
+                <a:cs typeface="Verdana" panose="020B0604030504040204" charset="0"/>
               </a:rPr>
               <a:t>process.</a:t>
             </a:r>
             <a:endParaRPr lang="ko-KR" altLang="en-US" sz="1400">
-              <a:latin typeface="Verdana" charset="0"/>
-              <a:cs typeface="Verdana" charset="0"/>
+              <a:latin typeface="Verdana" panose="020B0604030504040204" charset="0"/>
+              <a:cs typeface="Verdana" panose="020B0604030504040204" charset="0"/>
             </a:endParaRPr>
           </a:p>
           <a:p>
@@ -6180,7 +6135,7 @@
               <a:lnSpc>
                 <a:spcPct val="100000"/>
               </a:lnSpc>
-              <a:buFont typeface="Arial"/>
+              <a:buFont typeface="Arial" panose="020B0604020202020204"/>
               <a:buChar char="•"/>
               <a:tabLst>
                 <a:tab pos="299085" algn="l"/>
@@ -6189,42 +6144,42 @@
             </a:pPr>
             <a:r>
               <a:rPr sz="1400">
-                <a:latin typeface="Verdana" charset="0"/>
-                <a:cs typeface="Verdana" charset="0"/>
+                <a:latin typeface="Verdana" panose="020B0604030504040204" charset="0"/>
+                <a:cs typeface="Verdana" panose="020B0604030504040204" charset="0"/>
               </a:rPr>
               <a:t>The CI server </a:t>
             </a:r>
             <a:r>
               <a:rPr sz="1400" b="1">
-                <a:latin typeface="Verdana" charset="0"/>
-                <a:cs typeface="Verdana" charset="0"/>
+                <a:latin typeface="Verdana" panose="020B0604030504040204" charset="0"/>
+                <a:cs typeface="Verdana" panose="020B0604030504040204" charset="0"/>
               </a:rPr>
               <a:t>builds </a:t>
             </a:r>
             <a:r>
               <a:rPr sz="1400">
-                <a:latin typeface="Verdana" charset="0"/>
-                <a:cs typeface="Verdana" charset="0"/>
+                <a:latin typeface="Verdana" panose="020B0604030504040204" charset="0"/>
+                <a:cs typeface="Verdana" panose="020B0604030504040204" charset="0"/>
               </a:rPr>
               <a:t>the system and runs unit and integration</a:t>
             </a:r>
             <a:r>
               <a:rPr sz="1400" spc="-150">
-                <a:latin typeface="Verdana" charset="0"/>
-                <a:cs typeface="Verdana" charset="0"/>
+                <a:latin typeface="Verdana" panose="020B0604030504040204" charset="0"/>
+                <a:cs typeface="Verdana" panose="020B0604030504040204" charset="0"/>
               </a:rPr>
               <a:t> </a:t>
             </a:r>
             <a:r>
               <a:rPr sz="1400">
-                <a:latin typeface="Verdana" charset="0"/>
-                <a:cs typeface="Verdana" charset="0"/>
+                <a:latin typeface="Verdana" panose="020B0604030504040204" charset="0"/>
+                <a:cs typeface="Verdana" panose="020B0604030504040204" charset="0"/>
               </a:rPr>
               <a:t>tests.</a:t>
             </a:r>
             <a:endParaRPr lang="ko-KR" altLang="en-US" sz="1400">
-              <a:latin typeface="Verdana" charset="0"/>
-              <a:cs typeface="Verdana" charset="0"/>
+              <a:latin typeface="Verdana" panose="020B0604030504040204" charset="0"/>
+              <a:cs typeface="Verdana" panose="020B0604030504040204" charset="0"/>
             </a:endParaRPr>
           </a:p>
           <a:p>
@@ -6232,7 +6187,7 @@
               <a:lnSpc>
                 <a:spcPct val="100000"/>
               </a:lnSpc>
-              <a:buFont typeface="Arial"/>
+              <a:buFont typeface="Arial" panose="020B0604020202020204"/>
               <a:buChar char="•"/>
               <a:tabLst>
                 <a:tab pos="299085" algn="l"/>
@@ -6241,35 +6196,35 @@
             </a:pPr>
             <a:r>
               <a:rPr sz="1400">
-                <a:latin typeface="Verdana" charset="0"/>
-                <a:cs typeface="Verdana" charset="0"/>
+                <a:latin typeface="Verdana" panose="020B0604030504040204" charset="0"/>
+                <a:cs typeface="Verdana" panose="020B0604030504040204" charset="0"/>
               </a:rPr>
               <a:t>The CI server releases deployable artifacts for</a:t>
             </a:r>
             <a:r>
               <a:rPr sz="1400" spc="-130">
-                <a:latin typeface="Verdana" charset="0"/>
-                <a:cs typeface="Verdana" charset="0"/>
+                <a:latin typeface="Verdana" panose="020B0604030504040204" charset="0"/>
+                <a:cs typeface="Verdana" panose="020B0604030504040204" charset="0"/>
               </a:rPr>
               <a:t> </a:t>
             </a:r>
             <a:r>
               <a:rPr sz="1400" b="1">
-                <a:latin typeface="Verdana" charset="0"/>
-                <a:cs typeface="Verdana" charset="0"/>
+                <a:latin typeface="Verdana" panose="020B0604030504040204" charset="0"/>
+                <a:cs typeface="Verdana" panose="020B0604030504040204" charset="0"/>
               </a:rPr>
               <a:t>testing</a:t>
             </a:r>
             <a:r>
               <a:rPr sz="1400">
-                <a:latin typeface="Verdana" charset="0"/>
-                <a:cs typeface="Verdana" charset="0"/>
+                <a:latin typeface="Verdana" panose="020B0604030504040204" charset="0"/>
+                <a:cs typeface="Verdana" panose="020B0604030504040204" charset="0"/>
               </a:rPr>
               <a:t>.</a:t>
             </a:r>
             <a:endParaRPr lang="ko-KR" altLang="en-US" sz="1400">
-              <a:latin typeface="Verdana" charset="0"/>
-              <a:cs typeface="Verdana" charset="0"/>
+              <a:latin typeface="Verdana" panose="020B0604030504040204" charset="0"/>
+              <a:cs typeface="Verdana" panose="020B0604030504040204" charset="0"/>
             </a:endParaRPr>
           </a:p>
           <a:p>
@@ -6277,7 +6232,7 @@
               <a:lnSpc>
                 <a:spcPct val="100000"/>
               </a:lnSpc>
-              <a:buFont typeface="Arial"/>
+              <a:buFont typeface="Arial" panose="020B0604020202020204"/>
               <a:buChar char="•"/>
               <a:tabLst>
                 <a:tab pos="299085" algn="l"/>
@@ -6286,28 +6241,28 @@
             </a:pPr>
             <a:r>
               <a:rPr sz="1400">
-                <a:latin typeface="Verdana" charset="0"/>
-                <a:cs typeface="Verdana" charset="0"/>
+                <a:latin typeface="Verdana" panose="020B0604030504040204" charset="0"/>
+                <a:cs typeface="Verdana" panose="020B0604030504040204" charset="0"/>
               </a:rPr>
               <a:t>The CI server assigns a build label to the version of the code it just</a:t>
             </a:r>
             <a:r>
               <a:rPr sz="1400" spc="-180">
-                <a:latin typeface="Verdana" charset="0"/>
-                <a:cs typeface="Verdana" charset="0"/>
+                <a:latin typeface="Verdana" panose="020B0604030504040204" charset="0"/>
+                <a:cs typeface="Verdana" panose="020B0604030504040204" charset="0"/>
               </a:rPr>
               <a:t> </a:t>
             </a:r>
             <a:r>
               <a:rPr sz="1400">
-                <a:latin typeface="Verdana" charset="0"/>
-                <a:cs typeface="Verdana" charset="0"/>
+                <a:latin typeface="Verdana" panose="020B0604030504040204" charset="0"/>
+                <a:cs typeface="Verdana" panose="020B0604030504040204" charset="0"/>
               </a:rPr>
               <a:t>built.</a:t>
             </a:r>
             <a:endParaRPr lang="ko-KR" altLang="en-US" sz="1400">
-              <a:latin typeface="Verdana" charset="0"/>
-              <a:cs typeface="Verdana" charset="0"/>
+              <a:latin typeface="Verdana" panose="020B0604030504040204" charset="0"/>
+              <a:cs typeface="Verdana" panose="020B0604030504040204" charset="0"/>
             </a:endParaRPr>
           </a:p>
           <a:p>
@@ -6315,7 +6270,7 @@
               <a:lnSpc>
                 <a:spcPct val="100000"/>
               </a:lnSpc>
-              <a:buFont typeface="Arial"/>
+              <a:buFont typeface="Arial" panose="020B0604020202020204"/>
               <a:buChar char="•"/>
               <a:tabLst>
                 <a:tab pos="299085" algn="l"/>
@@ -6324,42 +6279,42 @@
             </a:pPr>
             <a:r>
               <a:rPr sz="1400">
-                <a:latin typeface="Verdana" charset="0"/>
-                <a:cs typeface="Verdana" charset="0"/>
+                <a:latin typeface="Verdana" panose="020B0604030504040204" charset="0"/>
+                <a:cs typeface="Verdana" panose="020B0604030504040204" charset="0"/>
               </a:rPr>
               <a:t>The CI server informs of the </a:t>
             </a:r>
             <a:r>
               <a:rPr sz="1400" b="1">
-                <a:latin typeface="Verdana" charset="0"/>
-                <a:cs typeface="Verdana" charset="0"/>
+                <a:latin typeface="Verdana" panose="020B0604030504040204" charset="0"/>
+                <a:cs typeface="Verdana" panose="020B0604030504040204" charset="0"/>
               </a:rPr>
               <a:t>successful</a:t>
             </a:r>
             <a:r>
-              <a:rPr sz="1400" spc="-100" b="1">
-                <a:latin typeface="Verdana" charset="0"/>
-                <a:cs typeface="Verdana" charset="0"/>
+              <a:rPr sz="1400" b="1" spc="-100">
+                <a:latin typeface="Verdana" panose="020B0604030504040204" charset="0"/>
+                <a:cs typeface="Verdana" panose="020B0604030504040204" charset="0"/>
               </a:rPr>
               <a:t> </a:t>
             </a:r>
             <a:r>
               <a:rPr sz="1400" b="1">
-                <a:latin typeface="Verdana" charset="0"/>
-                <a:cs typeface="Verdana" charset="0"/>
+                <a:latin typeface="Verdana" panose="020B0604030504040204" charset="0"/>
+                <a:cs typeface="Verdana" panose="020B0604030504040204" charset="0"/>
               </a:rPr>
               <a:t>build</a:t>
             </a:r>
             <a:r>
               <a:rPr sz="1400">
-                <a:latin typeface="Verdana" charset="0"/>
-                <a:cs typeface="Verdana" charset="0"/>
+                <a:latin typeface="Verdana" panose="020B0604030504040204" charset="0"/>
+                <a:cs typeface="Verdana" panose="020B0604030504040204" charset="0"/>
               </a:rPr>
               <a:t>.</a:t>
             </a:r>
             <a:endParaRPr lang="ko-KR" altLang="en-US" sz="1400">
-              <a:latin typeface="Verdana" charset="0"/>
-              <a:cs typeface="Verdana" charset="0"/>
+              <a:latin typeface="Verdana" panose="020B0604030504040204" charset="0"/>
+              <a:cs typeface="Verdana" panose="020B0604030504040204" charset="0"/>
             </a:endParaRPr>
           </a:p>
           <a:p>
@@ -6367,7 +6322,7 @@
               <a:lnSpc>
                 <a:spcPct val="100000"/>
               </a:lnSpc>
-              <a:buFont typeface="Arial"/>
+              <a:buFont typeface="Arial" panose="020B0604020202020204"/>
               <a:buChar char="•"/>
               <a:tabLst>
                 <a:tab pos="299085" algn="l"/>
@@ -6376,42 +6331,42 @@
             </a:pPr>
             <a:r>
               <a:rPr sz="1400">
-                <a:latin typeface="Verdana" charset="0"/>
-                <a:cs typeface="Verdana" charset="0"/>
+                <a:latin typeface="Verdana" panose="020B0604030504040204" charset="0"/>
+                <a:cs typeface="Verdana" panose="020B0604030504040204" charset="0"/>
               </a:rPr>
               <a:t>If the build or tests fail, the CI server </a:t>
             </a:r>
             <a:r>
               <a:rPr sz="1400" b="1">
-                <a:latin typeface="Verdana" charset="0"/>
-                <a:cs typeface="Verdana" charset="0"/>
+                <a:latin typeface="Verdana" panose="020B0604030504040204" charset="0"/>
+                <a:cs typeface="Verdana" panose="020B0604030504040204" charset="0"/>
               </a:rPr>
               <a:t>alerts </a:t>
             </a:r>
             <a:r>
               <a:rPr sz="1400">
-                <a:latin typeface="Verdana" charset="0"/>
-                <a:cs typeface="Verdana" charset="0"/>
+                <a:latin typeface="Verdana" panose="020B0604030504040204" charset="0"/>
+                <a:cs typeface="Verdana" panose="020B0604030504040204" charset="0"/>
               </a:rPr>
               <a:t>the</a:t>
             </a:r>
             <a:r>
               <a:rPr sz="1400" spc="-130">
-                <a:latin typeface="Verdana" charset="0"/>
-                <a:cs typeface="Verdana" charset="0"/>
+                <a:latin typeface="Verdana" panose="020B0604030504040204" charset="0"/>
+                <a:cs typeface="Verdana" panose="020B0604030504040204" charset="0"/>
               </a:rPr>
               <a:t> </a:t>
             </a:r>
             <a:r>
               <a:rPr sz="1400">
-                <a:latin typeface="Verdana" charset="0"/>
-                <a:cs typeface="Verdana" charset="0"/>
+                <a:latin typeface="Verdana" panose="020B0604030504040204" charset="0"/>
+                <a:cs typeface="Verdana" panose="020B0604030504040204" charset="0"/>
               </a:rPr>
               <a:t>team.</a:t>
             </a:r>
             <a:endParaRPr lang="ko-KR" altLang="en-US" sz="1400">
-              <a:latin typeface="Verdana" charset="0"/>
-              <a:cs typeface="Verdana" charset="0"/>
+              <a:latin typeface="Verdana" panose="020B0604030504040204" charset="0"/>
+              <a:cs typeface="Verdana" panose="020B0604030504040204" charset="0"/>
             </a:endParaRPr>
           </a:p>
           <a:p>
@@ -6419,7 +6374,7 @@
               <a:lnSpc>
                 <a:spcPct val="100000"/>
               </a:lnSpc>
-              <a:buFont typeface="Arial"/>
+              <a:buFont typeface="Arial" panose="020B0604020202020204"/>
               <a:buChar char="•"/>
               <a:tabLst>
                 <a:tab pos="299085" algn="l"/>
@@ -6428,28 +6383,28 @@
             </a:pPr>
             <a:r>
               <a:rPr sz="1400">
-                <a:latin typeface="Verdana" charset="0"/>
-                <a:cs typeface="Verdana" charset="0"/>
+                <a:latin typeface="Verdana" panose="020B0604030504040204" charset="0"/>
+                <a:cs typeface="Verdana" panose="020B0604030504040204" charset="0"/>
               </a:rPr>
               <a:t>The team fix the issue at the earliest</a:t>
             </a:r>
             <a:r>
               <a:rPr sz="1400" spc="-130">
-                <a:latin typeface="Verdana" charset="0"/>
-                <a:cs typeface="Verdana" charset="0"/>
+                <a:latin typeface="Verdana" panose="020B0604030504040204" charset="0"/>
+                <a:cs typeface="Verdana" panose="020B0604030504040204" charset="0"/>
               </a:rPr>
               <a:t> </a:t>
             </a:r>
             <a:r>
               <a:rPr sz="1400">
-                <a:latin typeface="Verdana" charset="0"/>
-                <a:cs typeface="Verdana" charset="0"/>
+                <a:latin typeface="Verdana" panose="020B0604030504040204" charset="0"/>
+                <a:cs typeface="Verdana" panose="020B0604030504040204" charset="0"/>
               </a:rPr>
               <a:t>opportunity.</a:t>
             </a:r>
             <a:endParaRPr lang="ko-KR" altLang="en-US" sz="1400">
-              <a:latin typeface="Verdana" charset="0"/>
-              <a:cs typeface="Verdana" charset="0"/>
+              <a:latin typeface="Verdana" panose="020B0604030504040204" charset="0"/>
+              <a:cs typeface="Verdana" panose="020B0604030504040204" charset="0"/>
             </a:endParaRPr>
           </a:p>
           <a:p>
@@ -6457,7 +6412,7 @@
               <a:lnSpc>
                 <a:spcPct val="100000"/>
               </a:lnSpc>
-              <a:buFont typeface="Arial"/>
+              <a:buFont typeface="Arial" panose="020B0604020202020204"/>
               <a:buChar char="•"/>
               <a:tabLst>
                 <a:tab pos="299085" algn="l"/>
@@ -6466,28 +6421,28 @@
             </a:pPr>
             <a:r>
               <a:rPr sz="1400">
-                <a:latin typeface="Verdana" charset="0"/>
-                <a:cs typeface="Verdana" charset="0"/>
+                <a:latin typeface="Verdana" panose="020B0604030504040204" charset="0"/>
+                <a:cs typeface="Verdana" panose="020B0604030504040204" charset="0"/>
               </a:rPr>
               <a:t>Continue to continually integrate and test throughout the</a:t>
             </a:r>
             <a:r>
               <a:rPr sz="1400" spc="-110">
-                <a:latin typeface="Verdana" charset="0"/>
-                <a:cs typeface="Verdana" charset="0"/>
+                <a:latin typeface="Verdana" panose="020B0604030504040204" charset="0"/>
+                <a:cs typeface="Verdana" panose="020B0604030504040204" charset="0"/>
               </a:rPr>
               <a:t> </a:t>
             </a:r>
             <a:r>
               <a:rPr sz="1400">
-                <a:latin typeface="Verdana" charset="0"/>
-                <a:cs typeface="Verdana" charset="0"/>
+                <a:latin typeface="Verdana" panose="020B0604030504040204" charset="0"/>
+                <a:cs typeface="Verdana" panose="020B0604030504040204" charset="0"/>
               </a:rPr>
               <a:t>project</a:t>
             </a:r>
             <a:endParaRPr lang="ko-KR" altLang="en-US" sz="1400">
-              <a:latin typeface="Verdana" charset="0"/>
-              <a:cs typeface="Verdana" charset="0"/>
+              <a:latin typeface="Verdana" panose="020B0604030504040204" charset="0"/>
+              <a:cs typeface="Verdana" panose="020B0604030504040204" charset="0"/>
             </a:endParaRPr>
           </a:p>
           <a:p>
@@ -6495,7 +6450,7 @@
               <a:lnSpc>
                 <a:spcPct val="100000"/>
               </a:lnSpc>
-              <a:buFont typeface="Arial"/>
+              <a:buFont typeface="Arial" panose="020B0604020202020204"/>
               <a:buChar char="•"/>
               <a:tabLst>
                 <a:tab pos="299085" algn="l"/>
@@ -6504,28 +6459,28 @@
             </a:pPr>
             <a:r>
               <a:rPr sz="1400">
-                <a:latin typeface="Verdana" charset="0"/>
-                <a:cs typeface="Verdana" charset="0"/>
+                <a:latin typeface="Verdana" panose="020B0604030504040204" charset="0"/>
+                <a:cs typeface="Verdana" panose="020B0604030504040204" charset="0"/>
               </a:rPr>
               <a:t>CI Server stage / Deploys to Production Environments (Can set up email based</a:t>
             </a:r>
             <a:r>
               <a:rPr sz="1400" spc="-140">
-                <a:latin typeface="Verdana" charset="0"/>
-                <a:cs typeface="Verdana" charset="0"/>
+                <a:latin typeface="Verdana" panose="020B0604030504040204" charset="0"/>
+                <a:cs typeface="Verdana" panose="020B0604030504040204" charset="0"/>
               </a:rPr>
               <a:t> </a:t>
             </a:r>
             <a:r>
               <a:rPr sz="1400">
-                <a:latin typeface="Verdana" charset="0"/>
-                <a:cs typeface="Verdana" charset="0"/>
+                <a:latin typeface="Verdana" panose="020B0604030504040204" charset="0"/>
+                <a:cs typeface="Verdana" panose="020B0604030504040204" charset="0"/>
               </a:rPr>
               <a:t>approval).</a:t>
             </a:r>
             <a:endParaRPr lang="ko-KR" altLang="en-US" sz="1400">
-              <a:latin typeface="Verdana" charset="0"/>
-              <a:cs typeface="Verdana" charset="0"/>
+              <a:latin typeface="Verdana" panose="020B0604030504040204" charset="0"/>
+              <a:cs typeface="Verdana" panose="020B0604030504040204" charset="0"/>
             </a:endParaRPr>
           </a:p>
         </p:txBody>
@@ -6554,7 +6509,7 @@
 </file>
 
 <file path=ppt/slides/slide8.xml><?xml version="1.0" encoding="utf-8"?>
-<p:sld xmlns:a="http://schemas.openxmlformats.org/drawingml/2006/main" xmlns:r="http://schemas.openxmlformats.org/officeDocument/2006/relationships" xmlns:p="http://schemas.openxmlformats.org/presentationml/2006/main" xmlns:p14="http://schemas.microsoft.com/office/powerpoint/2010/main">
+<p:sld xmlns:a="http://schemas.openxmlformats.org/drawingml/2006/main" xmlns:r="http://schemas.openxmlformats.org/officeDocument/2006/relationships" xmlns:p="http://schemas.openxmlformats.org/presentationml/2006/main">
   <p:cSld>
     <p:spTree>
       <p:nvGrpSpPr>
@@ -6573,22 +6528,22 @@
       <p:sp>
         <p:nvSpPr>
           <p:cNvPr id="3" name="object 3"/>
-          <p:cNvSpPr txBox="1">
-            <a:spLocks/>
-          </p:cNvSpPr>
+          <p:cNvSpPr txBox="1"/>
           <p:nvPr>
             <p:ph type="title"/>
           </p:nvPr>
         </p:nvSpPr>
         <p:spPr>
-          <a:xfrm rot="0">
+          <a:xfrm>
             <a:off x="1016635" y="800100"/>
             <a:ext cx="3789680" cy="504825"/>
           </a:xfrm>
-          <a:prstGeom prst="rect"/>
+          <a:prstGeom prst="rect">
+            <a:avLst/>
+          </a:prstGeom>
         </p:spPr>
         <p:txBody>
-          <a:bodyPr wrap="square" lIns="0" tIns="12065" rIns="0" bIns="0" numCol="1" vert="horz" anchor="t">
+          <a:bodyPr vert="horz" wrap="square" lIns="0" tIns="12065" rIns="0" bIns="0" numCol="1" anchor="t">
             <a:spAutoFit/>
           </a:bodyPr>
           <a:lstStyle/>
@@ -6604,55 +6559,55 @@
               <a:buNone/>
             </a:pPr>
             <a:r>
-              <a:rPr sz="3200" i="0" b="1">
+              <a:rPr sz="3200" b="1" i="0">
                 <a:solidFill>
                   <a:schemeClr val="tx2"/>
                 </a:solidFill>
                 <a:effectLst>
-                  <a:outerShdw sx="100000" sy="100000" blurRad="50800" dist="38100" dir="2700000" rotWithShape="0" algn="tl">
+                  <a:outerShdw blurRad="50800" dist="38100" dir="2700000" algn="tl" rotWithShape="0">
                     <a:srgbClr val="000000">
                       <a:alpha val="40000"/>
                     </a:srgbClr>
                   </a:outerShdw>
                 </a:effectLst>
-                <a:latin typeface="Verdana" charset="0"/>
-                <a:ea typeface="Verdana" charset="0"/>
+                <a:latin typeface="Verdana" panose="020B0604030504040204" charset="0"/>
+                <a:ea typeface="Verdana" panose="020B0604030504040204" charset="0"/>
               </a:rPr>
               <a:t>Tools</a:t>
             </a:r>
             <a:r>
-              <a:rPr sz="3200" i="0" b="0">
+              <a:rPr sz="3200" b="0" i="0">
                 <a:solidFill>
                   <a:schemeClr val="tx2"/>
                 </a:solidFill>
-                <a:latin typeface="Verdana" charset="0"/>
-                <a:ea typeface="Verdana" charset="0"/>
+                <a:latin typeface="Verdana" panose="020B0604030504040204" charset="0"/>
+                <a:ea typeface="Verdana" panose="020B0604030504040204" charset="0"/>
               </a:rPr>
               <a:t> </a:t>
             </a:r>
             <a:r>
-              <a:rPr sz="3200" i="0" b="1">
+              <a:rPr sz="3200" b="1" i="0">
                 <a:solidFill>
                   <a:schemeClr val="tx2"/>
                 </a:solidFill>
                 <a:effectLst>
-                  <a:outerShdw sx="100000" sy="100000" blurRad="50800" dist="38100" dir="2700000" rotWithShape="0" algn="tl">
+                  <a:outerShdw blurRad="50800" dist="38100" dir="2700000" algn="tl" rotWithShape="0">
                     <a:srgbClr val="000000">
                       <a:alpha val="40000"/>
                     </a:srgbClr>
                   </a:outerShdw>
                 </a:effectLst>
-                <a:latin typeface="Verdana" charset="0"/>
-                <a:ea typeface="Verdana" charset="0"/>
+                <a:latin typeface="Verdana" panose="020B0604030504040204" charset="0"/>
+                <a:ea typeface="Verdana" panose="020B0604030504040204" charset="0"/>
               </a:rPr>
               <a:t>Used</a:t>
             </a:r>
-            <a:endParaRPr lang="ko-KR" altLang="en-US" sz="3200" i="0" b="0">
+            <a:endParaRPr lang="ko-KR" altLang="en-US" sz="3200" b="0" i="0">
               <a:solidFill>
                 <a:schemeClr val="tx2"/>
               </a:solidFill>
-              <a:latin typeface="Verdana" charset="0"/>
-              <a:ea typeface="Verdana" charset="0"/>
+              <a:latin typeface="Verdana" panose="020B0604030504040204" charset="0"/>
+              <a:ea typeface="Verdana" panose="020B0604030504040204" charset="0"/>
             </a:endParaRPr>
           </a:p>
         </p:txBody>
@@ -6685,32 +6640,32 @@
                     <a:bodyPr/>
                     <a:lstStyle/>
                     <a:p>
-                      <a:pPr marL="91440" indent="0" latinLnBrk="0" lvl="1">
+                      <a:pPr marL="91440" lvl="1" indent="0" latinLnBrk="0">
                         <a:lnSpc>
                           <a:spcPct val="100000"/>
                         </a:lnSpc>
                         <a:spcBef>
-                          <a:spcPct val="350"/>
+                          <a:spcPct val="0"/>
                         </a:spcBef>
                         <a:buFontTx/>
                         <a:buNone/>
                       </a:pPr>
                       <a:r>
-                        <a:rPr sz="1800" kern="1200" b="1">
+                        <a:rPr sz="1800" b="1" kern="1200">
                           <a:solidFill>
                             <a:srgbClr val="FFFFFF"/>
                           </a:solidFill>
-                          <a:latin typeface="Verdana" charset="0"/>
-                          <a:cs typeface="Verdana" charset="0"/>
+                          <a:latin typeface="Verdana" panose="020B0604030504040204" charset="0"/>
+                          <a:cs typeface="Verdana" panose="020B0604030504040204" charset="0"/>
                         </a:rPr>
                         <a:t>Tools</a:t>
                       </a:r>
-                      <a:endParaRPr lang="ko-KR" altLang="en-US" sz="1800" kern="1200" b="1">
+                      <a:endParaRPr lang="ko-KR" altLang="en-US" sz="1800" b="1" kern="1200">
                         <a:solidFill>
                           <a:srgbClr val="FFFFFF"/>
                         </a:solidFill>
-                        <a:latin typeface="Verdana" charset="0"/>
-                        <a:cs typeface="Verdana" charset="0"/>
+                        <a:latin typeface="Verdana" panose="020B0604030504040204" charset="0"/>
+                        <a:cs typeface="Verdana" panose="020B0604030504040204" charset="0"/>
                       </a:endParaRPr>
                     </a:p>
                   </a:txBody>
@@ -6772,32 +6727,32 @@
                     <a:bodyPr/>
                     <a:lstStyle/>
                     <a:p>
-                      <a:pPr marL="91440" indent="0" latinLnBrk="0" lvl="1">
+                      <a:pPr marL="91440" lvl="1" indent="0" latinLnBrk="0">
                         <a:lnSpc>
                           <a:spcPct val="100000"/>
                         </a:lnSpc>
                         <a:spcBef>
-                          <a:spcPct val="350"/>
+                          <a:spcPct val="0"/>
                         </a:spcBef>
                         <a:buFontTx/>
                         <a:buNone/>
                       </a:pPr>
                       <a:r>
-                        <a:rPr sz="1800" kern="1200" b="1">
+                        <a:rPr sz="1800" b="1" kern="1200">
                           <a:solidFill>
                             <a:srgbClr val="FFFFFF"/>
                           </a:solidFill>
-                          <a:latin typeface="Verdana" charset="0"/>
-                          <a:cs typeface="Verdana" charset="0"/>
+                          <a:latin typeface="Verdana" panose="020B0604030504040204" charset="0"/>
+                          <a:cs typeface="Verdana" panose="020B0604030504040204" charset="0"/>
                         </a:rPr>
                         <a:t>Options</a:t>
                       </a:r>
-                      <a:endParaRPr lang="ko-KR" altLang="en-US" sz="1800" kern="1200" b="1">
+                      <a:endParaRPr lang="ko-KR" altLang="en-US" sz="1800" b="1" kern="1200">
                         <a:solidFill>
                           <a:srgbClr val="FFFFFF"/>
                         </a:solidFill>
-                        <a:latin typeface="Verdana" charset="0"/>
-                        <a:cs typeface="Verdana" charset="0"/>
+                        <a:latin typeface="Verdana" panose="020B0604030504040204" charset="0"/>
+                        <a:cs typeface="Verdana" panose="020B0604030504040204" charset="0"/>
                       </a:endParaRPr>
                     </a:p>
                   </a:txBody>
@@ -6861,12 +6816,12 @@
                     <a:bodyPr/>
                     <a:lstStyle/>
                     <a:p>
-                      <a:pPr marL="91440" indent="0" latinLnBrk="0" lvl="1">
+                      <a:pPr marL="91440" lvl="1" indent="0" latinLnBrk="0">
                         <a:lnSpc>
                           <a:spcPct val="100000"/>
                         </a:lnSpc>
                         <a:spcBef>
-                          <a:spcPct val="355"/>
+                          <a:spcPct val="0"/>
                         </a:spcBef>
                         <a:buFontTx/>
                         <a:buNone/>
@@ -6876,8 +6831,8 @@
                           <a:solidFill>
                             <a:srgbClr val="000000"/>
                           </a:solidFill>
-                          <a:latin typeface="Verdana" charset="0"/>
-                          <a:cs typeface="Verdana" charset="0"/>
+                          <a:latin typeface="Verdana" panose="020B0604030504040204" charset="0"/>
+                          <a:cs typeface="Verdana" panose="020B0604030504040204" charset="0"/>
                         </a:rPr>
                         <a:t>Source Code</a:t>
                       </a:r>
@@ -6886,8 +6841,8 @@
                           <a:solidFill>
                             <a:srgbClr val="000000"/>
                           </a:solidFill>
-                          <a:latin typeface="Verdana" charset="0"/>
-                          <a:cs typeface="Verdana" charset="0"/>
+                          <a:latin typeface="Verdana" panose="020B0604030504040204" charset="0"/>
+                          <a:cs typeface="Verdana" panose="020B0604030504040204" charset="0"/>
                         </a:rPr>
                         <a:t> </a:t>
                       </a:r>
@@ -6896,8 +6851,8 @@
                           <a:solidFill>
                             <a:srgbClr val="000000"/>
                           </a:solidFill>
-                          <a:latin typeface="Verdana" charset="0"/>
-                          <a:cs typeface="Verdana" charset="0"/>
+                          <a:latin typeface="Verdana" panose="020B0604030504040204" charset="0"/>
+                          <a:cs typeface="Verdana" panose="020B0604030504040204" charset="0"/>
                         </a:rPr>
                         <a:t>Repository</a:t>
                       </a:r>
@@ -6905,8 +6860,8 @@
                         <a:solidFill>
                           <a:srgbClr val="000000"/>
                         </a:solidFill>
-                        <a:latin typeface="Verdana" charset="0"/>
-                        <a:cs typeface="Verdana" charset="0"/>
+                        <a:latin typeface="Verdana" panose="020B0604030504040204" charset="0"/>
+                        <a:cs typeface="Verdana" panose="020B0604030504040204" charset="0"/>
                       </a:endParaRPr>
                     </a:p>
                   </a:txBody>
@@ -6965,12 +6920,12 @@
                     <a:bodyPr/>
                     <a:lstStyle/>
                     <a:p>
-                      <a:pPr marL="91440" indent="0" latinLnBrk="0" lvl="1">
+                      <a:pPr marL="91440" lvl="1" indent="0" latinLnBrk="0">
                         <a:lnSpc>
                           <a:spcPct val="100000"/>
                         </a:lnSpc>
                         <a:spcBef>
-                          <a:spcPct val="355"/>
+                          <a:spcPct val="0"/>
                         </a:spcBef>
                         <a:buFontTx/>
                         <a:buNone/>
@@ -6980,8 +6935,8 @@
                           <a:solidFill>
                             <a:srgbClr val="000000"/>
                           </a:solidFill>
-                          <a:latin typeface="Verdana" charset="0"/>
-                          <a:cs typeface="Verdana" charset="0"/>
+                          <a:latin typeface="Verdana" panose="020B0604030504040204" charset="0"/>
+                          <a:cs typeface="Verdana" panose="020B0604030504040204" charset="0"/>
                         </a:rPr>
                         <a:t>Bitbucket</a:t>
                       </a:r>
@@ -6989,8 +6944,8 @@
                         <a:solidFill>
                           <a:srgbClr val="000000"/>
                         </a:solidFill>
-                        <a:latin typeface="Verdana" charset="0"/>
-                        <a:cs typeface="Verdana" charset="0"/>
+                        <a:latin typeface="Verdana" panose="020B0604030504040204" charset="0"/>
+                        <a:cs typeface="Verdana" panose="020B0604030504040204" charset="0"/>
                       </a:endParaRPr>
                     </a:p>
                   </a:txBody>
@@ -7051,12 +7006,12 @@
                     <a:bodyPr/>
                     <a:lstStyle/>
                     <a:p>
-                      <a:pPr marL="91440" indent="0" latinLnBrk="0" lvl="1">
+                      <a:pPr marL="91440" lvl="1" indent="0" latinLnBrk="0">
                         <a:lnSpc>
                           <a:spcPct val="100000"/>
                         </a:lnSpc>
                         <a:spcBef>
-                          <a:spcPct val="355"/>
+                          <a:spcPct val="0"/>
                         </a:spcBef>
                         <a:buFontTx/>
                         <a:buNone/>
@@ -7066,8 +7021,8 @@
                           <a:solidFill>
                             <a:srgbClr val="000000"/>
                           </a:solidFill>
-                          <a:latin typeface="Verdana" charset="0"/>
-                          <a:cs typeface="Verdana" charset="0"/>
+                          <a:latin typeface="Verdana" panose="020B0604030504040204" charset="0"/>
+                          <a:cs typeface="Verdana" panose="020B0604030504040204" charset="0"/>
                         </a:rPr>
                         <a:t>Continuous Integration</a:t>
                       </a:r>
@@ -7076,8 +7031,8 @@
                           <a:solidFill>
                             <a:srgbClr val="000000"/>
                           </a:solidFill>
-                          <a:latin typeface="Verdana" charset="0"/>
-                          <a:cs typeface="Verdana" charset="0"/>
+                          <a:latin typeface="Verdana" panose="020B0604030504040204" charset="0"/>
+                          <a:cs typeface="Verdana" panose="020B0604030504040204" charset="0"/>
                         </a:rPr>
                         <a:t> </a:t>
                       </a:r>
@@ -7086,8 +7041,8 @@
                           <a:solidFill>
                             <a:srgbClr val="000000"/>
                           </a:solidFill>
-                          <a:latin typeface="Verdana" charset="0"/>
-                          <a:cs typeface="Verdana" charset="0"/>
+                          <a:latin typeface="Verdana" panose="020B0604030504040204" charset="0"/>
+                          <a:cs typeface="Verdana" panose="020B0604030504040204" charset="0"/>
                         </a:rPr>
                         <a:t>Server</a:t>
                       </a:r>
@@ -7095,8 +7050,8 @@
                         <a:solidFill>
                           <a:srgbClr val="000000"/>
                         </a:solidFill>
-                        <a:latin typeface="Verdana" charset="0"/>
-                        <a:cs typeface="Verdana" charset="0"/>
+                        <a:latin typeface="Verdana" panose="020B0604030504040204" charset="0"/>
+                        <a:cs typeface="Verdana" panose="020B0604030504040204" charset="0"/>
                       </a:endParaRPr>
                     </a:p>
                   </a:txBody>
@@ -7155,12 +7110,12 @@
                     <a:bodyPr/>
                     <a:lstStyle/>
                     <a:p>
-                      <a:pPr marL="91440" indent="0" latinLnBrk="0" lvl="1">
+                      <a:pPr marL="91440" lvl="1" indent="0" latinLnBrk="0">
                         <a:lnSpc>
                           <a:spcPct val="100000"/>
                         </a:lnSpc>
                         <a:spcBef>
-                          <a:spcPct val="355"/>
+                          <a:spcPct val="0"/>
                         </a:spcBef>
                         <a:buFontTx/>
                         <a:buNone/>
@@ -7170,8 +7125,8 @@
                           <a:solidFill>
                             <a:srgbClr val="000000"/>
                           </a:solidFill>
-                          <a:latin typeface="Verdana" charset="0"/>
-                          <a:cs typeface="Verdana" charset="0"/>
+                          <a:latin typeface="Verdana" panose="020B0604030504040204" charset="0"/>
+                          <a:cs typeface="Verdana" panose="020B0604030504040204" charset="0"/>
                         </a:rPr>
                         <a:t>Jenkins</a:t>
                       </a:r>
@@ -7179,8 +7134,8 @@
                         <a:solidFill>
                           <a:srgbClr val="000000"/>
                         </a:solidFill>
-                        <a:latin typeface="Verdana" charset="0"/>
-                        <a:cs typeface="Verdana" charset="0"/>
+                        <a:latin typeface="Verdana" panose="020B0604030504040204" charset="0"/>
+                        <a:cs typeface="Verdana" panose="020B0604030504040204" charset="0"/>
                       </a:endParaRPr>
                     </a:p>
                   </a:txBody>
@@ -7241,12 +7196,12 @@
                     <a:bodyPr/>
                     <a:lstStyle/>
                     <a:p>
-                      <a:pPr marL="91440" indent="0" latinLnBrk="0" lvl="1">
+                      <a:pPr marL="91440" lvl="1" indent="0" latinLnBrk="0">
                         <a:lnSpc>
                           <a:spcPct val="100000"/>
                         </a:lnSpc>
                         <a:spcBef>
-                          <a:spcPct val="359"/>
+                          <a:spcPct val="0"/>
                         </a:spcBef>
                         <a:buFontTx/>
                         <a:buNone/>
@@ -7256,8 +7211,8 @@
                           <a:solidFill>
                             <a:srgbClr val="000000"/>
                           </a:solidFill>
-                          <a:latin typeface="Verdana" charset="0"/>
-                          <a:cs typeface="Verdana" charset="0"/>
+                          <a:latin typeface="Verdana" panose="020B0604030504040204" charset="0"/>
+                          <a:cs typeface="Verdana" panose="020B0604030504040204" charset="0"/>
                         </a:rPr>
                         <a:t>Code</a:t>
                       </a:r>
@@ -7266,8 +7221,8 @@
                           <a:solidFill>
                             <a:srgbClr val="000000"/>
                           </a:solidFill>
-                          <a:latin typeface="Verdana" charset="0"/>
-                          <a:cs typeface="Verdana" charset="0"/>
+                          <a:latin typeface="Verdana" panose="020B0604030504040204" charset="0"/>
+                          <a:cs typeface="Verdana" panose="020B0604030504040204" charset="0"/>
                         </a:rPr>
                         <a:t> </a:t>
                       </a:r>
@@ -7276,8 +7231,8 @@
                           <a:solidFill>
                             <a:srgbClr val="000000"/>
                           </a:solidFill>
-                          <a:latin typeface="Verdana" charset="0"/>
-                          <a:cs typeface="Verdana" charset="0"/>
+                          <a:latin typeface="Verdana" panose="020B0604030504040204" charset="0"/>
+                          <a:cs typeface="Verdana" panose="020B0604030504040204" charset="0"/>
                         </a:rPr>
                         <a:t>Analysis</a:t>
                       </a:r>
@@ -7285,8 +7240,8 @@
                         <a:solidFill>
                           <a:srgbClr val="000000"/>
                         </a:solidFill>
-                        <a:latin typeface="Verdana" charset="0"/>
-                        <a:cs typeface="Verdana" charset="0"/>
+                        <a:latin typeface="Verdana" panose="020B0604030504040204" charset="0"/>
+                        <a:cs typeface="Verdana" panose="020B0604030504040204" charset="0"/>
                       </a:endParaRPr>
                     </a:p>
                   </a:txBody>
@@ -7345,12 +7300,12 @@
                     <a:bodyPr/>
                     <a:lstStyle/>
                     <a:p>
-                      <a:pPr marL="91440" indent="0" latinLnBrk="0" lvl="1">
+                      <a:pPr marL="91440" lvl="1" indent="0" latinLnBrk="0">
                         <a:lnSpc>
                           <a:spcPct val="100000"/>
                         </a:lnSpc>
                         <a:spcBef>
-                          <a:spcPct val="359"/>
+                          <a:spcPct val="0"/>
                         </a:spcBef>
                         <a:buFontTx/>
                         <a:buNone/>
@@ -7360,8 +7315,8 @@
                           <a:solidFill>
                             <a:srgbClr val="000000"/>
                           </a:solidFill>
-                          <a:latin typeface="Verdana" charset="0"/>
-                          <a:cs typeface="Verdana" charset="0"/>
+                          <a:latin typeface="Verdana" panose="020B0604030504040204" charset="0"/>
+                          <a:cs typeface="Verdana" panose="020B0604030504040204" charset="0"/>
                         </a:rPr>
                         <a:t>Sonar Qube</a:t>
                       </a:r>
@@ -7369,8 +7324,8 @@
                         <a:solidFill>
                           <a:srgbClr val="000000"/>
                         </a:solidFill>
-                        <a:latin typeface="Verdana" charset="0"/>
-                        <a:cs typeface="Verdana" charset="0"/>
+                        <a:latin typeface="Verdana" panose="020B0604030504040204" charset="0"/>
+                        <a:cs typeface="Verdana" panose="020B0604030504040204" charset="0"/>
                       </a:endParaRPr>
                     </a:p>
                   </a:txBody>
@@ -7431,12 +7386,12 @@
                     <a:bodyPr/>
                     <a:lstStyle/>
                     <a:p>
-                      <a:pPr marL="91440" indent="0" latinLnBrk="0" lvl="1">
+                      <a:pPr marL="91440" lvl="1" indent="0" latinLnBrk="0">
                         <a:lnSpc>
                           <a:spcPct val="100000"/>
                         </a:lnSpc>
                         <a:spcBef>
-                          <a:spcPct val="355"/>
+                          <a:spcPct val="0"/>
                         </a:spcBef>
                         <a:buFontTx/>
                         <a:buNone/>
@@ -7446,8 +7401,8 @@
                           <a:solidFill>
                             <a:srgbClr val="000000"/>
                           </a:solidFill>
-                          <a:latin typeface="Verdana" charset="0"/>
-                          <a:cs typeface="Verdana" charset="0"/>
+                          <a:latin typeface="Verdana" panose="020B0604030504040204" charset="0"/>
+                          <a:cs typeface="Verdana" panose="020B0604030504040204" charset="0"/>
                         </a:rPr>
                         <a:t>Code Analysis</a:t>
                       </a:r>
@@ -7456,8 +7411,8 @@
                           <a:solidFill>
                             <a:srgbClr val="000000"/>
                           </a:solidFill>
-                          <a:latin typeface="Verdana" charset="0"/>
-                          <a:cs typeface="Verdana" charset="0"/>
+                          <a:latin typeface="Verdana" panose="020B0604030504040204" charset="0"/>
+                          <a:cs typeface="Verdana" panose="020B0604030504040204" charset="0"/>
                         </a:rPr>
                         <a:t> </a:t>
                       </a:r>
@@ -7466,8 +7421,8 @@
                           <a:solidFill>
                             <a:srgbClr val="000000"/>
                           </a:solidFill>
-                          <a:latin typeface="Verdana" charset="0"/>
-                          <a:cs typeface="Verdana" charset="0"/>
+                          <a:latin typeface="Verdana" panose="020B0604030504040204" charset="0"/>
+                          <a:cs typeface="Verdana" panose="020B0604030504040204" charset="0"/>
                         </a:rPr>
                         <a:t>Tools(</a:t>
                       </a:r>
@@ -7476,8 +7431,8 @@
                           <a:solidFill>
                             <a:srgbClr val="000000"/>
                           </a:solidFill>
-                          <a:latin typeface="Verdana" charset="0"/>
-                          <a:cs typeface="Verdana" charset="0"/>
+                          <a:latin typeface="Verdana" panose="020B0604030504040204" charset="0"/>
+                          <a:cs typeface="Verdana" panose="020B0604030504040204" charset="0"/>
                         </a:rPr>
                         <a:t>for Java project</a:t>
                       </a:r>
@@ -7486,8 +7441,8 @@
                           <a:solidFill>
                             <a:srgbClr val="000000"/>
                           </a:solidFill>
-                          <a:latin typeface="Verdana" charset="0"/>
-                          <a:cs typeface="Verdana" charset="0"/>
+                          <a:latin typeface="Verdana" panose="020B0604030504040204" charset="0"/>
+                          <a:cs typeface="Verdana" panose="020B0604030504040204" charset="0"/>
                         </a:rPr>
                         <a:t>)</a:t>
                       </a:r>
@@ -7495,8 +7450,8 @@
                         <a:solidFill>
                           <a:srgbClr val="000000"/>
                         </a:solidFill>
-                        <a:latin typeface="Verdana" charset="0"/>
-                        <a:cs typeface="Verdana" charset="0"/>
+                        <a:latin typeface="Verdana" panose="020B0604030504040204" charset="0"/>
+                        <a:cs typeface="Verdana" panose="020B0604030504040204" charset="0"/>
                       </a:endParaRPr>
                     </a:p>
                   </a:txBody>
@@ -7555,12 +7510,12 @@
                     <a:bodyPr/>
                     <a:lstStyle/>
                     <a:p>
-                      <a:pPr marL="91440" indent="0" latinLnBrk="0" lvl="1">
+                      <a:pPr marL="91440" lvl="1" indent="0" latinLnBrk="0">
                         <a:lnSpc>
                           <a:spcPct val="100000"/>
                         </a:lnSpc>
                         <a:spcBef>
-                          <a:spcPct val="355"/>
+                          <a:spcPct val="0"/>
                         </a:spcBef>
                         <a:buFontTx/>
                         <a:buNone/>
@@ -7570,8 +7525,8 @@
                           <a:solidFill>
                             <a:srgbClr val="000000"/>
                           </a:solidFill>
-                          <a:latin typeface="Verdana" charset="0"/>
-                          <a:cs typeface="Verdana" charset="0"/>
+                          <a:latin typeface="Verdana" panose="020B0604030504040204" charset="0"/>
+                          <a:cs typeface="Verdana" panose="020B0604030504040204" charset="0"/>
                         </a:rPr>
                         <a:t>Jacoco</a:t>
                       </a:r>
@@ -7579,8 +7534,8 @@
                         <a:solidFill>
                           <a:srgbClr val="000000"/>
                         </a:solidFill>
-                        <a:latin typeface="Verdana" charset="0"/>
-                        <a:cs typeface="Verdana" charset="0"/>
+                        <a:latin typeface="Verdana" panose="020B0604030504040204" charset="0"/>
+                        <a:cs typeface="Verdana" panose="020B0604030504040204" charset="0"/>
                       </a:endParaRPr>
                     </a:p>
                   </a:txBody>
@@ -7641,12 +7596,12 @@
                     <a:bodyPr/>
                     <a:lstStyle/>
                     <a:p>
-                      <a:pPr marL="91440" indent="0" latinLnBrk="0" lvl="1">
+                      <a:pPr marL="91440" lvl="1" indent="0" latinLnBrk="0">
                         <a:lnSpc>
                           <a:spcPct val="100000"/>
                         </a:lnSpc>
                         <a:spcBef>
-                          <a:spcPct val="359"/>
+                          <a:spcPct val="0"/>
                         </a:spcBef>
                         <a:buFontTx/>
                         <a:buNone/>
@@ -7656,8 +7611,8 @@
                           <a:solidFill>
                             <a:srgbClr val="000000"/>
                           </a:solidFill>
-                          <a:latin typeface="Verdana" charset="0"/>
-                          <a:cs typeface="Verdana" charset="0"/>
+                          <a:latin typeface="Verdana" panose="020B0604030504040204" charset="0"/>
+                          <a:cs typeface="Verdana" panose="020B0604030504040204" charset="0"/>
                         </a:rPr>
                         <a:t>Build </a:t>
                       </a:r>
@@ -7666,8 +7621,8 @@
                           <a:solidFill>
                             <a:srgbClr val="000000"/>
                           </a:solidFill>
-                          <a:latin typeface="Verdana" charset="0"/>
-                          <a:cs typeface="Verdana" charset="0"/>
+                          <a:latin typeface="Verdana" panose="020B0604030504040204" charset="0"/>
+                          <a:cs typeface="Verdana" panose="020B0604030504040204" charset="0"/>
                         </a:rPr>
                         <a:t>Tools</a:t>
                       </a:r>
@@ -7676,8 +7631,8 @@
                           <a:solidFill>
                             <a:srgbClr val="000000"/>
                           </a:solidFill>
-                          <a:latin typeface="Verdana" charset="0"/>
-                          <a:cs typeface="Verdana" charset="0"/>
+                          <a:latin typeface="Verdana" panose="020B0604030504040204" charset="0"/>
+                          <a:cs typeface="Verdana" panose="020B0604030504040204" charset="0"/>
                         </a:rPr>
                         <a:t> </a:t>
                       </a:r>
@@ -7686,8 +7641,8 @@
                           <a:solidFill>
                             <a:srgbClr val="000000"/>
                           </a:solidFill>
-                          <a:latin typeface="Verdana" charset="0"/>
-                          <a:cs typeface="Verdana" charset="0"/>
+                          <a:latin typeface="Verdana" panose="020B0604030504040204" charset="0"/>
+                          <a:cs typeface="Verdana" panose="020B0604030504040204" charset="0"/>
                         </a:rPr>
                         <a:t>(Java and Angular)</a:t>
                       </a:r>
@@ -7695,8 +7650,8 @@
                         <a:solidFill>
                           <a:srgbClr val="000000"/>
                         </a:solidFill>
-                        <a:latin typeface="Verdana" charset="0"/>
-                        <a:cs typeface="Verdana" charset="0"/>
+                        <a:latin typeface="Verdana" panose="020B0604030504040204" charset="0"/>
+                        <a:cs typeface="Verdana" panose="020B0604030504040204" charset="0"/>
                       </a:endParaRPr>
                     </a:p>
                   </a:txBody>
@@ -7755,12 +7710,12 @@
                     <a:bodyPr/>
                     <a:lstStyle/>
                     <a:p>
-                      <a:pPr marL="91440" indent="0" latinLnBrk="0" lvl="1">
+                      <a:pPr marL="91440" lvl="1" indent="0" latinLnBrk="0">
                         <a:lnSpc>
                           <a:spcPct val="100000"/>
                         </a:lnSpc>
                         <a:spcBef>
-                          <a:spcPct val="359"/>
+                          <a:spcPct val="0"/>
                         </a:spcBef>
                         <a:buFontTx/>
                         <a:buNone/>
@@ -7770,8 +7725,8 @@
                           <a:solidFill>
                             <a:srgbClr val="000000"/>
                           </a:solidFill>
-                          <a:latin typeface="Verdana" charset="0"/>
-                          <a:cs typeface="Verdana" charset="0"/>
+                          <a:latin typeface="Verdana" panose="020B0604030504040204" charset="0"/>
+                          <a:cs typeface="Verdana" panose="020B0604030504040204" charset="0"/>
                         </a:rPr>
                         <a:t>Maven</a:t>
                       </a:r>
@@ -7780,8 +7735,8 @@
                           <a:solidFill>
                             <a:srgbClr val="000000"/>
                           </a:solidFill>
-                          <a:latin typeface="Verdana" charset="0"/>
-                          <a:cs typeface="Verdana" charset="0"/>
+                          <a:latin typeface="Verdana" panose="020B0604030504040204" charset="0"/>
+                          <a:cs typeface="Verdana" panose="020B0604030504040204" charset="0"/>
                         </a:rPr>
                         <a:t>, NPM</a:t>
                       </a:r>
@@ -7789,8 +7744,8 @@
                         <a:solidFill>
                           <a:srgbClr val="000000"/>
                         </a:solidFill>
-                        <a:latin typeface="Verdana" charset="0"/>
-                        <a:cs typeface="Verdana" charset="0"/>
+                        <a:latin typeface="Verdana" panose="020B0604030504040204" charset="0"/>
+                        <a:cs typeface="Verdana" panose="020B0604030504040204" charset="0"/>
                       </a:endParaRPr>
                     </a:p>
                   </a:txBody>
@@ -7851,12 +7806,12 @@
                     <a:bodyPr/>
                     <a:lstStyle/>
                     <a:p>
-                      <a:pPr marL="91440" indent="0" latinLnBrk="0" lvl="1">
+                      <a:pPr marL="91440" lvl="1" indent="0" latinLnBrk="0">
                         <a:lnSpc>
                           <a:spcPct val="100000"/>
                         </a:lnSpc>
                         <a:spcBef>
-                          <a:spcPct val="359"/>
+                          <a:spcPct val="0"/>
                         </a:spcBef>
                         <a:buFontTx/>
                         <a:buNone/>
@@ -7866,8 +7821,8 @@
                           <a:solidFill>
                             <a:srgbClr val="000000"/>
                           </a:solidFill>
-                          <a:latin typeface="Verdana" charset="0"/>
-                          <a:cs typeface="Verdana" charset="0"/>
+                          <a:latin typeface="Verdana" panose="020B0604030504040204" charset="0"/>
+                          <a:cs typeface="Verdana" panose="020B0604030504040204" charset="0"/>
                         </a:rPr>
                         <a:t>Web Servers </a:t>
                       </a:r>
@@ -7875,8 +7830,8 @@
                         <a:solidFill>
                           <a:srgbClr val="000000"/>
                         </a:solidFill>
-                        <a:latin typeface="Verdana" charset="0"/>
-                        <a:cs typeface="Verdana" charset="0"/>
+                        <a:latin typeface="Verdana" panose="020B0604030504040204" charset="0"/>
+                        <a:cs typeface="Verdana" panose="020B0604030504040204" charset="0"/>
                       </a:endParaRPr>
                     </a:p>
                   </a:txBody>
@@ -7935,12 +7890,12 @@
                     <a:bodyPr/>
                     <a:lstStyle/>
                     <a:p>
-                      <a:pPr marL="91440" indent="0" latinLnBrk="0" lvl="1">
+                      <a:pPr marL="91440" lvl="1" indent="0" latinLnBrk="0">
                         <a:lnSpc>
                           <a:spcPct val="100000"/>
                         </a:lnSpc>
                         <a:spcBef>
-                          <a:spcPct val="359"/>
+                          <a:spcPct val="0"/>
                         </a:spcBef>
                         <a:buFontTx/>
                         <a:buNone/>
@@ -7950,8 +7905,8 @@
                           <a:solidFill>
                             <a:srgbClr val="000000"/>
                           </a:solidFill>
-                          <a:latin typeface="Verdana" charset="0"/>
-                          <a:cs typeface="Verdana" charset="0"/>
+                          <a:latin typeface="Verdana" panose="020B0604030504040204" charset="0"/>
+                          <a:cs typeface="Verdana" panose="020B0604030504040204" charset="0"/>
                         </a:rPr>
                         <a:t>Apache Tomcat</a:t>
                       </a:r>
@@ -7960,8 +7915,8 @@
                           <a:solidFill>
                             <a:srgbClr val="000000"/>
                           </a:solidFill>
-                          <a:latin typeface="Verdana" charset="0"/>
-                          <a:cs typeface="Verdana" charset="0"/>
+                          <a:latin typeface="Verdana" panose="020B0604030504040204" charset="0"/>
+                          <a:cs typeface="Verdana" panose="020B0604030504040204" charset="0"/>
                         </a:rPr>
                         <a:t> 9.0</a:t>
                       </a:r>
@@ -7970,8 +7925,8 @@
                           <a:solidFill>
                             <a:srgbClr val="000000"/>
                           </a:solidFill>
-                          <a:latin typeface="Verdana" charset="0"/>
-                          <a:cs typeface="Verdana" charset="0"/>
+                          <a:latin typeface="Verdana" panose="020B0604030504040204" charset="0"/>
+                          <a:cs typeface="Verdana" panose="020B0604030504040204" charset="0"/>
                         </a:rPr>
                         <a:t> and Apache HTTP Server</a:t>
                       </a:r>
@@ -7980,8 +7935,8 @@
                           <a:solidFill>
                             <a:srgbClr val="000000"/>
                           </a:solidFill>
-                          <a:latin typeface="Verdana" charset="0"/>
-                          <a:cs typeface="Verdana" charset="0"/>
+                          <a:latin typeface="Verdana" panose="020B0604030504040204" charset="0"/>
+                          <a:cs typeface="Verdana" panose="020B0604030504040204" charset="0"/>
                         </a:rPr>
                         <a:t> 2.4</a:t>
                       </a:r>
@@ -7989,8 +7944,8 @@
                         <a:solidFill>
                           <a:srgbClr val="000000"/>
                         </a:solidFill>
-                        <a:latin typeface="Verdana" charset="0"/>
-                        <a:cs typeface="Verdana" charset="0"/>
+                        <a:latin typeface="Verdana" panose="020B0604030504040204" charset="0"/>
+                        <a:cs typeface="Verdana" panose="020B0604030504040204" charset="0"/>
                       </a:endParaRPr>
                     </a:p>
                   </a:txBody>
@@ -8073,7 +8028,7 @@
 </file>
 
 <file path=ppt/slides/slide9.xml><?xml version="1.0" encoding="utf-8"?>
-<p:sld xmlns:a="http://schemas.openxmlformats.org/drawingml/2006/main" xmlns:r="http://schemas.openxmlformats.org/officeDocument/2006/relationships" xmlns:p="http://schemas.openxmlformats.org/presentationml/2006/main" xmlns:p14="http://schemas.microsoft.com/office/powerpoint/2010/main">
+<p:sld xmlns:a="http://schemas.openxmlformats.org/drawingml/2006/main" xmlns:r="http://schemas.openxmlformats.org/officeDocument/2006/relationships" xmlns:p="http://schemas.openxmlformats.org/presentationml/2006/main">
   <p:cSld>
     <p:spTree>
       <p:nvGrpSpPr>
@@ -8092,22 +8047,22 @@
       <p:sp>
         <p:nvSpPr>
           <p:cNvPr id="3" name="object 3"/>
-          <p:cNvSpPr txBox="1">
-            <a:spLocks/>
-          </p:cNvSpPr>
+          <p:cNvSpPr txBox="1"/>
           <p:nvPr>
             <p:ph type="title"/>
           </p:nvPr>
         </p:nvSpPr>
         <p:spPr>
-          <a:xfrm rot="0">
+          <a:xfrm>
             <a:off x="1016635" y="619125"/>
             <a:ext cx="8947150" cy="504825"/>
           </a:xfrm>
-          <a:prstGeom prst="rect"/>
+          <a:prstGeom prst="rect">
+            <a:avLst/>
+          </a:prstGeom>
         </p:spPr>
         <p:txBody>
-          <a:bodyPr wrap="square" lIns="0" tIns="12065" rIns="0" bIns="0" numCol="1" vert="horz" anchor="t">
+          <a:bodyPr vert="horz" wrap="square" lIns="0" tIns="12065" rIns="0" bIns="0" numCol="1" anchor="t">
             <a:spAutoFit/>
           </a:bodyPr>
           <a:lstStyle/>
@@ -8123,45 +8078,45 @@
               <a:buNone/>
             </a:pPr>
             <a:r>
-              <a:rPr sz="3200" i="0" b="1">
+              <a:rPr sz="3200" b="1" i="0">
                 <a:solidFill>
                   <a:schemeClr val="tx2"/>
                 </a:solidFill>
                 <a:effectLst>
-                  <a:outerShdw sx="100000" sy="100000" blurRad="50800" dist="38100" dir="2700000" rotWithShape="0" algn="tl">
+                  <a:outerShdw blurRad="50800" dist="38100" dir="2700000" algn="tl" rotWithShape="0">
                     <a:srgbClr val="000000">
                       <a:alpha val="40000"/>
                     </a:srgbClr>
                   </a:outerShdw>
                 </a:effectLst>
-                <a:latin typeface="Verdana" charset="0"/>
-                <a:ea typeface="Verdana" charset="0"/>
+                <a:latin typeface="Verdana" panose="020B0604030504040204" charset="0"/>
+                <a:ea typeface="Verdana" panose="020B0604030504040204" charset="0"/>
               </a:rPr>
               <a:t>Jenkins Workflow</a:t>
             </a:r>
             <a:r>
-              <a:rPr lang="en-US" sz="3200" i="0" b="1">
+              <a:rPr lang="en-US" sz="3200" b="1" i="0">
                 <a:solidFill>
                   <a:schemeClr val="tx2"/>
                 </a:solidFill>
                 <a:effectLst>
-                  <a:outerShdw sx="100000" sy="100000" blurRad="50800" dist="38100" dir="2700000" rotWithShape="0" algn="tl">
+                  <a:outerShdw blurRad="50800" dist="38100" dir="2700000" algn="tl" rotWithShape="0">
                     <a:srgbClr val="000000">
                       <a:alpha val="40000"/>
                     </a:srgbClr>
                   </a:outerShdw>
                 </a:effectLst>
-                <a:latin typeface="Verdana" charset="0"/>
-                <a:ea typeface="Verdana" charset="0"/>
+                <a:latin typeface="Verdana" panose="020B0604030504040204" charset="0"/>
+                <a:ea typeface="Verdana" panose="020B0604030504040204" charset="0"/>
               </a:rPr>
               <a:t> for Java Project</a:t>
             </a:r>
-            <a:endParaRPr lang="ko-KR" altLang="en-US" sz="3200" i="0" b="1">
+            <a:endParaRPr lang="ko-KR" altLang="en-US" sz="3200" b="1" i="0">
               <a:solidFill>
                 <a:schemeClr val="tx2"/>
               </a:solidFill>
-              <a:latin typeface="Verdana" charset="0"/>
-              <a:ea typeface="Verdana" charset="0"/>
+              <a:latin typeface="Verdana" panose="020B0604030504040204" charset="0"/>
+              <a:ea typeface="Verdana" panose="020B0604030504040204" charset="0"/>
             </a:endParaRPr>
           </a:p>
         </p:txBody>
@@ -8175,7 +8130,7 @@
           <p:nvPr/>
         </p:nvPicPr>
         <p:blipFill rotWithShape="1">
-          <a:blip r:embed="rId5" cstate="print">
+          <a:blip r:embed="rId1" cstate="print">
             <a:extLst>
               <a:ext uri="{28A0092B-C50C-407E-A947-70E740481C1C}">
                 <a14:useLocalDpi xmlns:a14="http://schemas.microsoft.com/office/drawing/2010/main" val="0"/>
@@ -8188,11 +8143,13 @@
           </a:stretch>
         </p:blipFill>
         <p:spPr>
-          <a:xfrm rot="0">
+          <a:xfrm>
             <a:off x="1527175" y="1860550"/>
             <a:ext cx="9392285" cy="1048385"/>
           </a:xfrm>
-          <a:prstGeom prst="rect"/>
+          <a:prstGeom prst="rect">
+            <a:avLst/>
+          </a:prstGeom>
           <a:noFill/>
         </p:spPr>
       </p:pic>
@@ -8205,7 +8162,7 @@
           <p:nvPr/>
         </p:nvPicPr>
         <p:blipFill rotWithShape="1">
-          <a:blip r:embed="rId6" cstate="print">
+          <a:blip r:embed="rId2" cstate="print">
             <a:extLst>
               <a:ext uri="{28A0092B-C50C-407E-A947-70E740481C1C}">
                 <a14:useLocalDpi xmlns:a14="http://schemas.microsoft.com/office/drawing/2010/main" val="0"/>
@@ -8217,11 +8174,13 @@
           </a:stretch>
         </p:blipFill>
         <p:spPr>
-          <a:xfrm rot="0">
+          <a:xfrm>
             <a:off x="1981200" y="3162935"/>
             <a:ext cx="7592060" cy="2743835"/>
           </a:xfrm>
-          <a:prstGeom prst="rect"/>
+          <a:prstGeom prst="rect">
+            <a:avLst/>
+          </a:prstGeom>
           <a:noFill/>
         </p:spPr>
       </p:pic>
@@ -8526,7 +8485,10 @@
       </a:bgFillStyleLst>
     </a:fmtScheme>
   </a:themeElements>
-  <a:objectDefaults/>
-  <a:extraClrSchemeLst/>
+  <a:extLst>
+    <a:ext uri="{05A4C25C-085E-4340-85A3-A5531E510DB2}">
+      <thm15:themeFamily xmlns:thm15="http://schemas.microsoft.com/office/thememl/2012/main" name="Office Theme" id="{62F939B6-93AF-4DB8-9C6B-D6C7DFDC589F}" vid="{4A3C46E8-61CC-4603-A589-7422A47A8E4A}"/>
+    </a:ext>
+  </a:extLst>
 </a:theme>
 </file>